--- a/docs/presentations/PythonUDS.pptx
+++ b/docs/presentations/PythonUDS.pptx
@@ -4,6 +4,9 @@
   <p:sldMasterIdLst>
     <p:sldMasterId id="2147483648" r:id="rId4"/>
   </p:sldMasterIdLst>
+  <p:notesMasterIdLst>
+    <p:notesMasterId r:id="rId39"/>
+  </p:notesMasterIdLst>
   <p:sldIdLst>
     <p:sldId id="256" r:id="rId5"/>
     <p:sldId id="257" r:id="rId6"/>
@@ -14,30 +17,31 @@
     <p:sldId id="265" r:id="rId11"/>
     <p:sldId id="289" r:id="rId12"/>
     <p:sldId id="263" r:id="rId13"/>
-    <p:sldId id="269" r:id="rId14"/>
-    <p:sldId id="264" r:id="rId15"/>
-    <p:sldId id="271" r:id="rId16"/>
-    <p:sldId id="276" r:id="rId17"/>
-    <p:sldId id="260" r:id="rId18"/>
-    <p:sldId id="270" r:id="rId19"/>
-    <p:sldId id="272" r:id="rId20"/>
-    <p:sldId id="274" r:id="rId21"/>
-    <p:sldId id="273" r:id="rId22"/>
-    <p:sldId id="280" r:id="rId23"/>
-    <p:sldId id="267" r:id="rId24"/>
-    <p:sldId id="268" r:id="rId25"/>
-    <p:sldId id="282" r:id="rId26"/>
-    <p:sldId id="283" r:id="rId27"/>
-    <p:sldId id="281" r:id="rId28"/>
-    <p:sldId id="285" r:id="rId29"/>
-    <p:sldId id="284" r:id="rId30"/>
-    <p:sldId id="288" r:id="rId31"/>
-    <p:sldId id="287" r:id="rId32"/>
-    <p:sldId id="286" r:id="rId33"/>
-    <p:sldId id="290" r:id="rId34"/>
-    <p:sldId id="291" r:id="rId35"/>
-    <p:sldId id="279" r:id="rId36"/>
-    <p:sldId id="266" r:id="rId37"/>
+    <p:sldId id="292" r:id="rId14"/>
+    <p:sldId id="269" r:id="rId15"/>
+    <p:sldId id="264" r:id="rId16"/>
+    <p:sldId id="271" r:id="rId17"/>
+    <p:sldId id="276" r:id="rId18"/>
+    <p:sldId id="260" r:id="rId19"/>
+    <p:sldId id="270" r:id="rId20"/>
+    <p:sldId id="272" r:id="rId21"/>
+    <p:sldId id="274" r:id="rId22"/>
+    <p:sldId id="273" r:id="rId23"/>
+    <p:sldId id="280" r:id="rId24"/>
+    <p:sldId id="267" r:id="rId25"/>
+    <p:sldId id="268" r:id="rId26"/>
+    <p:sldId id="282" r:id="rId27"/>
+    <p:sldId id="283" r:id="rId28"/>
+    <p:sldId id="281" r:id="rId29"/>
+    <p:sldId id="285" r:id="rId30"/>
+    <p:sldId id="284" r:id="rId31"/>
+    <p:sldId id="288" r:id="rId32"/>
+    <p:sldId id="287" r:id="rId33"/>
+    <p:sldId id="286" r:id="rId34"/>
+    <p:sldId id="290" r:id="rId35"/>
+    <p:sldId id="291" r:id="rId36"/>
+    <p:sldId id="279" r:id="rId37"/>
+    <p:sldId id="266" r:id="rId38"/>
   </p:sldIdLst>
   <p:sldSz cx="12192000" cy="6858000"/>
   <p:notesSz cx="6858000" cy="9144000"/>
@@ -1053,6 +1057,1433 @@
 </pc:chgInfo>
 </file>
 
+<file path=ppt/notesMasters/notesMaster1.xml><?xml version="1.0" encoding="utf-8"?>
+<p:notesMaster xmlns:a="http://schemas.openxmlformats.org/drawingml/2006/main" xmlns:r="http://schemas.openxmlformats.org/officeDocument/2006/relationships" xmlns:p="http://schemas.openxmlformats.org/presentationml/2006/main">
+  <p:cSld>
+    <p:bg>
+      <p:bgRef idx="1001">
+        <a:schemeClr val="bg1"/>
+      </p:bgRef>
+    </p:bg>
+    <p:spTree>
+      <p:nvGrpSpPr>
+        <p:cNvPr id="1" name=""/>
+        <p:cNvGrpSpPr/>
+        <p:nvPr/>
+      </p:nvGrpSpPr>
+      <p:grpSpPr>
+        <a:xfrm>
+          <a:off x="0" y="0"/>
+          <a:ext cx="0" cy="0"/>
+          <a:chOff x="0" y="0"/>
+          <a:chExt cx="0" cy="0"/>
+        </a:xfrm>
+      </p:grpSpPr>
+      <p:sp>
+        <p:nvSpPr>
+          <p:cNvPr id="2" name="Header Placeholder 1"/>
+          <p:cNvSpPr>
+            <a:spLocks noGrp="1"/>
+          </p:cNvSpPr>
+          <p:nvPr>
+            <p:ph type="hdr" sz="quarter"/>
+          </p:nvPr>
+        </p:nvSpPr>
+        <p:spPr>
+          <a:xfrm>
+            <a:off x="0" y="0"/>
+            <a:ext cx="2971800" cy="458788"/>
+          </a:xfrm>
+          <a:prstGeom prst="rect">
+            <a:avLst/>
+          </a:prstGeom>
+        </p:spPr>
+        <p:txBody>
+          <a:bodyPr vert="horz" lIns="91440" tIns="45720" rIns="91440" bIns="45720" rtlCol="0"/>
+          <a:lstStyle>
+            <a:lvl1pPr algn="l">
+              <a:defRPr sz="1200"/>
+            </a:lvl1pPr>
+          </a:lstStyle>
+          <a:p>
+            <a:endParaRPr lang="en-GB"/>
+          </a:p>
+        </p:txBody>
+      </p:sp>
+      <p:sp>
+        <p:nvSpPr>
+          <p:cNvPr id="3" name="Date Placeholder 2"/>
+          <p:cNvSpPr>
+            <a:spLocks noGrp="1"/>
+          </p:cNvSpPr>
+          <p:nvPr>
+            <p:ph type="dt" idx="1"/>
+          </p:nvPr>
+        </p:nvSpPr>
+        <p:spPr>
+          <a:xfrm>
+            <a:off x="3884613" y="0"/>
+            <a:ext cx="2971800" cy="458788"/>
+          </a:xfrm>
+          <a:prstGeom prst="rect">
+            <a:avLst/>
+          </a:prstGeom>
+        </p:spPr>
+        <p:txBody>
+          <a:bodyPr vert="horz" lIns="91440" tIns="45720" rIns="91440" bIns="45720" rtlCol="0"/>
+          <a:lstStyle>
+            <a:lvl1pPr algn="r">
+              <a:defRPr sz="1200"/>
+            </a:lvl1pPr>
+          </a:lstStyle>
+          <a:p>
+            <a:fld id="{65CEC779-C0FA-4727-A73F-B10922B5EE22}" type="datetimeFigureOut">
+              <a:rPr lang="en-GB" smtClean="0"/>
+              <a:t>12/05/2020</a:t>
+            </a:fld>
+            <a:endParaRPr lang="en-GB"/>
+          </a:p>
+        </p:txBody>
+      </p:sp>
+      <p:sp>
+        <p:nvSpPr>
+          <p:cNvPr id="4" name="Slide Image Placeholder 3"/>
+          <p:cNvSpPr>
+            <a:spLocks noGrp="1" noRot="1" noChangeAspect="1"/>
+          </p:cNvSpPr>
+          <p:nvPr>
+            <p:ph type="sldImg" idx="2"/>
+          </p:nvPr>
+        </p:nvSpPr>
+        <p:spPr>
+          <a:xfrm>
+            <a:off x="685800" y="1143000"/>
+            <a:ext cx="5486400" cy="3086100"/>
+          </a:xfrm>
+          <a:prstGeom prst="rect">
+            <a:avLst/>
+          </a:prstGeom>
+          <a:noFill/>
+          <a:ln w="12700">
+            <a:solidFill>
+              <a:prstClr val="black"/>
+            </a:solidFill>
+          </a:ln>
+        </p:spPr>
+        <p:txBody>
+          <a:bodyPr vert="horz" lIns="91440" tIns="45720" rIns="91440" bIns="45720" rtlCol="0" anchor="ctr"/>
+          <a:lstStyle/>
+          <a:p>
+            <a:endParaRPr lang="en-GB"/>
+          </a:p>
+        </p:txBody>
+      </p:sp>
+      <p:sp>
+        <p:nvSpPr>
+          <p:cNvPr id="5" name="Notes Placeholder 4"/>
+          <p:cNvSpPr>
+            <a:spLocks noGrp="1"/>
+          </p:cNvSpPr>
+          <p:nvPr>
+            <p:ph type="body" sz="quarter" idx="3"/>
+          </p:nvPr>
+        </p:nvSpPr>
+        <p:spPr>
+          <a:xfrm>
+            <a:off x="685800" y="4400550"/>
+            <a:ext cx="5486400" cy="3600450"/>
+          </a:xfrm>
+          <a:prstGeom prst="rect">
+            <a:avLst/>
+          </a:prstGeom>
+        </p:spPr>
+        <p:txBody>
+          <a:bodyPr vert="horz" lIns="91440" tIns="45720" rIns="91440" bIns="45720" rtlCol="0"/>
+          <a:lstStyle/>
+          <a:p>
+            <a:pPr lvl="0"/>
+            <a:r>
+              <a:rPr lang="en-US"/>
+              <a:t>Click to edit Master text styles</a:t>
+            </a:r>
+          </a:p>
+          <a:p>
+            <a:pPr lvl="1"/>
+            <a:r>
+              <a:rPr lang="en-US"/>
+              <a:t>Second level</a:t>
+            </a:r>
+          </a:p>
+          <a:p>
+            <a:pPr lvl="2"/>
+            <a:r>
+              <a:rPr lang="en-US"/>
+              <a:t>Third level</a:t>
+            </a:r>
+          </a:p>
+          <a:p>
+            <a:pPr lvl="3"/>
+            <a:r>
+              <a:rPr lang="en-US"/>
+              <a:t>Fourth level</a:t>
+            </a:r>
+          </a:p>
+          <a:p>
+            <a:pPr lvl="4"/>
+            <a:r>
+              <a:rPr lang="en-US"/>
+              <a:t>Fifth level</a:t>
+            </a:r>
+            <a:endParaRPr lang="en-GB"/>
+          </a:p>
+        </p:txBody>
+      </p:sp>
+      <p:sp>
+        <p:nvSpPr>
+          <p:cNvPr id="6" name="Footer Placeholder 5"/>
+          <p:cNvSpPr>
+            <a:spLocks noGrp="1"/>
+          </p:cNvSpPr>
+          <p:nvPr>
+            <p:ph type="ftr" sz="quarter" idx="4"/>
+          </p:nvPr>
+        </p:nvSpPr>
+        <p:spPr>
+          <a:xfrm>
+            <a:off x="0" y="8685213"/>
+            <a:ext cx="2971800" cy="458787"/>
+          </a:xfrm>
+          <a:prstGeom prst="rect">
+            <a:avLst/>
+          </a:prstGeom>
+        </p:spPr>
+        <p:txBody>
+          <a:bodyPr vert="horz" lIns="91440" tIns="45720" rIns="91440" bIns="45720" rtlCol="0" anchor="b"/>
+          <a:lstStyle>
+            <a:lvl1pPr algn="l">
+              <a:defRPr sz="1200"/>
+            </a:lvl1pPr>
+          </a:lstStyle>
+          <a:p>
+            <a:endParaRPr lang="en-GB"/>
+          </a:p>
+        </p:txBody>
+      </p:sp>
+      <p:sp>
+        <p:nvSpPr>
+          <p:cNvPr id="7" name="Slide Number Placeholder 6"/>
+          <p:cNvSpPr>
+            <a:spLocks noGrp="1"/>
+          </p:cNvSpPr>
+          <p:nvPr>
+            <p:ph type="sldNum" sz="quarter" idx="5"/>
+          </p:nvPr>
+        </p:nvSpPr>
+        <p:spPr>
+          <a:xfrm>
+            <a:off x="3884613" y="8685213"/>
+            <a:ext cx="2971800" cy="458787"/>
+          </a:xfrm>
+          <a:prstGeom prst="rect">
+            <a:avLst/>
+          </a:prstGeom>
+        </p:spPr>
+        <p:txBody>
+          <a:bodyPr vert="horz" lIns="91440" tIns="45720" rIns="91440" bIns="45720" rtlCol="0" anchor="b"/>
+          <a:lstStyle>
+            <a:lvl1pPr algn="r">
+              <a:defRPr sz="1200"/>
+            </a:lvl1pPr>
+          </a:lstStyle>
+          <a:p>
+            <a:fld id="{6AF5C3EF-F5AE-4E18-A6DC-B37E6C53BA33}" type="slidenum">
+              <a:rPr lang="en-GB" smtClean="0"/>
+              <a:t>‹#›</a:t>
+            </a:fld>
+            <a:endParaRPr lang="en-GB"/>
+          </a:p>
+        </p:txBody>
+      </p:sp>
+    </p:spTree>
+    <p:extLst>
+      <p:ext uri="{BB962C8B-B14F-4D97-AF65-F5344CB8AC3E}">
+        <p14:creationId xmlns:p14="http://schemas.microsoft.com/office/powerpoint/2010/main" val="2700776783"/>
+      </p:ext>
+    </p:extLst>
+  </p:cSld>
+  <p:clrMap bg1="lt1" tx1="dk1" bg2="lt2" tx2="dk2" accent1="accent1" accent2="accent2" accent3="accent3" accent4="accent4" accent5="accent5" accent6="accent6" hlink="hlink" folHlink="folHlink"/>
+  <p:notesStyle>
+    <a:lvl1pPr marL="0" algn="l" defTabSz="914400" rtl="0" eaLnBrk="1" latinLnBrk="0" hangingPunct="1">
+      <a:defRPr sz="1200" kern="1200">
+        <a:solidFill>
+          <a:schemeClr val="tx1"/>
+        </a:solidFill>
+        <a:latin typeface="+mn-lt"/>
+        <a:ea typeface="+mn-ea"/>
+        <a:cs typeface="+mn-cs"/>
+      </a:defRPr>
+    </a:lvl1pPr>
+    <a:lvl2pPr marL="457200" algn="l" defTabSz="914400" rtl="0" eaLnBrk="1" latinLnBrk="0" hangingPunct="1">
+      <a:defRPr sz="1200" kern="1200">
+        <a:solidFill>
+          <a:schemeClr val="tx1"/>
+        </a:solidFill>
+        <a:latin typeface="+mn-lt"/>
+        <a:ea typeface="+mn-ea"/>
+        <a:cs typeface="+mn-cs"/>
+      </a:defRPr>
+    </a:lvl2pPr>
+    <a:lvl3pPr marL="914400" algn="l" defTabSz="914400" rtl="0" eaLnBrk="1" latinLnBrk="0" hangingPunct="1">
+      <a:defRPr sz="1200" kern="1200">
+        <a:solidFill>
+          <a:schemeClr val="tx1"/>
+        </a:solidFill>
+        <a:latin typeface="+mn-lt"/>
+        <a:ea typeface="+mn-ea"/>
+        <a:cs typeface="+mn-cs"/>
+      </a:defRPr>
+    </a:lvl3pPr>
+    <a:lvl4pPr marL="1371600" algn="l" defTabSz="914400" rtl="0" eaLnBrk="1" latinLnBrk="0" hangingPunct="1">
+      <a:defRPr sz="1200" kern="1200">
+        <a:solidFill>
+          <a:schemeClr val="tx1"/>
+        </a:solidFill>
+        <a:latin typeface="+mn-lt"/>
+        <a:ea typeface="+mn-ea"/>
+        <a:cs typeface="+mn-cs"/>
+      </a:defRPr>
+    </a:lvl4pPr>
+    <a:lvl5pPr marL="1828800" algn="l" defTabSz="914400" rtl="0" eaLnBrk="1" latinLnBrk="0" hangingPunct="1">
+      <a:defRPr sz="1200" kern="1200">
+        <a:solidFill>
+          <a:schemeClr val="tx1"/>
+        </a:solidFill>
+        <a:latin typeface="+mn-lt"/>
+        <a:ea typeface="+mn-ea"/>
+        <a:cs typeface="+mn-cs"/>
+      </a:defRPr>
+    </a:lvl5pPr>
+    <a:lvl6pPr marL="2286000" algn="l" defTabSz="914400" rtl="0" eaLnBrk="1" latinLnBrk="0" hangingPunct="1">
+      <a:defRPr sz="1200" kern="1200">
+        <a:solidFill>
+          <a:schemeClr val="tx1"/>
+        </a:solidFill>
+        <a:latin typeface="+mn-lt"/>
+        <a:ea typeface="+mn-ea"/>
+        <a:cs typeface="+mn-cs"/>
+      </a:defRPr>
+    </a:lvl6pPr>
+    <a:lvl7pPr marL="2743200" algn="l" defTabSz="914400" rtl="0" eaLnBrk="1" latinLnBrk="0" hangingPunct="1">
+      <a:defRPr sz="1200" kern="1200">
+        <a:solidFill>
+          <a:schemeClr val="tx1"/>
+        </a:solidFill>
+        <a:latin typeface="+mn-lt"/>
+        <a:ea typeface="+mn-ea"/>
+        <a:cs typeface="+mn-cs"/>
+      </a:defRPr>
+    </a:lvl7pPr>
+    <a:lvl8pPr marL="3200400" algn="l" defTabSz="914400" rtl="0" eaLnBrk="1" latinLnBrk="0" hangingPunct="1">
+      <a:defRPr sz="1200" kern="1200">
+        <a:solidFill>
+          <a:schemeClr val="tx1"/>
+        </a:solidFill>
+        <a:latin typeface="+mn-lt"/>
+        <a:ea typeface="+mn-ea"/>
+        <a:cs typeface="+mn-cs"/>
+      </a:defRPr>
+    </a:lvl8pPr>
+    <a:lvl9pPr marL="3657600" algn="l" defTabSz="914400" rtl="0" eaLnBrk="1" latinLnBrk="0" hangingPunct="1">
+      <a:defRPr sz="1200" kern="1200">
+        <a:solidFill>
+          <a:schemeClr val="tx1"/>
+        </a:solidFill>
+        <a:latin typeface="+mn-lt"/>
+        <a:ea typeface="+mn-ea"/>
+        <a:cs typeface="+mn-cs"/>
+      </a:defRPr>
+    </a:lvl9pPr>
+  </p:notesStyle>
+</p:notesMaster>
+</file>
+
+<file path=ppt/notesSlides/notesSlide1.xml><?xml version="1.0" encoding="utf-8"?>
+<p:notes xmlns:a="http://schemas.openxmlformats.org/drawingml/2006/main" xmlns:r="http://schemas.openxmlformats.org/officeDocument/2006/relationships" xmlns:p="http://schemas.openxmlformats.org/presentationml/2006/main">
+  <p:cSld>
+    <p:spTree>
+      <p:nvGrpSpPr>
+        <p:cNvPr id="1" name=""/>
+        <p:cNvGrpSpPr/>
+        <p:nvPr/>
+      </p:nvGrpSpPr>
+      <p:grpSpPr>
+        <a:xfrm>
+          <a:off x="0" y="0"/>
+          <a:ext cx="0" cy="0"/>
+          <a:chOff x="0" y="0"/>
+          <a:chExt cx="0" cy="0"/>
+        </a:xfrm>
+      </p:grpSpPr>
+      <p:sp>
+        <p:nvSpPr>
+          <p:cNvPr id="2" name="Slide Image Placeholder 1"/>
+          <p:cNvSpPr>
+            <a:spLocks noGrp="1" noRot="1" noChangeAspect="1"/>
+          </p:cNvSpPr>
+          <p:nvPr>
+            <p:ph type="sldImg"/>
+          </p:nvPr>
+        </p:nvSpPr>
+        <p:spPr/>
+      </p:sp>
+      <p:sp>
+        <p:nvSpPr>
+          <p:cNvPr id="3" name="Notes Placeholder 2"/>
+          <p:cNvSpPr>
+            <a:spLocks noGrp="1"/>
+          </p:cNvSpPr>
+          <p:nvPr>
+            <p:ph type="body" idx="1"/>
+          </p:nvPr>
+        </p:nvSpPr>
+        <p:spPr/>
+        <p:txBody>
+          <a:bodyPr/>
+          <a:lstStyle/>
+          <a:p>
+            <a:r>
+              <a:rPr lang="en-GB" dirty="0"/>
+              <a:t>I’m going to be talking about one of my larger personal projects </a:t>
+            </a:r>
+            <a:r>
+              <a:rPr lang="en-GB" dirty="0" err="1"/>
+              <a:t>PythonUDS</a:t>
+            </a:r>
+            <a:r>
+              <a:rPr lang="en-GB" dirty="0"/>
+              <a:t> which was the final year project for my Open University degree</a:t>
+            </a:r>
+          </a:p>
+          <a:p>
+            <a:r>
+              <a:rPr lang="en-GB" dirty="0"/>
+              <a:t>I’m going to cover some basics on UDS to give everyone a picture of what it is, then go into the basic architecture of </a:t>
+            </a:r>
+            <a:r>
+              <a:rPr lang="en-GB" dirty="0" err="1"/>
+              <a:t>PythonUDS</a:t>
+            </a:r>
+            <a:r>
+              <a:rPr lang="en-GB" dirty="0"/>
+              <a:t> which is not super interesting but I think it was designed pretty well and then finish off about the most interesting part of it, the function generation for the UDS service instances.</a:t>
+            </a:r>
+          </a:p>
+        </p:txBody>
+      </p:sp>
+      <p:sp>
+        <p:nvSpPr>
+          <p:cNvPr id="4" name="Slide Number Placeholder 3"/>
+          <p:cNvSpPr>
+            <a:spLocks noGrp="1"/>
+          </p:cNvSpPr>
+          <p:nvPr>
+            <p:ph type="sldNum" sz="quarter" idx="5"/>
+          </p:nvPr>
+        </p:nvSpPr>
+        <p:spPr/>
+        <p:txBody>
+          <a:bodyPr/>
+          <a:lstStyle/>
+          <a:p>
+            <a:fld id="{6AF5C3EF-F5AE-4E18-A6DC-B37E6C53BA33}" type="slidenum">
+              <a:rPr lang="en-GB" smtClean="0"/>
+              <a:t>1</a:t>
+            </a:fld>
+            <a:endParaRPr lang="en-GB"/>
+          </a:p>
+        </p:txBody>
+      </p:sp>
+    </p:spTree>
+    <p:extLst>
+      <p:ext uri="{BB962C8B-B14F-4D97-AF65-F5344CB8AC3E}">
+        <p14:creationId xmlns:p14="http://schemas.microsoft.com/office/powerpoint/2010/main" val="2529121140"/>
+      </p:ext>
+    </p:extLst>
+  </p:cSld>
+  <p:clrMapOvr>
+    <a:masterClrMapping/>
+  </p:clrMapOvr>
+</p:notes>
+</file>
+
+<file path=ppt/notesSlides/notesSlide10.xml><?xml version="1.0" encoding="utf-8"?>
+<p:notes xmlns:a="http://schemas.openxmlformats.org/drawingml/2006/main" xmlns:r="http://schemas.openxmlformats.org/officeDocument/2006/relationships" xmlns:p="http://schemas.openxmlformats.org/presentationml/2006/main">
+  <p:cSld>
+    <p:spTree>
+      <p:nvGrpSpPr>
+        <p:cNvPr id="1" name=""/>
+        <p:cNvGrpSpPr/>
+        <p:nvPr/>
+      </p:nvGrpSpPr>
+      <p:grpSpPr>
+        <a:xfrm>
+          <a:off x="0" y="0"/>
+          <a:ext cx="0" cy="0"/>
+          <a:chOff x="0" y="0"/>
+          <a:chExt cx="0" cy="0"/>
+        </a:xfrm>
+      </p:grpSpPr>
+      <p:sp>
+        <p:nvSpPr>
+          <p:cNvPr id="2" name="Slide Image Placeholder 1"/>
+          <p:cNvSpPr>
+            <a:spLocks noGrp="1" noRot="1" noChangeAspect="1"/>
+          </p:cNvSpPr>
+          <p:nvPr>
+            <p:ph type="sldImg"/>
+          </p:nvPr>
+        </p:nvSpPr>
+        <p:spPr/>
+      </p:sp>
+      <p:sp>
+        <p:nvSpPr>
+          <p:cNvPr id="3" name="Notes Placeholder 2"/>
+          <p:cNvSpPr>
+            <a:spLocks noGrp="1"/>
+          </p:cNvSpPr>
+          <p:nvPr>
+            <p:ph type="body" idx="1"/>
+          </p:nvPr>
+        </p:nvSpPr>
+        <p:spPr/>
+        <p:txBody>
+          <a:bodyPr/>
+          <a:lstStyle/>
+          <a:p>
+            <a:endParaRPr lang="en-GB" dirty="0"/>
+          </a:p>
+        </p:txBody>
+      </p:sp>
+      <p:sp>
+        <p:nvSpPr>
+          <p:cNvPr id="4" name="Slide Number Placeholder 3"/>
+          <p:cNvSpPr>
+            <a:spLocks noGrp="1"/>
+          </p:cNvSpPr>
+          <p:nvPr>
+            <p:ph type="sldNum" sz="quarter" idx="5"/>
+          </p:nvPr>
+        </p:nvSpPr>
+        <p:spPr/>
+        <p:txBody>
+          <a:bodyPr/>
+          <a:lstStyle/>
+          <a:p>
+            <a:fld id="{6AF5C3EF-F5AE-4E18-A6DC-B37E6C53BA33}" type="slidenum">
+              <a:rPr lang="en-GB" smtClean="0"/>
+              <a:t>11</a:t>
+            </a:fld>
+            <a:endParaRPr lang="en-GB"/>
+          </a:p>
+        </p:txBody>
+      </p:sp>
+    </p:spTree>
+    <p:extLst>
+      <p:ext uri="{BB962C8B-B14F-4D97-AF65-F5344CB8AC3E}">
+        <p14:creationId xmlns:p14="http://schemas.microsoft.com/office/powerpoint/2010/main" val="518985016"/>
+      </p:ext>
+    </p:extLst>
+  </p:cSld>
+  <p:clrMapOvr>
+    <a:masterClrMapping/>
+  </p:clrMapOvr>
+</p:notes>
+</file>
+
+<file path=ppt/notesSlides/notesSlide2.xml><?xml version="1.0" encoding="utf-8"?>
+<p:notes xmlns:a="http://schemas.openxmlformats.org/drawingml/2006/main" xmlns:r="http://schemas.openxmlformats.org/officeDocument/2006/relationships" xmlns:p="http://schemas.openxmlformats.org/presentationml/2006/main">
+  <p:cSld>
+    <p:spTree>
+      <p:nvGrpSpPr>
+        <p:cNvPr id="1" name=""/>
+        <p:cNvGrpSpPr/>
+        <p:nvPr/>
+      </p:nvGrpSpPr>
+      <p:grpSpPr>
+        <a:xfrm>
+          <a:off x="0" y="0"/>
+          <a:ext cx="0" cy="0"/>
+          <a:chOff x="0" y="0"/>
+          <a:chExt cx="0" cy="0"/>
+        </a:xfrm>
+      </p:grpSpPr>
+      <p:sp>
+        <p:nvSpPr>
+          <p:cNvPr id="2" name="Slide Image Placeholder 1"/>
+          <p:cNvSpPr>
+            <a:spLocks noGrp="1" noRot="1" noChangeAspect="1"/>
+          </p:cNvSpPr>
+          <p:nvPr>
+            <p:ph type="sldImg"/>
+          </p:nvPr>
+        </p:nvSpPr>
+        <p:spPr/>
+      </p:sp>
+      <p:sp>
+        <p:nvSpPr>
+          <p:cNvPr id="3" name="Notes Placeholder 2"/>
+          <p:cNvSpPr>
+            <a:spLocks noGrp="1"/>
+          </p:cNvSpPr>
+          <p:nvPr>
+            <p:ph type="body" idx="1"/>
+          </p:nvPr>
+        </p:nvSpPr>
+        <p:spPr/>
+        <p:txBody>
+          <a:bodyPr/>
+          <a:lstStyle/>
+          <a:p>
+            <a:r>
+              <a:rPr lang="en-GB" dirty="0"/>
+              <a:t>Python UDS is a high level client / tester written in python.</a:t>
+            </a:r>
+          </a:p>
+          <a:p>
+            <a:r>
+              <a:rPr lang="en-GB" dirty="0"/>
+              <a:t>It’s is designed to give people a simple extensible interface to communicate with vehicle ECUs (electronic control units)  and work with industry standard interfaces which are readily available in the professional space</a:t>
+            </a:r>
+          </a:p>
+          <a:p>
+            <a:r>
+              <a:rPr lang="en-GB" dirty="0"/>
+              <a:t>It’s not just for professional users and was also designed to give hobbyist easy-to-use software that works with a range of hardware interfaces</a:t>
+            </a:r>
+          </a:p>
+        </p:txBody>
+      </p:sp>
+      <p:sp>
+        <p:nvSpPr>
+          <p:cNvPr id="4" name="Slide Number Placeholder 3"/>
+          <p:cNvSpPr>
+            <a:spLocks noGrp="1"/>
+          </p:cNvSpPr>
+          <p:nvPr>
+            <p:ph type="sldNum" sz="quarter" idx="5"/>
+          </p:nvPr>
+        </p:nvSpPr>
+        <p:spPr/>
+        <p:txBody>
+          <a:bodyPr/>
+          <a:lstStyle/>
+          <a:p>
+            <a:fld id="{6AF5C3EF-F5AE-4E18-A6DC-B37E6C53BA33}" type="slidenum">
+              <a:rPr lang="en-GB" smtClean="0"/>
+              <a:t>2</a:t>
+            </a:fld>
+            <a:endParaRPr lang="en-GB"/>
+          </a:p>
+        </p:txBody>
+      </p:sp>
+    </p:spTree>
+    <p:extLst>
+      <p:ext uri="{BB962C8B-B14F-4D97-AF65-F5344CB8AC3E}">
+        <p14:creationId xmlns:p14="http://schemas.microsoft.com/office/powerpoint/2010/main" val="2513415160"/>
+      </p:ext>
+    </p:extLst>
+  </p:cSld>
+  <p:clrMapOvr>
+    <a:masterClrMapping/>
+  </p:clrMapOvr>
+</p:notes>
+</file>
+
+<file path=ppt/notesSlides/notesSlide3.xml><?xml version="1.0" encoding="utf-8"?>
+<p:notes xmlns:a="http://schemas.openxmlformats.org/drawingml/2006/main" xmlns:r="http://schemas.openxmlformats.org/officeDocument/2006/relationships" xmlns:p="http://schemas.openxmlformats.org/presentationml/2006/main">
+  <p:cSld>
+    <p:spTree>
+      <p:nvGrpSpPr>
+        <p:cNvPr id="1" name=""/>
+        <p:cNvGrpSpPr/>
+        <p:nvPr/>
+      </p:nvGrpSpPr>
+      <p:grpSpPr>
+        <a:xfrm>
+          <a:off x="0" y="0"/>
+          <a:ext cx="0" cy="0"/>
+          <a:chOff x="0" y="0"/>
+          <a:chExt cx="0" cy="0"/>
+        </a:xfrm>
+      </p:grpSpPr>
+      <p:sp>
+        <p:nvSpPr>
+          <p:cNvPr id="2" name="Slide Image Placeholder 1"/>
+          <p:cNvSpPr>
+            <a:spLocks noGrp="1" noRot="1" noChangeAspect="1"/>
+          </p:cNvSpPr>
+          <p:nvPr>
+            <p:ph type="sldImg"/>
+          </p:nvPr>
+        </p:nvSpPr>
+        <p:spPr/>
+      </p:sp>
+      <p:sp>
+        <p:nvSpPr>
+          <p:cNvPr id="3" name="Notes Placeholder 2"/>
+          <p:cNvSpPr>
+            <a:spLocks noGrp="1"/>
+          </p:cNvSpPr>
+          <p:nvPr>
+            <p:ph type="body" idx="1"/>
+          </p:nvPr>
+        </p:nvSpPr>
+        <p:spPr/>
+        <p:txBody>
+          <a:bodyPr/>
+          <a:lstStyle/>
+          <a:p>
+            <a:r>
+              <a:rPr lang="en-GB" dirty="0"/>
+              <a:t>UDS is a application level protocol which provides diagnostic interfaces to ECU</a:t>
+            </a:r>
+          </a:p>
+          <a:p>
+            <a:r>
+              <a:rPr lang="en-GB" dirty="0"/>
+              <a:t>It’s been around in various forms for over a decade so most of your cars probably have ECUs which support UDS</a:t>
+            </a:r>
+          </a:p>
+          <a:p>
+            <a:r>
+              <a:rPr lang="en-GB" dirty="0"/>
+              <a:t>As its an application level protocol, its built on the basic lower level communications protocols on the cars. Some of the common ones are</a:t>
+            </a:r>
+          </a:p>
+          <a:p>
+            <a:pPr marL="171450" indent="-171450">
+              <a:buFont typeface="Arial" panose="020B0604020202020204" pitchFamily="34" charset="0"/>
+              <a:buChar char="•"/>
+            </a:pPr>
+            <a:r>
+              <a:rPr lang="en-GB" dirty="0"/>
+              <a:t>CAN – Controller Area Network – High reliability / medium bandwidth, safety critical</a:t>
+            </a:r>
+          </a:p>
+          <a:p>
+            <a:pPr marL="171450" indent="-171450">
+              <a:buFont typeface="Arial" panose="020B0604020202020204" pitchFamily="34" charset="0"/>
+              <a:buChar char="•"/>
+            </a:pPr>
+            <a:r>
+              <a:rPr lang="en-GB" dirty="0"/>
+              <a:t>LIN – Local Interconnect Network – Low bandwidth non safety critical</a:t>
+            </a:r>
+          </a:p>
+          <a:p>
+            <a:pPr marL="171450" indent="-171450">
+              <a:buFont typeface="Arial" panose="020B0604020202020204" pitchFamily="34" charset="0"/>
+              <a:buChar char="•"/>
+            </a:pPr>
+            <a:r>
+              <a:rPr lang="en-GB" dirty="0"/>
+              <a:t>Ethernet – High bandwidth, not very prevalent in automotive for a number of reasons I won’t get into</a:t>
+            </a:r>
+          </a:p>
+          <a:p>
+            <a:pPr marL="171450" indent="-171450">
+              <a:buFont typeface="Arial" panose="020B0604020202020204" pitchFamily="34" charset="0"/>
+              <a:buChar char="•"/>
+            </a:pPr>
+            <a:r>
+              <a:rPr lang="en-GB" dirty="0" err="1"/>
+              <a:t>DoIP</a:t>
+            </a:r>
+            <a:r>
+              <a:rPr lang="en-GB" dirty="0"/>
+              <a:t> – Essentially ethernet with some specific parameter constraints</a:t>
+            </a:r>
+          </a:p>
+          <a:p>
+            <a:pPr marL="171450" indent="-171450">
+              <a:buFont typeface="Arial" panose="020B0604020202020204" pitchFamily="34" charset="0"/>
+              <a:buChar char="•"/>
+            </a:pPr>
+            <a:r>
+              <a:rPr lang="en-GB" dirty="0" err="1"/>
+              <a:t>FlexRay</a:t>
+            </a:r>
+            <a:r>
+              <a:rPr lang="en-GB" dirty="0"/>
+              <a:t> – High reliability high bandwidth, safety critical. Was supposed to be the CAN replacement</a:t>
+            </a:r>
+          </a:p>
+          <a:p>
+            <a:pPr marL="171450" indent="-171450">
+              <a:buFont typeface="Arial" panose="020B0604020202020204" pitchFamily="34" charset="0"/>
+              <a:buChar char="•"/>
+            </a:pPr>
+            <a:r>
+              <a:rPr lang="en-GB" dirty="0"/>
+              <a:t>K-Line – Low bandwidth, mostly obsolete and was the precursor to can.</a:t>
+            </a:r>
+          </a:p>
+          <a:p>
+            <a:endParaRPr lang="en-GB" dirty="0"/>
+          </a:p>
+        </p:txBody>
+      </p:sp>
+      <p:sp>
+        <p:nvSpPr>
+          <p:cNvPr id="4" name="Slide Number Placeholder 3"/>
+          <p:cNvSpPr>
+            <a:spLocks noGrp="1"/>
+          </p:cNvSpPr>
+          <p:nvPr>
+            <p:ph type="sldNum" sz="quarter" idx="5"/>
+          </p:nvPr>
+        </p:nvSpPr>
+        <p:spPr/>
+        <p:txBody>
+          <a:bodyPr/>
+          <a:lstStyle/>
+          <a:p>
+            <a:fld id="{6AF5C3EF-F5AE-4E18-A6DC-B37E6C53BA33}" type="slidenum">
+              <a:rPr lang="en-GB" smtClean="0"/>
+              <a:t>3</a:t>
+            </a:fld>
+            <a:endParaRPr lang="en-GB"/>
+          </a:p>
+        </p:txBody>
+      </p:sp>
+    </p:spTree>
+    <p:extLst>
+      <p:ext uri="{BB962C8B-B14F-4D97-AF65-F5344CB8AC3E}">
+        <p14:creationId xmlns:p14="http://schemas.microsoft.com/office/powerpoint/2010/main" val="3890585575"/>
+      </p:ext>
+    </p:extLst>
+  </p:cSld>
+  <p:clrMapOvr>
+    <a:masterClrMapping/>
+  </p:clrMapOvr>
+</p:notes>
+</file>
+
+<file path=ppt/notesSlides/notesSlide4.xml><?xml version="1.0" encoding="utf-8"?>
+<p:notes xmlns:a="http://schemas.openxmlformats.org/drawingml/2006/main" xmlns:r="http://schemas.openxmlformats.org/officeDocument/2006/relationships" xmlns:p="http://schemas.openxmlformats.org/presentationml/2006/main">
+  <p:cSld>
+    <p:spTree>
+      <p:nvGrpSpPr>
+        <p:cNvPr id="1" name=""/>
+        <p:cNvGrpSpPr/>
+        <p:nvPr/>
+      </p:nvGrpSpPr>
+      <p:grpSpPr>
+        <a:xfrm>
+          <a:off x="0" y="0"/>
+          <a:ext cx="0" cy="0"/>
+          <a:chOff x="0" y="0"/>
+          <a:chExt cx="0" cy="0"/>
+        </a:xfrm>
+      </p:grpSpPr>
+      <p:sp>
+        <p:nvSpPr>
+          <p:cNvPr id="2" name="Slide Image Placeholder 1"/>
+          <p:cNvSpPr>
+            <a:spLocks noGrp="1" noRot="1" noChangeAspect="1"/>
+          </p:cNvSpPr>
+          <p:nvPr>
+            <p:ph type="sldImg"/>
+          </p:nvPr>
+        </p:nvSpPr>
+        <p:spPr/>
+      </p:sp>
+      <p:sp>
+        <p:nvSpPr>
+          <p:cNvPr id="3" name="Notes Placeholder 2"/>
+          <p:cNvSpPr>
+            <a:spLocks noGrp="1"/>
+          </p:cNvSpPr>
+          <p:nvPr>
+            <p:ph type="body" idx="1"/>
+          </p:nvPr>
+        </p:nvSpPr>
+        <p:spPr/>
+        <p:txBody>
+          <a:bodyPr/>
+          <a:lstStyle/>
+          <a:p>
+            <a:r>
+              <a:rPr lang="en-GB" dirty="0"/>
+              <a:t>UDS is a fairly nice protocol, it’s relatively simple with a nice structure and has some defined standardisation</a:t>
+            </a:r>
+          </a:p>
+          <a:p>
+            <a:r>
+              <a:rPr lang="en-GB" dirty="0"/>
+              <a:t>Raw CAN data is hard to read and interpret without a definition file, commonly termed a DBC for a Vector </a:t>
+            </a:r>
+            <a:r>
+              <a:rPr lang="en-GB" dirty="0" err="1"/>
+              <a:t>Informatik</a:t>
+            </a:r>
+            <a:r>
+              <a:rPr lang="en-GB" dirty="0"/>
+              <a:t> file format</a:t>
+            </a:r>
+          </a:p>
+          <a:p>
+            <a:r>
+              <a:rPr lang="en-GB" dirty="0"/>
+              <a:t>There are standardised protocols such as OBD which is built on UDS which I’ll go into later</a:t>
+            </a:r>
+          </a:p>
+          <a:p>
+            <a:r>
+              <a:rPr lang="en-GB" dirty="0"/>
+              <a:t>It can also help to provide a reference point for either reverse engineering raw CAN data or for reverse engineering ECU code. One of the standard entry points was to find the UDS / OBD code to find RAM variables for parameters such as ignition timing or engine speed</a:t>
+            </a:r>
+          </a:p>
+          <a:p>
+            <a:r>
+              <a:rPr lang="en-GB" dirty="0"/>
+              <a:t>UDS and OBD allow you to clear DTCs on your car, which is also nice, but to be honest most can be cleared with a £10 dongle from amazon</a:t>
+            </a:r>
+          </a:p>
+        </p:txBody>
+      </p:sp>
+      <p:sp>
+        <p:nvSpPr>
+          <p:cNvPr id="4" name="Slide Number Placeholder 3"/>
+          <p:cNvSpPr>
+            <a:spLocks noGrp="1"/>
+          </p:cNvSpPr>
+          <p:nvPr>
+            <p:ph type="sldNum" sz="quarter" idx="5"/>
+          </p:nvPr>
+        </p:nvSpPr>
+        <p:spPr/>
+        <p:txBody>
+          <a:bodyPr/>
+          <a:lstStyle/>
+          <a:p>
+            <a:fld id="{6AF5C3EF-F5AE-4E18-A6DC-B37E6C53BA33}" type="slidenum">
+              <a:rPr lang="en-GB" smtClean="0"/>
+              <a:t>4</a:t>
+            </a:fld>
+            <a:endParaRPr lang="en-GB"/>
+          </a:p>
+        </p:txBody>
+      </p:sp>
+    </p:spTree>
+    <p:extLst>
+      <p:ext uri="{BB962C8B-B14F-4D97-AF65-F5344CB8AC3E}">
+        <p14:creationId xmlns:p14="http://schemas.microsoft.com/office/powerpoint/2010/main" val="1300227768"/>
+      </p:ext>
+    </p:extLst>
+  </p:cSld>
+  <p:clrMapOvr>
+    <a:masterClrMapping/>
+  </p:clrMapOvr>
+</p:notes>
+</file>
+
+<file path=ppt/notesSlides/notesSlide5.xml><?xml version="1.0" encoding="utf-8"?>
+<p:notes xmlns:a="http://schemas.openxmlformats.org/drawingml/2006/main" xmlns:r="http://schemas.openxmlformats.org/officeDocument/2006/relationships" xmlns:p="http://schemas.openxmlformats.org/presentationml/2006/main">
+  <p:cSld>
+    <p:spTree>
+      <p:nvGrpSpPr>
+        <p:cNvPr id="1" name=""/>
+        <p:cNvGrpSpPr/>
+        <p:nvPr/>
+      </p:nvGrpSpPr>
+      <p:grpSpPr>
+        <a:xfrm>
+          <a:off x="0" y="0"/>
+          <a:ext cx="0" cy="0"/>
+          <a:chOff x="0" y="0"/>
+          <a:chExt cx="0" cy="0"/>
+        </a:xfrm>
+      </p:grpSpPr>
+      <p:sp>
+        <p:nvSpPr>
+          <p:cNvPr id="2" name="Slide Image Placeholder 1"/>
+          <p:cNvSpPr>
+            <a:spLocks noGrp="1" noRot="1" noChangeAspect="1"/>
+          </p:cNvSpPr>
+          <p:nvPr>
+            <p:ph type="sldImg"/>
+          </p:nvPr>
+        </p:nvSpPr>
+        <p:spPr/>
+      </p:sp>
+      <p:sp>
+        <p:nvSpPr>
+          <p:cNvPr id="3" name="Notes Placeholder 2"/>
+          <p:cNvSpPr>
+            <a:spLocks noGrp="1"/>
+          </p:cNvSpPr>
+          <p:nvPr>
+            <p:ph type="body" idx="1"/>
+          </p:nvPr>
+        </p:nvSpPr>
+        <p:spPr/>
+        <p:txBody>
+          <a:bodyPr/>
+          <a:lstStyle/>
+          <a:p>
+            <a:r>
+              <a:rPr lang="en-GB" dirty="0"/>
+              <a:t>Why did I bother to create it?</a:t>
+            </a:r>
+          </a:p>
+          <a:p>
+            <a:r>
+              <a:rPr lang="en-GB" dirty="0"/>
+              <a:t>I was getting tired with having to use the proprietary programs such as </a:t>
+            </a:r>
+            <a:r>
+              <a:rPr lang="en-GB" dirty="0" err="1"/>
+              <a:t>CANoe</a:t>
+            </a:r>
+            <a:r>
+              <a:rPr lang="en-GB" dirty="0"/>
+              <a:t> and </a:t>
+            </a:r>
+            <a:r>
+              <a:rPr lang="en-GB" dirty="0" err="1"/>
+              <a:t>CANape</a:t>
+            </a:r>
+            <a:r>
+              <a:rPr lang="en-GB" dirty="0"/>
+              <a:t>. Their licensing model is really harsh and they are madly expensive so getting hold of the hardware and software licences was a chore</a:t>
+            </a:r>
+          </a:p>
+          <a:p>
+            <a:r>
+              <a:rPr lang="en-GB" dirty="0"/>
+              <a:t>They are also very inflexible and hard to script at times where as python is easy</a:t>
+            </a:r>
+          </a:p>
+          <a:p>
+            <a:r>
+              <a:rPr lang="en-GB" dirty="0"/>
+              <a:t>Embed needed a program to replace an older piece of software which was becoming very hard to support</a:t>
+            </a:r>
+          </a:p>
+          <a:p>
+            <a:r>
+              <a:rPr lang="en-GB" dirty="0"/>
+              <a:t>This was the least risky of two options. I was considering making a generic motor control interface to 3D printer controllers for the Marlin firmware interface and that seemed a lot more problematic</a:t>
+            </a:r>
+          </a:p>
+        </p:txBody>
+      </p:sp>
+      <p:sp>
+        <p:nvSpPr>
+          <p:cNvPr id="4" name="Slide Number Placeholder 3"/>
+          <p:cNvSpPr>
+            <a:spLocks noGrp="1"/>
+          </p:cNvSpPr>
+          <p:nvPr>
+            <p:ph type="sldNum" sz="quarter" idx="5"/>
+          </p:nvPr>
+        </p:nvSpPr>
+        <p:spPr/>
+        <p:txBody>
+          <a:bodyPr/>
+          <a:lstStyle/>
+          <a:p>
+            <a:fld id="{6AF5C3EF-F5AE-4E18-A6DC-B37E6C53BA33}" type="slidenum">
+              <a:rPr lang="en-GB" smtClean="0"/>
+              <a:t>5</a:t>
+            </a:fld>
+            <a:endParaRPr lang="en-GB"/>
+          </a:p>
+        </p:txBody>
+      </p:sp>
+    </p:spTree>
+    <p:extLst>
+      <p:ext uri="{BB962C8B-B14F-4D97-AF65-F5344CB8AC3E}">
+        <p14:creationId xmlns:p14="http://schemas.microsoft.com/office/powerpoint/2010/main" val="3080830835"/>
+      </p:ext>
+    </p:extLst>
+  </p:cSld>
+  <p:clrMapOvr>
+    <a:masterClrMapping/>
+  </p:clrMapOvr>
+</p:notes>
+</file>
+
+<file path=ppt/notesSlides/notesSlide6.xml><?xml version="1.0" encoding="utf-8"?>
+<p:notes xmlns:a="http://schemas.openxmlformats.org/drawingml/2006/main" xmlns:r="http://schemas.openxmlformats.org/officeDocument/2006/relationships" xmlns:p="http://schemas.openxmlformats.org/presentationml/2006/main">
+  <p:cSld>
+    <p:spTree>
+      <p:nvGrpSpPr>
+        <p:cNvPr id="1" name=""/>
+        <p:cNvGrpSpPr/>
+        <p:nvPr/>
+      </p:nvGrpSpPr>
+      <p:grpSpPr>
+        <a:xfrm>
+          <a:off x="0" y="0"/>
+          <a:ext cx="0" cy="0"/>
+          <a:chOff x="0" y="0"/>
+          <a:chExt cx="0" cy="0"/>
+        </a:xfrm>
+      </p:grpSpPr>
+      <p:sp>
+        <p:nvSpPr>
+          <p:cNvPr id="2" name="Slide Image Placeholder 1"/>
+          <p:cNvSpPr>
+            <a:spLocks noGrp="1" noRot="1" noChangeAspect="1"/>
+          </p:cNvSpPr>
+          <p:nvPr>
+            <p:ph type="sldImg"/>
+          </p:nvPr>
+        </p:nvSpPr>
+        <p:spPr/>
+      </p:sp>
+      <p:sp>
+        <p:nvSpPr>
+          <p:cNvPr id="3" name="Notes Placeholder 2"/>
+          <p:cNvSpPr>
+            <a:spLocks noGrp="1"/>
+          </p:cNvSpPr>
+          <p:nvPr>
+            <p:ph type="body" idx="1"/>
+          </p:nvPr>
+        </p:nvSpPr>
+        <p:spPr/>
+        <p:txBody>
+          <a:bodyPr/>
+          <a:lstStyle/>
+          <a:p>
+            <a:r>
+              <a:rPr lang="en-GB" dirty="0"/>
+              <a:t>Just going to cover some basics / terminology just to make sure people get what I’m talking about.</a:t>
+            </a:r>
+          </a:p>
+        </p:txBody>
+      </p:sp>
+      <p:sp>
+        <p:nvSpPr>
+          <p:cNvPr id="4" name="Slide Number Placeholder 3"/>
+          <p:cNvSpPr>
+            <a:spLocks noGrp="1"/>
+          </p:cNvSpPr>
+          <p:nvPr>
+            <p:ph type="sldNum" sz="quarter" idx="5"/>
+          </p:nvPr>
+        </p:nvSpPr>
+        <p:spPr/>
+        <p:txBody>
+          <a:bodyPr/>
+          <a:lstStyle/>
+          <a:p>
+            <a:fld id="{6AF5C3EF-F5AE-4E18-A6DC-B37E6C53BA33}" type="slidenum">
+              <a:rPr lang="en-GB" smtClean="0"/>
+              <a:t>6</a:t>
+            </a:fld>
+            <a:endParaRPr lang="en-GB"/>
+          </a:p>
+        </p:txBody>
+      </p:sp>
+    </p:spTree>
+    <p:extLst>
+      <p:ext uri="{BB962C8B-B14F-4D97-AF65-F5344CB8AC3E}">
+        <p14:creationId xmlns:p14="http://schemas.microsoft.com/office/powerpoint/2010/main" val="1232800294"/>
+      </p:ext>
+    </p:extLst>
+  </p:cSld>
+  <p:clrMapOvr>
+    <a:masterClrMapping/>
+  </p:clrMapOvr>
+</p:notes>
+</file>
+
+<file path=ppt/notesSlides/notesSlide7.xml><?xml version="1.0" encoding="utf-8"?>
+<p:notes xmlns:a="http://schemas.openxmlformats.org/drawingml/2006/main" xmlns:r="http://schemas.openxmlformats.org/officeDocument/2006/relationships" xmlns:p="http://schemas.openxmlformats.org/presentationml/2006/main">
+  <p:cSld>
+    <p:spTree>
+      <p:nvGrpSpPr>
+        <p:cNvPr id="1" name=""/>
+        <p:cNvGrpSpPr/>
+        <p:nvPr/>
+      </p:nvGrpSpPr>
+      <p:grpSpPr>
+        <a:xfrm>
+          <a:off x="0" y="0"/>
+          <a:ext cx="0" cy="0"/>
+          <a:chOff x="0" y="0"/>
+          <a:chExt cx="0" cy="0"/>
+        </a:xfrm>
+      </p:grpSpPr>
+      <p:sp>
+        <p:nvSpPr>
+          <p:cNvPr id="2" name="Slide Image Placeholder 1"/>
+          <p:cNvSpPr>
+            <a:spLocks noGrp="1" noRot="1" noChangeAspect="1"/>
+          </p:cNvSpPr>
+          <p:nvPr>
+            <p:ph type="sldImg"/>
+          </p:nvPr>
+        </p:nvSpPr>
+        <p:spPr/>
+      </p:sp>
+      <p:sp>
+        <p:nvSpPr>
+          <p:cNvPr id="3" name="Notes Placeholder 2"/>
+          <p:cNvSpPr>
+            <a:spLocks noGrp="1"/>
+          </p:cNvSpPr>
+          <p:nvPr>
+            <p:ph type="body" idx="1"/>
+          </p:nvPr>
+        </p:nvSpPr>
+        <p:spPr/>
+        <p:txBody>
+          <a:bodyPr/>
+          <a:lstStyle/>
+          <a:p>
+            <a:r>
+              <a:rPr lang="en-GB" dirty="0"/>
+              <a:t>VAMP</a:t>
+            </a:r>
+          </a:p>
+        </p:txBody>
+      </p:sp>
+      <p:sp>
+        <p:nvSpPr>
+          <p:cNvPr id="4" name="Slide Number Placeholder 3"/>
+          <p:cNvSpPr>
+            <a:spLocks noGrp="1"/>
+          </p:cNvSpPr>
+          <p:nvPr>
+            <p:ph type="sldNum" sz="quarter" idx="5"/>
+          </p:nvPr>
+        </p:nvSpPr>
+        <p:spPr/>
+        <p:txBody>
+          <a:bodyPr/>
+          <a:lstStyle/>
+          <a:p>
+            <a:fld id="{6AF5C3EF-F5AE-4E18-A6DC-B37E6C53BA33}" type="slidenum">
+              <a:rPr lang="en-GB" smtClean="0"/>
+              <a:t>7</a:t>
+            </a:fld>
+            <a:endParaRPr lang="en-GB"/>
+          </a:p>
+        </p:txBody>
+      </p:sp>
+    </p:spTree>
+    <p:extLst>
+      <p:ext uri="{BB962C8B-B14F-4D97-AF65-F5344CB8AC3E}">
+        <p14:creationId xmlns:p14="http://schemas.microsoft.com/office/powerpoint/2010/main" val="3064824072"/>
+      </p:ext>
+    </p:extLst>
+  </p:cSld>
+  <p:clrMapOvr>
+    <a:masterClrMapping/>
+  </p:clrMapOvr>
+</p:notes>
+</file>
+
+<file path=ppt/notesSlides/notesSlide8.xml><?xml version="1.0" encoding="utf-8"?>
+<p:notes xmlns:a="http://schemas.openxmlformats.org/drawingml/2006/main" xmlns:r="http://schemas.openxmlformats.org/officeDocument/2006/relationships" xmlns:p="http://schemas.openxmlformats.org/presentationml/2006/main">
+  <p:cSld>
+    <p:spTree>
+      <p:nvGrpSpPr>
+        <p:cNvPr id="1" name=""/>
+        <p:cNvGrpSpPr/>
+        <p:nvPr/>
+      </p:nvGrpSpPr>
+      <p:grpSpPr>
+        <a:xfrm>
+          <a:off x="0" y="0"/>
+          <a:ext cx="0" cy="0"/>
+          <a:chOff x="0" y="0"/>
+          <a:chExt cx="0" cy="0"/>
+        </a:xfrm>
+      </p:grpSpPr>
+      <p:sp>
+        <p:nvSpPr>
+          <p:cNvPr id="2" name="Slide Image Placeholder 1"/>
+          <p:cNvSpPr>
+            <a:spLocks noGrp="1" noRot="1" noChangeAspect="1"/>
+          </p:cNvSpPr>
+          <p:nvPr>
+            <p:ph type="sldImg"/>
+          </p:nvPr>
+        </p:nvSpPr>
+        <p:spPr/>
+      </p:sp>
+      <p:sp>
+        <p:nvSpPr>
+          <p:cNvPr id="3" name="Notes Placeholder 2"/>
+          <p:cNvSpPr>
+            <a:spLocks noGrp="1"/>
+          </p:cNvSpPr>
+          <p:nvPr>
+            <p:ph type="body" idx="1"/>
+          </p:nvPr>
+        </p:nvSpPr>
+        <p:spPr/>
+        <p:txBody>
+          <a:bodyPr/>
+          <a:lstStyle/>
+          <a:p>
+            <a:endParaRPr lang="en-GB" dirty="0"/>
+          </a:p>
+        </p:txBody>
+      </p:sp>
+      <p:sp>
+        <p:nvSpPr>
+          <p:cNvPr id="4" name="Slide Number Placeholder 3"/>
+          <p:cNvSpPr>
+            <a:spLocks noGrp="1"/>
+          </p:cNvSpPr>
+          <p:nvPr>
+            <p:ph type="sldNum" sz="quarter" idx="5"/>
+          </p:nvPr>
+        </p:nvSpPr>
+        <p:spPr/>
+        <p:txBody>
+          <a:bodyPr/>
+          <a:lstStyle/>
+          <a:p>
+            <a:fld id="{6AF5C3EF-F5AE-4E18-A6DC-B37E6C53BA33}" type="slidenum">
+              <a:rPr lang="en-GB" smtClean="0"/>
+              <a:t>8</a:t>
+            </a:fld>
+            <a:endParaRPr lang="en-GB"/>
+          </a:p>
+        </p:txBody>
+      </p:sp>
+    </p:spTree>
+    <p:extLst>
+      <p:ext uri="{BB962C8B-B14F-4D97-AF65-F5344CB8AC3E}">
+        <p14:creationId xmlns:p14="http://schemas.microsoft.com/office/powerpoint/2010/main" val="3624128507"/>
+      </p:ext>
+    </p:extLst>
+  </p:cSld>
+  <p:clrMapOvr>
+    <a:masterClrMapping/>
+  </p:clrMapOvr>
+</p:notes>
+</file>
+
+<file path=ppt/notesSlides/notesSlide9.xml><?xml version="1.0" encoding="utf-8"?>
+<p:notes xmlns:a="http://schemas.openxmlformats.org/drawingml/2006/main" xmlns:r="http://schemas.openxmlformats.org/officeDocument/2006/relationships" xmlns:p="http://schemas.openxmlformats.org/presentationml/2006/main">
+  <p:cSld>
+    <p:spTree>
+      <p:nvGrpSpPr>
+        <p:cNvPr id="1" name=""/>
+        <p:cNvGrpSpPr/>
+        <p:nvPr/>
+      </p:nvGrpSpPr>
+      <p:grpSpPr>
+        <a:xfrm>
+          <a:off x="0" y="0"/>
+          <a:ext cx="0" cy="0"/>
+          <a:chOff x="0" y="0"/>
+          <a:chExt cx="0" cy="0"/>
+        </a:xfrm>
+      </p:grpSpPr>
+      <p:sp>
+        <p:nvSpPr>
+          <p:cNvPr id="2" name="Slide Image Placeholder 1"/>
+          <p:cNvSpPr>
+            <a:spLocks noGrp="1" noRot="1" noChangeAspect="1"/>
+          </p:cNvSpPr>
+          <p:nvPr>
+            <p:ph type="sldImg"/>
+          </p:nvPr>
+        </p:nvSpPr>
+        <p:spPr/>
+      </p:sp>
+      <p:sp>
+        <p:nvSpPr>
+          <p:cNvPr id="3" name="Notes Placeholder 2"/>
+          <p:cNvSpPr>
+            <a:spLocks noGrp="1"/>
+          </p:cNvSpPr>
+          <p:nvPr>
+            <p:ph type="body" idx="1"/>
+          </p:nvPr>
+        </p:nvSpPr>
+        <p:spPr/>
+        <p:txBody>
+          <a:bodyPr/>
+          <a:lstStyle/>
+          <a:p>
+            <a:r>
+              <a:rPr lang="en-GB" dirty="0"/>
+              <a:t>All UDS messages have a fixed structure with a few common parts.</a:t>
+            </a:r>
+          </a:p>
+          <a:p>
+            <a:r>
+              <a:rPr lang="en-GB" dirty="0"/>
+              <a:t>All UDS messages start with a service which is the green text, a successful response adds 0x40 to the service and a 0x7F is a special code to say the request has failed.</a:t>
+            </a:r>
+          </a:p>
+          <a:p>
+            <a:r>
+              <a:rPr lang="en-GB" dirty="0"/>
+              <a:t>The rest of the message depends on the service and is defined in either the OBD or UDS standards</a:t>
+            </a:r>
+          </a:p>
+          <a:p>
+            <a:r>
+              <a:rPr lang="en-GB" dirty="0"/>
+              <a:t>In this example we’re looking at the OBD-ii Mode 01 Service which defines a set of diagnostic data parameters. Each parameter has a 1 byte code in this example we’re using engine speed which is 0x12.</a:t>
+            </a:r>
+          </a:p>
+          <a:p>
+            <a:r>
+              <a:rPr lang="en-GB" dirty="0"/>
+              <a:t>The response from the ECU in this case is a successful response, 0x41 and then the value in this case 2 bytes 0x1F40. When put through the scaling formula this gives 2000 rpm.</a:t>
+            </a:r>
+          </a:p>
+        </p:txBody>
+      </p:sp>
+      <p:sp>
+        <p:nvSpPr>
+          <p:cNvPr id="4" name="Slide Number Placeholder 3"/>
+          <p:cNvSpPr>
+            <a:spLocks noGrp="1"/>
+          </p:cNvSpPr>
+          <p:nvPr>
+            <p:ph type="sldNum" sz="quarter" idx="5"/>
+          </p:nvPr>
+        </p:nvSpPr>
+        <p:spPr/>
+        <p:txBody>
+          <a:bodyPr/>
+          <a:lstStyle/>
+          <a:p>
+            <a:fld id="{6AF5C3EF-F5AE-4E18-A6DC-B37E6C53BA33}" type="slidenum">
+              <a:rPr lang="en-GB" smtClean="0"/>
+              <a:t>9</a:t>
+            </a:fld>
+            <a:endParaRPr lang="en-GB"/>
+          </a:p>
+        </p:txBody>
+      </p:sp>
+    </p:spTree>
+    <p:extLst>
+      <p:ext uri="{BB962C8B-B14F-4D97-AF65-F5344CB8AC3E}">
+        <p14:creationId xmlns:p14="http://schemas.microsoft.com/office/powerpoint/2010/main" val="1872901589"/>
+      </p:ext>
+    </p:extLst>
+  </p:cSld>
+  <p:clrMapOvr>
+    <a:masterClrMapping/>
+  </p:clrMapOvr>
+</p:notes>
+</file>
+
 <file path=ppt/slideLayouts/slideLayout1.xml><?xml version="1.0" encoding="utf-8"?>
 <p:sldLayout xmlns:a="http://schemas.openxmlformats.org/drawingml/2006/main" xmlns:r="http://schemas.openxmlformats.org/officeDocument/2006/relationships" xmlns:p="http://schemas.openxmlformats.org/presentationml/2006/main" type="title" preserve="1">
   <p:cSld name="Title Slide">
@@ -1202,7 +2633,7 @@
           <a:p>
             <a:fld id="{D7B0AEE6-6805-4A6C-BF6F-6384733F6992}" type="datetimeFigureOut">
               <a:rPr lang="en-GB" smtClean="0"/>
-              <a:t>11/05/2020</a:t>
+              <a:t>12/05/2020</a:t>
             </a:fld>
             <a:endParaRPr lang="en-GB"/>
           </a:p>
@@ -1402,7 +2833,7 @@
           <a:p>
             <a:fld id="{D7B0AEE6-6805-4A6C-BF6F-6384733F6992}" type="datetimeFigureOut">
               <a:rPr lang="en-GB" smtClean="0"/>
-              <a:t>11/05/2020</a:t>
+              <a:t>12/05/2020</a:t>
             </a:fld>
             <a:endParaRPr lang="en-GB"/>
           </a:p>
@@ -1612,7 +3043,7 @@
           <a:p>
             <a:fld id="{D7B0AEE6-6805-4A6C-BF6F-6384733F6992}" type="datetimeFigureOut">
               <a:rPr lang="en-GB" smtClean="0"/>
-              <a:t>11/05/2020</a:t>
+              <a:t>12/05/2020</a:t>
             </a:fld>
             <a:endParaRPr lang="en-GB"/>
           </a:p>
@@ -1812,7 +3243,7 @@
           <a:p>
             <a:fld id="{D7B0AEE6-6805-4A6C-BF6F-6384733F6992}" type="datetimeFigureOut">
               <a:rPr lang="en-GB" smtClean="0"/>
-              <a:t>11/05/2020</a:t>
+              <a:t>12/05/2020</a:t>
             </a:fld>
             <a:endParaRPr lang="en-GB"/>
           </a:p>
@@ -2088,7 +3519,7 @@
           <a:p>
             <a:fld id="{D7B0AEE6-6805-4A6C-BF6F-6384733F6992}" type="datetimeFigureOut">
               <a:rPr lang="en-GB" smtClean="0"/>
-              <a:t>11/05/2020</a:t>
+              <a:t>12/05/2020</a:t>
             </a:fld>
             <a:endParaRPr lang="en-GB"/>
           </a:p>
@@ -2356,7 +3787,7 @@
           <a:p>
             <a:fld id="{D7B0AEE6-6805-4A6C-BF6F-6384733F6992}" type="datetimeFigureOut">
               <a:rPr lang="en-GB" smtClean="0"/>
-              <a:t>11/05/2020</a:t>
+              <a:t>12/05/2020</a:t>
             </a:fld>
             <a:endParaRPr lang="en-GB"/>
           </a:p>
@@ -2771,7 +4202,7 @@
           <a:p>
             <a:fld id="{D7B0AEE6-6805-4A6C-BF6F-6384733F6992}" type="datetimeFigureOut">
               <a:rPr lang="en-GB" smtClean="0"/>
-              <a:t>11/05/2020</a:t>
+              <a:t>12/05/2020</a:t>
             </a:fld>
             <a:endParaRPr lang="en-GB"/>
           </a:p>
@@ -2913,7 +4344,7 @@
           <a:p>
             <a:fld id="{D7B0AEE6-6805-4A6C-BF6F-6384733F6992}" type="datetimeFigureOut">
               <a:rPr lang="en-GB" smtClean="0"/>
-              <a:t>11/05/2020</a:t>
+              <a:t>12/05/2020</a:t>
             </a:fld>
             <a:endParaRPr lang="en-GB"/>
           </a:p>
@@ -3026,7 +4457,7 @@
           <a:p>
             <a:fld id="{D7B0AEE6-6805-4A6C-BF6F-6384733F6992}" type="datetimeFigureOut">
               <a:rPr lang="en-GB" smtClean="0"/>
-              <a:t>11/05/2020</a:t>
+              <a:t>12/05/2020</a:t>
             </a:fld>
             <a:endParaRPr lang="en-GB"/>
           </a:p>
@@ -3339,7 +4770,7 @@
           <a:p>
             <a:fld id="{D7B0AEE6-6805-4A6C-BF6F-6384733F6992}" type="datetimeFigureOut">
               <a:rPr lang="en-GB" smtClean="0"/>
-              <a:t>11/05/2020</a:t>
+              <a:t>12/05/2020</a:t>
             </a:fld>
             <a:endParaRPr lang="en-GB"/>
           </a:p>
@@ -3628,7 +5059,7 @@
           <a:p>
             <a:fld id="{D7B0AEE6-6805-4A6C-BF6F-6384733F6992}" type="datetimeFigureOut">
               <a:rPr lang="en-GB" smtClean="0"/>
-              <a:t>11/05/2020</a:t>
+              <a:t>12/05/2020</a:t>
             </a:fld>
             <a:endParaRPr lang="en-GB"/>
           </a:p>
@@ -3871,7 +5302,7 @@
           <a:p>
             <a:fld id="{D7B0AEE6-6805-4A6C-BF6F-6384733F6992}" type="datetimeFigureOut">
               <a:rPr lang="en-GB" smtClean="0"/>
-              <a:t>11/05/2020</a:t>
+              <a:t>12/05/2020</a:t>
             </a:fld>
             <a:endParaRPr lang="en-GB"/>
           </a:p>
@@ -4380,7 +5811,7 @@
           <p:cNvPr id="2" name="Title 1">
             <a:extLst>
               <a:ext uri="{FF2B5EF4-FFF2-40B4-BE49-F238E27FC236}">
-                <a16:creationId xmlns:a16="http://schemas.microsoft.com/office/drawing/2014/main" id="{D87A3FC9-A0DA-4FB5-A112-7907BE500309}"/>
+                <a16:creationId xmlns:a16="http://schemas.microsoft.com/office/drawing/2014/main" id="{61C76229-C5BA-4264-8740-E82D4F398879}"/>
               </a:ext>
             </a:extLst>
           </p:cNvPr>
@@ -4398,7 +5829,7 @@
           <a:p>
             <a:r>
               <a:rPr lang="en-GB" dirty="0"/>
-              <a:t>UDS Services and DIDs</a:t>
+              <a:t>UDS Messages – More examples</a:t>
             </a:r>
           </a:p>
         </p:txBody>
@@ -4408,7 +5839,7 @@
           <p:cNvPr id="3" name="Content Placeholder 2">
             <a:extLst>
               <a:ext uri="{FF2B5EF4-FFF2-40B4-BE49-F238E27FC236}">
-                <a16:creationId xmlns:a16="http://schemas.microsoft.com/office/drawing/2014/main" id="{BE26F478-C1F9-447E-AF06-FCE82BFF425C}"/>
+                <a16:creationId xmlns:a16="http://schemas.microsoft.com/office/drawing/2014/main" id="{1E3BB1ED-FC4D-488E-A49C-32F953BEA3AE}"/>
               </a:ext>
             </a:extLst>
           </p:cNvPr>
@@ -4421,62 +5852,412 @@
         </p:nvSpPr>
         <p:spPr/>
         <p:txBody>
-          <a:bodyPr>
-            <a:normAutofit lnSpcReduction="10000"/>
-          </a:bodyPr>
-          <a:lstStyle/>
-          <a:p>
-            <a:r>
-              <a:rPr lang="en-GB" dirty="0"/>
-              <a:t>There are a large number of services defined</a:t>
+          <a:bodyPr/>
+          <a:lstStyle/>
+          <a:p>
+            <a:r>
+              <a:rPr lang="en-GB" dirty="0"/>
+              <a:t>Read ECU Serial Number</a:t>
             </a:r>
           </a:p>
           <a:p>
             <a:pPr lvl="1"/>
             <a:r>
-              <a:rPr lang="en-GB" dirty="0"/>
-              <a:t>0x01 – 0x0A are standardised by the OBD-II standard and include basic diagnostic information, manufacturers have to conform to the exact structure of the service and its parameters</a:t>
+              <a:rPr lang="en-GB" sz="1800" dirty="0">
+                <a:latin typeface="Courier New" panose="02070309020205020404" pitchFamily="49" charset="0"/>
+                <a:cs typeface="Courier New" panose="02070309020205020404" pitchFamily="49" charset="0"/>
+              </a:rPr>
+              <a:t>Request: </a:t>
+            </a:r>
+            <a:r>
+              <a:rPr lang="en-GB" sz="1800" dirty="0">
+                <a:solidFill>
+                  <a:schemeClr val="accent6">
+                    <a:lumMod val="75000"/>
+                  </a:schemeClr>
+                </a:solidFill>
+                <a:latin typeface="Courier New" panose="02070309020205020404" pitchFamily="49" charset="0"/>
+                <a:cs typeface="Courier New" panose="02070309020205020404" pitchFamily="49" charset="0"/>
+              </a:rPr>
+              <a:t>0x22</a:t>
+            </a:r>
+            <a:r>
+              <a:rPr lang="en-GB" sz="1800" dirty="0">
+                <a:latin typeface="Courier New" panose="02070309020205020404" pitchFamily="49" charset="0"/>
+                <a:cs typeface="Courier New" panose="02070309020205020404" pitchFamily="49" charset="0"/>
+              </a:rPr>
+              <a:t> </a:t>
+            </a:r>
+            <a:r>
+              <a:rPr lang="en-GB" sz="1800" dirty="0">
+                <a:solidFill>
+                  <a:schemeClr val="accent1">
+                    <a:lumMod val="75000"/>
+                  </a:schemeClr>
+                </a:solidFill>
+                <a:latin typeface="Courier New" panose="02070309020205020404" pitchFamily="49" charset="0"/>
+                <a:cs typeface="Courier New" panose="02070309020205020404" pitchFamily="49" charset="0"/>
+              </a:rPr>
+              <a:t>0xF1 0x8C</a:t>
             </a:r>
           </a:p>
           <a:p>
             <a:pPr lvl="1"/>
             <a:r>
-              <a:rPr lang="en-GB" dirty="0"/>
-              <a:t>0x10 upwards are partially standardised</a:t>
-            </a:r>
-          </a:p>
-          <a:p>
-            <a:pPr lvl="2"/>
-            <a:r>
-              <a:rPr lang="en-GB" dirty="0"/>
-              <a:t>IDs are fixed to certain purposes (read data = 0x22, write data = 0x2E, remote IO = 0x2F) </a:t>
-            </a:r>
-          </a:p>
-          <a:p>
-            <a:pPr lvl="2"/>
-            <a:r>
-              <a:rPr lang="en-GB" dirty="0"/>
-              <a:t>The content is more flexible and parameters are optional</a:t>
-            </a:r>
-          </a:p>
-          <a:p>
-            <a:r>
-              <a:rPr lang="en-GB" dirty="0"/>
-              <a:t>Diagnostic Identifiers (DIDs) are used to represent individual parameters</a:t>
+              <a:rPr lang="en-GB" sz="1800" dirty="0">
+                <a:latin typeface="Courier New" panose="02070309020205020404" pitchFamily="49" charset="0"/>
+                <a:cs typeface="Courier New" panose="02070309020205020404" pitchFamily="49" charset="0"/>
+              </a:rPr>
+              <a:t>Response: </a:t>
+            </a:r>
+            <a:r>
+              <a:rPr lang="en-GB" sz="1800" dirty="0">
+                <a:solidFill>
+                  <a:schemeClr val="accent4">
+                    <a:lumMod val="75000"/>
+                  </a:schemeClr>
+                </a:solidFill>
+                <a:latin typeface="Courier New" panose="02070309020205020404" pitchFamily="49" charset="0"/>
+                <a:cs typeface="Courier New" panose="02070309020205020404" pitchFamily="49" charset="0"/>
+              </a:rPr>
+              <a:t>0x62 </a:t>
+            </a:r>
+            <a:r>
+              <a:rPr lang="en-GB" sz="1800" dirty="0">
+                <a:solidFill>
+                  <a:schemeClr val="accent1">
+                    <a:lumMod val="75000"/>
+                  </a:schemeClr>
+                </a:solidFill>
+                <a:latin typeface="Courier New" panose="02070309020205020404" pitchFamily="49" charset="0"/>
+                <a:cs typeface="Courier New" panose="02070309020205020404" pitchFamily="49" charset="0"/>
+              </a:rPr>
+              <a:t>0xF1 0x8C </a:t>
+            </a:r>
+            <a:r>
+              <a:rPr lang="en-GB" sz="1800" dirty="0">
+                <a:solidFill>
+                  <a:schemeClr val="accent2">
+                    <a:lumMod val="75000"/>
+                  </a:schemeClr>
+                </a:solidFill>
+                <a:latin typeface="Courier New" panose="02070309020205020404" pitchFamily="49" charset="0"/>
+                <a:cs typeface="Courier New" panose="02070309020205020404" pitchFamily="49" charset="0"/>
+              </a:rPr>
+              <a:t>0x30 </a:t>
+            </a:r>
+            <a:r>
+              <a:rPr lang="en-GB" sz="1800" dirty="0" err="1">
+                <a:solidFill>
+                  <a:schemeClr val="accent2">
+                    <a:lumMod val="75000"/>
+                  </a:schemeClr>
+                </a:solidFill>
+                <a:latin typeface="Courier New" panose="02070309020205020404" pitchFamily="49" charset="0"/>
+                <a:cs typeface="Courier New" panose="02070309020205020404" pitchFamily="49" charset="0"/>
+              </a:rPr>
+              <a:t>0x30</a:t>
+            </a:r>
+            <a:r>
+              <a:rPr lang="en-GB" sz="1800" dirty="0">
+                <a:solidFill>
+                  <a:schemeClr val="accent2">
+                    <a:lumMod val="75000"/>
+                  </a:schemeClr>
+                </a:solidFill>
+                <a:latin typeface="Courier New" panose="02070309020205020404" pitchFamily="49" charset="0"/>
+                <a:cs typeface="Courier New" panose="02070309020205020404" pitchFamily="49" charset="0"/>
+              </a:rPr>
+              <a:t> </a:t>
+            </a:r>
+            <a:r>
+              <a:rPr lang="en-GB" sz="1800" dirty="0" err="1">
+                <a:solidFill>
+                  <a:schemeClr val="accent2">
+                    <a:lumMod val="75000"/>
+                  </a:schemeClr>
+                </a:solidFill>
+                <a:latin typeface="Courier New" panose="02070309020205020404" pitchFamily="49" charset="0"/>
+                <a:cs typeface="Courier New" panose="02070309020205020404" pitchFamily="49" charset="0"/>
+              </a:rPr>
+              <a:t>0x30</a:t>
+            </a:r>
+            <a:r>
+              <a:rPr lang="en-GB" sz="1800" dirty="0">
+                <a:solidFill>
+                  <a:schemeClr val="accent2">
+                    <a:lumMod val="75000"/>
+                  </a:schemeClr>
+                </a:solidFill>
+                <a:latin typeface="Courier New" panose="02070309020205020404" pitchFamily="49" charset="0"/>
+                <a:cs typeface="Courier New" panose="02070309020205020404" pitchFamily="49" charset="0"/>
+              </a:rPr>
+              <a:t> 0x31 0x32 0x33</a:t>
+            </a:r>
+          </a:p>
+          <a:p>
+            <a:r>
+              <a:rPr lang="en-GB" dirty="0"/>
+              <a:t>Write Version number</a:t>
             </a:r>
           </a:p>
           <a:p>
             <a:pPr lvl="1"/>
             <a:r>
-              <a:rPr lang="en-GB" dirty="0"/>
-              <a:t>DIDs are common across services</a:t>
+              <a:rPr lang="en-GB" sz="1800" dirty="0">
+                <a:latin typeface="Courier New" panose="02070309020205020404" pitchFamily="49" charset="0"/>
+                <a:cs typeface="Courier New" panose="02070309020205020404" pitchFamily="49" charset="0"/>
+              </a:rPr>
+              <a:t>Request: </a:t>
+            </a:r>
+            <a:r>
+              <a:rPr lang="en-GB" sz="1800" dirty="0">
+                <a:solidFill>
+                  <a:schemeClr val="accent6">
+                    <a:lumMod val="75000"/>
+                  </a:schemeClr>
+                </a:solidFill>
+                <a:latin typeface="Courier New" panose="02070309020205020404" pitchFamily="49" charset="0"/>
+                <a:cs typeface="Courier New" panose="02070309020205020404" pitchFamily="49" charset="0"/>
+              </a:rPr>
+              <a:t>0x2E </a:t>
+            </a:r>
+            <a:r>
+              <a:rPr lang="en-GB" sz="1800" dirty="0">
+                <a:solidFill>
+                  <a:schemeClr val="accent1">
+                    <a:lumMod val="75000"/>
+                  </a:schemeClr>
+                </a:solidFill>
+                <a:latin typeface="Courier New" panose="02070309020205020404" pitchFamily="49" charset="0"/>
+                <a:cs typeface="Courier New" panose="02070309020205020404" pitchFamily="49" charset="0"/>
+              </a:rPr>
+              <a:t>0xF1 0x12 </a:t>
+            </a:r>
+            <a:r>
+              <a:rPr lang="en-GB" sz="1800" dirty="0">
+                <a:solidFill>
+                  <a:schemeClr val="accent2">
+                    <a:lumMod val="75000"/>
+                  </a:schemeClr>
+                </a:solidFill>
+                <a:latin typeface="Courier New" panose="02070309020205020404" pitchFamily="49" charset="0"/>
+                <a:cs typeface="Courier New" panose="02070309020205020404" pitchFamily="49" charset="0"/>
+              </a:rPr>
+              <a:t>0x00 </a:t>
+            </a:r>
+            <a:r>
+              <a:rPr lang="en-GB" sz="1800" dirty="0" err="1">
+                <a:solidFill>
+                  <a:schemeClr val="accent2">
+                    <a:lumMod val="75000"/>
+                  </a:schemeClr>
+                </a:solidFill>
+                <a:latin typeface="Courier New" panose="02070309020205020404" pitchFamily="49" charset="0"/>
+                <a:cs typeface="Courier New" panose="02070309020205020404" pitchFamily="49" charset="0"/>
+              </a:rPr>
+              <a:t>0x00</a:t>
+            </a:r>
+            <a:r>
+              <a:rPr lang="en-GB" sz="1800" dirty="0">
+                <a:solidFill>
+                  <a:schemeClr val="accent2">
+                    <a:lumMod val="75000"/>
+                  </a:schemeClr>
+                </a:solidFill>
+                <a:latin typeface="Courier New" panose="02070309020205020404" pitchFamily="49" charset="0"/>
+                <a:cs typeface="Courier New" panose="02070309020205020404" pitchFamily="49" charset="0"/>
+              </a:rPr>
+              <a:t> </a:t>
+            </a:r>
+            <a:r>
+              <a:rPr lang="en-GB" sz="1800" dirty="0" err="1">
+                <a:solidFill>
+                  <a:schemeClr val="accent2">
+                    <a:lumMod val="75000"/>
+                  </a:schemeClr>
+                </a:solidFill>
+                <a:latin typeface="Courier New" panose="02070309020205020404" pitchFamily="49" charset="0"/>
+                <a:cs typeface="Courier New" panose="02070309020205020404" pitchFamily="49" charset="0"/>
+              </a:rPr>
+              <a:t>0x00</a:t>
+            </a:r>
+            <a:r>
+              <a:rPr lang="en-GB" sz="1800" dirty="0">
+                <a:solidFill>
+                  <a:schemeClr val="accent2">
+                    <a:lumMod val="75000"/>
+                  </a:schemeClr>
+                </a:solidFill>
+                <a:latin typeface="Courier New" panose="02070309020205020404" pitchFamily="49" charset="0"/>
+                <a:cs typeface="Courier New" panose="02070309020205020404" pitchFamily="49" charset="0"/>
+              </a:rPr>
+              <a:t> 0x01 0x02 0x03</a:t>
             </a:r>
           </a:p>
           <a:p>
             <a:pPr lvl="1"/>
             <a:r>
-              <a:rPr lang="en-GB" dirty="0"/>
-              <a:t>There are some standardised DIDs (Serial Number, software version number etc) but these are up to the manufacturer to define</a:t>
+              <a:rPr lang="en-GB" sz="1800" dirty="0">
+                <a:latin typeface="Courier New" panose="02070309020205020404" pitchFamily="49" charset="0"/>
+                <a:cs typeface="Courier New" panose="02070309020205020404" pitchFamily="49" charset="0"/>
+              </a:rPr>
+              <a:t>Response: </a:t>
+            </a:r>
+            <a:r>
+              <a:rPr lang="en-GB" sz="1800" dirty="0">
+                <a:solidFill>
+                  <a:schemeClr val="accent4">
+                    <a:lumMod val="75000"/>
+                  </a:schemeClr>
+                </a:solidFill>
+                <a:latin typeface="Courier New" panose="02070309020205020404" pitchFamily="49" charset="0"/>
+                <a:cs typeface="Courier New" panose="02070309020205020404" pitchFamily="49" charset="0"/>
+              </a:rPr>
+              <a:t>0x6E </a:t>
+            </a:r>
+            <a:r>
+              <a:rPr lang="en-GB" sz="1800" dirty="0">
+                <a:solidFill>
+                  <a:schemeClr val="accent1">
+                    <a:lumMod val="75000"/>
+                  </a:schemeClr>
+                </a:solidFill>
+                <a:latin typeface="Courier New" panose="02070309020205020404" pitchFamily="49" charset="0"/>
+                <a:cs typeface="Courier New" panose="02070309020205020404" pitchFamily="49" charset="0"/>
+              </a:rPr>
+              <a:t>0xF1 0x12</a:t>
+            </a:r>
+          </a:p>
+          <a:p>
+            <a:r>
+              <a:rPr lang="en-GB" dirty="0"/>
+              <a:t>Remote IO Control</a:t>
+            </a:r>
+          </a:p>
+          <a:p>
+            <a:pPr lvl="1"/>
+            <a:r>
+              <a:rPr lang="en-GB" sz="1800" dirty="0">
+                <a:latin typeface="Courier New" panose="02070309020205020404" pitchFamily="49" charset="0"/>
+                <a:cs typeface="Courier New" panose="02070309020205020404" pitchFamily="49" charset="0"/>
+              </a:rPr>
+              <a:t>Request: </a:t>
+            </a:r>
+            <a:r>
+              <a:rPr lang="en-GB" sz="1800" dirty="0">
+                <a:solidFill>
+                  <a:schemeClr val="accent6">
+                    <a:lumMod val="75000"/>
+                  </a:schemeClr>
+                </a:solidFill>
+                <a:latin typeface="Courier New" panose="02070309020205020404" pitchFamily="49" charset="0"/>
+                <a:cs typeface="Courier New" panose="02070309020205020404" pitchFamily="49" charset="0"/>
+              </a:rPr>
+              <a:t>0x2F </a:t>
+            </a:r>
+            <a:r>
+              <a:rPr lang="en-GB" sz="1800" dirty="0">
+                <a:solidFill>
+                  <a:schemeClr val="bg1">
+                    <a:lumMod val="50000"/>
+                  </a:schemeClr>
+                </a:solidFill>
+                <a:latin typeface="Courier New" panose="02070309020205020404" pitchFamily="49" charset="0"/>
+                <a:cs typeface="Courier New" panose="02070309020205020404" pitchFamily="49" charset="0"/>
+              </a:rPr>
+              <a:t>0x01</a:t>
+            </a:r>
+            <a:r>
+              <a:rPr lang="en-GB" sz="1800" dirty="0">
+                <a:latin typeface="Courier New" panose="02070309020205020404" pitchFamily="49" charset="0"/>
+                <a:cs typeface="Courier New" panose="02070309020205020404" pitchFamily="49" charset="0"/>
+              </a:rPr>
+              <a:t> </a:t>
+            </a:r>
+            <a:r>
+              <a:rPr lang="en-GB" sz="1800" dirty="0">
+                <a:solidFill>
+                  <a:schemeClr val="accent5">
+                    <a:lumMod val="75000"/>
+                  </a:schemeClr>
+                </a:solidFill>
+                <a:latin typeface="Courier New" panose="02070309020205020404" pitchFamily="49" charset="0"/>
+                <a:cs typeface="Courier New" panose="02070309020205020404" pitchFamily="49" charset="0"/>
+              </a:rPr>
+              <a:t>0x10 0x00 </a:t>
+            </a:r>
+            <a:r>
+              <a:rPr lang="en-GB" sz="1800" dirty="0">
+                <a:solidFill>
+                  <a:schemeClr val="accent2">
+                    <a:lumMod val="75000"/>
+                  </a:schemeClr>
+                </a:solidFill>
+                <a:latin typeface="Courier New" panose="02070309020205020404" pitchFamily="49" charset="0"/>
+                <a:cs typeface="Courier New" panose="02070309020205020404" pitchFamily="49" charset="0"/>
+              </a:rPr>
+              <a:t>0x1F 0x40</a:t>
+            </a:r>
+          </a:p>
+          <a:p>
+            <a:pPr lvl="1"/>
+            <a:r>
+              <a:rPr lang="en-GB" sz="1800" dirty="0">
+                <a:latin typeface="Courier New" panose="02070309020205020404" pitchFamily="49" charset="0"/>
+                <a:cs typeface="Courier New" panose="02070309020205020404" pitchFamily="49" charset="0"/>
+              </a:rPr>
+              <a:t>Response: </a:t>
+            </a:r>
+            <a:r>
+              <a:rPr lang="en-GB" sz="1800" dirty="0">
+                <a:solidFill>
+                  <a:schemeClr val="accent4">
+                    <a:lumMod val="75000"/>
+                  </a:schemeClr>
+                </a:solidFill>
+                <a:latin typeface="Courier New" panose="02070309020205020404" pitchFamily="49" charset="0"/>
+                <a:cs typeface="Courier New" panose="02070309020205020404" pitchFamily="49" charset="0"/>
+              </a:rPr>
+              <a:t>0x6F</a:t>
+            </a:r>
+            <a:r>
+              <a:rPr lang="en-GB" sz="1800" dirty="0">
+                <a:latin typeface="Courier New" panose="02070309020205020404" pitchFamily="49" charset="0"/>
+                <a:cs typeface="Courier New" panose="02070309020205020404" pitchFamily="49" charset="0"/>
+              </a:rPr>
+              <a:t> </a:t>
+            </a:r>
+            <a:r>
+              <a:rPr lang="en-GB" sz="1800" dirty="0">
+                <a:solidFill>
+                  <a:schemeClr val="bg1">
+                    <a:lumMod val="65000"/>
+                  </a:schemeClr>
+                </a:solidFill>
+                <a:latin typeface="Courier New" panose="02070309020205020404" pitchFamily="49" charset="0"/>
+                <a:cs typeface="Courier New" panose="02070309020205020404" pitchFamily="49" charset="0"/>
+              </a:rPr>
+              <a:t>0x01</a:t>
+            </a:r>
+            <a:r>
+              <a:rPr lang="en-GB" sz="1800" dirty="0">
+                <a:latin typeface="Courier New" panose="02070309020205020404" pitchFamily="49" charset="0"/>
+                <a:cs typeface="Courier New" panose="02070309020205020404" pitchFamily="49" charset="0"/>
+              </a:rPr>
+              <a:t> </a:t>
+            </a:r>
+            <a:r>
+              <a:rPr lang="en-GB" sz="1800" dirty="0">
+                <a:solidFill>
+                  <a:schemeClr val="accent5">
+                    <a:lumMod val="75000"/>
+                  </a:schemeClr>
+                </a:solidFill>
+                <a:latin typeface="Courier New" panose="02070309020205020404" pitchFamily="49" charset="0"/>
+                <a:cs typeface="Courier New" panose="02070309020205020404" pitchFamily="49" charset="0"/>
+              </a:rPr>
+              <a:t>0x10 0x00</a:t>
             </a:r>
           </a:p>
         </p:txBody>
@@ -4484,7 +6265,7 @@
     </p:spTree>
     <p:extLst>
       <p:ext uri="{BB962C8B-B14F-4D97-AF65-F5344CB8AC3E}">
-        <p14:creationId xmlns:p14="http://schemas.microsoft.com/office/powerpoint/2010/main" val="3900281506"/>
+        <p14:creationId xmlns:p14="http://schemas.microsoft.com/office/powerpoint/2010/main" val="818208298"/>
       </p:ext>
     </p:extLst>
   </p:cSld>
@@ -4516,7 +6297,7 @@
           <p:cNvPr id="2" name="Title 1">
             <a:extLst>
               <a:ext uri="{FF2B5EF4-FFF2-40B4-BE49-F238E27FC236}">
-                <a16:creationId xmlns:a16="http://schemas.microsoft.com/office/drawing/2014/main" id="{A1F79D5C-C869-45A0-9C29-CABE8DDD28DE}"/>
+                <a16:creationId xmlns:a16="http://schemas.microsoft.com/office/drawing/2014/main" id="{D87A3FC9-A0DA-4FB5-A112-7907BE500309}"/>
               </a:ext>
             </a:extLst>
           </p:cNvPr>
@@ -4534,7 +6315,7 @@
           <a:p>
             <a:r>
               <a:rPr lang="en-GB" dirty="0"/>
-              <a:t>Transport Protocols</a:t>
+              <a:t>UDS Services and DIDs</a:t>
             </a:r>
           </a:p>
         </p:txBody>
@@ -4544,7 +6325,7 @@
           <p:cNvPr id="3" name="Content Placeholder 2">
             <a:extLst>
               <a:ext uri="{FF2B5EF4-FFF2-40B4-BE49-F238E27FC236}">
-                <a16:creationId xmlns:a16="http://schemas.microsoft.com/office/drawing/2014/main" id="{3C32FAD9-5152-4201-848E-4A42C12DA763}"/>
+                <a16:creationId xmlns:a16="http://schemas.microsoft.com/office/drawing/2014/main" id="{BE26F478-C1F9-447E-AF06-FCE82BFF425C}"/>
               </a:ext>
             </a:extLst>
           </p:cNvPr>
@@ -4557,36 +6338,62 @@
         </p:nvSpPr>
         <p:spPr/>
         <p:txBody>
-          <a:bodyPr/>
-          <a:lstStyle/>
-          <a:p>
-            <a:r>
-              <a:rPr lang="en-GB" dirty="0"/>
-              <a:t>Most of the automotive communications networks were not designed for high bandwidth </a:t>
+          <a:bodyPr>
+            <a:normAutofit lnSpcReduction="10000"/>
+          </a:bodyPr>
+          <a:lstStyle/>
+          <a:p>
+            <a:r>
+              <a:rPr lang="en-GB" dirty="0"/>
+              <a:t>There are a large number of services defined</a:t>
             </a:r>
           </a:p>
           <a:p>
             <a:pPr lvl="1"/>
             <a:r>
               <a:rPr lang="en-GB" dirty="0"/>
-              <a:t>CAN / LIN both have an 8 byte payload</a:t>
+              <a:t>0x01 – 0x0A are standardised by the OBD-II standard and include basic diagnostic information, manufacturers have to conform to the exact structure of the service and its parameters</a:t>
             </a:r>
           </a:p>
           <a:p>
             <a:pPr lvl="1"/>
             <a:r>
-              <a:rPr lang="en-GB" dirty="0" err="1"/>
-              <a:t>FlexRay</a:t>
-            </a:r>
-            <a:r>
-              <a:rPr lang="en-GB" dirty="0"/>
-              <a:t> and Ethernet can utilise larger payloads but still sometimes rely on transport protocols)</a:t>
-            </a:r>
-          </a:p>
-          <a:p>
-            <a:r>
-              <a:rPr lang="en-GB" dirty="0"/>
-              <a:t>This means that most useful data must be transmitted and received across multiple messages</a:t>
+              <a:rPr lang="en-GB" dirty="0"/>
+              <a:t>0x10 upwards are partially standardised</a:t>
+            </a:r>
+          </a:p>
+          <a:p>
+            <a:pPr lvl="2"/>
+            <a:r>
+              <a:rPr lang="en-GB" dirty="0"/>
+              <a:t>IDs are fixed to certain purposes (read data = 0x22, write data = 0x2E, remote IO = 0x2F) </a:t>
+            </a:r>
+          </a:p>
+          <a:p>
+            <a:pPr lvl="2"/>
+            <a:r>
+              <a:rPr lang="en-GB" dirty="0"/>
+              <a:t>The content is more flexible and parameters are optional</a:t>
+            </a:r>
+          </a:p>
+          <a:p>
+            <a:r>
+              <a:rPr lang="en-GB" dirty="0"/>
+              <a:t>Diagnostic Identifiers (DIDs) are used to represent individual parameters</a:t>
+            </a:r>
+          </a:p>
+          <a:p>
+            <a:pPr lvl="1"/>
+            <a:r>
+              <a:rPr lang="en-GB" dirty="0"/>
+              <a:t>DIDs are common across services</a:t>
+            </a:r>
+          </a:p>
+          <a:p>
+            <a:pPr lvl="1"/>
+            <a:r>
+              <a:rPr lang="en-GB" dirty="0"/>
+              <a:t>There are some standardised DIDs (Serial Number, software version number etc) but these are up to the manufacturer to define</a:t>
             </a:r>
           </a:p>
         </p:txBody>
@@ -4594,7 +6401,7 @@
     </p:spTree>
     <p:extLst>
       <p:ext uri="{BB962C8B-B14F-4D97-AF65-F5344CB8AC3E}">
-        <p14:creationId xmlns:p14="http://schemas.microsoft.com/office/powerpoint/2010/main" val="4018087228"/>
+        <p14:creationId xmlns:p14="http://schemas.microsoft.com/office/powerpoint/2010/main" val="3900281506"/>
       </p:ext>
     </p:extLst>
   </p:cSld>
@@ -4626,7 +6433,7 @@
           <p:cNvPr id="2" name="Title 1">
             <a:extLst>
               <a:ext uri="{FF2B5EF4-FFF2-40B4-BE49-F238E27FC236}">
-                <a16:creationId xmlns:a16="http://schemas.microsoft.com/office/drawing/2014/main" id="{F477FC0C-8D20-4AF2-BACD-0C5FCBE1FF3E}"/>
+                <a16:creationId xmlns:a16="http://schemas.microsoft.com/office/drawing/2014/main" id="{A1F79D5C-C869-45A0-9C29-CABE8DDD28DE}"/>
               </a:ext>
             </a:extLst>
           </p:cNvPr>
@@ -4644,7 +6451,7 @@
           <a:p>
             <a:r>
               <a:rPr lang="en-GB" dirty="0"/>
-              <a:t>CAN Transport Protocol – Example</a:t>
+              <a:t>Transport Protocols</a:t>
             </a:r>
           </a:p>
         </p:txBody>
@@ -4654,7 +6461,7 @@
           <p:cNvPr id="3" name="Content Placeholder 2">
             <a:extLst>
               <a:ext uri="{FF2B5EF4-FFF2-40B4-BE49-F238E27FC236}">
-                <a16:creationId xmlns:a16="http://schemas.microsoft.com/office/drawing/2014/main" id="{EFBF8AB5-5A9E-4104-AB41-0982D25C2974}"/>
+                <a16:creationId xmlns:a16="http://schemas.microsoft.com/office/drawing/2014/main" id="{3C32FAD9-5152-4201-848E-4A42C12DA763}"/>
               </a:ext>
             </a:extLst>
           </p:cNvPr>
@@ -4667,415 +6474,36 @@
         </p:nvSpPr>
         <p:spPr/>
         <p:txBody>
-          <a:bodyPr>
-            <a:normAutofit fontScale="92500" lnSpcReduction="10000"/>
-          </a:bodyPr>
-          <a:lstStyle/>
-          <a:p>
-            <a:pPr marL="0" indent="0">
-              <a:buNone/>
-            </a:pPr>
-            <a:r>
-              <a:rPr lang="en-GB" sz="1800" dirty="0"/>
-              <a:t>The message to set the ECU serial number:</a:t>
-            </a:r>
-          </a:p>
-          <a:p>
-            <a:pPr marL="0" indent="0">
-              <a:buNone/>
-            </a:pPr>
-            <a:r>
-              <a:rPr lang="en-GB" sz="1800" dirty="0">
-                <a:latin typeface="Courier New" panose="02070309020205020404" pitchFamily="49" charset="0"/>
-                <a:cs typeface="Courier New" panose="02070309020205020404" pitchFamily="49" charset="0"/>
-              </a:rPr>
-              <a:t>	2E F1 8C 01 02 03 04 05 06 07 08 09 0A 0B 0C 0D 0E 0F</a:t>
-            </a:r>
-          </a:p>
-          <a:p>
-            <a:pPr marL="0" indent="0">
-              <a:buNone/>
-            </a:pPr>
-            <a:r>
-              <a:rPr lang="en-GB" sz="1800" dirty="0"/>
-              <a:t>Is too long for 1 CAN payload, so the transport protocol would split it into several. </a:t>
-            </a:r>
-          </a:p>
-          <a:p>
-            <a:pPr marL="0" indent="0">
-              <a:buNone/>
-            </a:pPr>
-            <a:r>
-              <a:rPr lang="en-GB" sz="1800" dirty="0"/>
-              <a:t>It starts with a “First Frame” from the sender</a:t>
-            </a:r>
-          </a:p>
-          <a:p>
-            <a:pPr marL="0" indent="0">
-              <a:buNone/>
-            </a:pPr>
-            <a:r>
-              <a:rPr lang="en-GB" sz="1800" dirty="0">
-                <a:latin typeface="Courier New" panose="02070309020205020404" pitchFamily="49" charset="0"/>
-                <a:cs typeface="Courier New" panose="02070309020205020404" pitchFamily="49" charset="0"/>
-              </a:rPr>
-              <a:t>	</a:t>
-            </a:r>
-            <a:r>
-              <a:rPr lang="en-GB" sz="1800" dirty="0">
-                <a:solidFill>
-                  <a:schemeClr val="accent6">
-                    <a:lumMod val="75000"/>
-                  </a:schemeClr>
-                </a:solidFill>
-                <a:latin typeface="Courier New" panose="02070309020205020404" pitchFamily="49" charset="0"/>
-                <a:cs typeface="Courier New" panose="02070309020205020404" pitchFamily="49" charset="0"/>
-              </a:rPr>
-              <a:t>1</a:t>
-            </a:r>
-            <a:r>
-              <a:rPr lang="en-GB" sz="1800" dirty="0">
-                <a:solidFill>
-                  <a:srgbClr val="00B0F0"/>
-                </a:solidFill>
-                <a:latin typeface="Courier New" panose="02070309020205020404" pitchFamily="49" charset="0"/>
-                <a:cs typeface="Courier New" panose="02070309020205020404" pitchFamily="49" charset="0"/>
-              </a:rPr>
-              <a:t>0 12</a:t>
-            </a:r>
-            <a:r>
-              <a:rPr lang="en-GB" sz="1800" dirty="0">
-                <a:latin typeface="Courier New" panose="02070309020205020404" pitchFamily="49" charset="0"/>
-                <a:cs typeface="Courier New" panose="02070309020205020404" pitchFamily="49" charset="0"/>
-              </a:rPr>
-              <a:t> </a:t>
-            </a:r>
-            <a:r>
-              <a:rPr lang="en-GB" sz="1800" dirty="0">
-                <a:solidFill>
-                  <a:schemeClr val="accent2">
-                    <a:lumMod val="50000"/>
-                  </a:schemeClr>
-                </a:solidFill>
-                <a:latin typeface="Courier New" panose="02070309020205020404" pitchFamily="49" charset="0"/>
-                <a:cs typeface="Courier New" panose="02070309020205020404" pitchFamily="49" charset="0"/>
-              </a:rPr>
-              <a:t>2E F1 8C 01 02 03</a:t>
-            </a:r>
-          </a:p>
-          <a:p>
-            <a:pPr marL="0" indent="0">
-              <a:buNone/>
-            </a:pPr>
-            <a:r>
-              <a:rPr lang="en-GB" sz="1800" dirty="0"/>
-              <a:t>The “Flow Control” from the receiver gives the information about how to send the rest of the data (not covered here but it specified timing and sizing for the remaining consecutive frames)</a:t>
-            </a:r>
-          </a:p>
-          <a:p>
-            <a:pPr marL="0" indent="0">
-              <a:buNone/>
-            </a:pPr>
-            <a:r>
-              <a:rPr lang="en-GB" sz="1800" dirty="0">
-                <a:latin typeface="Courier New" panose="02070309020205020404" pitchFamily="49" charset="0"/>
-                <a:cs typeface="Courier New" panose="02070309020205020404" pitchFamily="49" charset="0"/>
-              </a:rPr>
-              <a:t>	</a:t>
-            </a:r>
-            <a:r>
-              <a:rPr lang="en-GB" sz="1800" dirty="0">
-                <a:solidFill>
-                  <a:schemeClr val="accent6">
-                    <a:lumMod val="75000"/>
-                  </a:schemeClr>
-                </a:solidFill>
-                <a:latin typeface="Courier New" panose="02070309020205020404" pitchFamily="49" charset="0"/>
-                <a:cs typeface="Courier New" panose="02070309020205020404" pitchFamily="49" charset="0"/>
-              </a:rPr>
-              <a:t>3</a:t>
-            </a:r>
-            <a:r>
-              <a:rPr lang="en-GB" sz="1800" dirty="0">
-                <a:solidFill>
-                  <a:schemeClr val="bg1">
-                    <a:lumMod val="65000"/>
-                  </a:schemeClr>
-                </a:solidFill>
-                <a:latin typeface="Courier New" panose="02070309020205020404" pitchFamily="49" charset="0"/>
-                <a:cs typeface="Courier New" panose="02070309020205020404" pitchFamily="49" charset="0"/>
-              </a:rPr>
-              <a:t>0</a:t>
-            </a:r>
-            <a:r>
-              <a:rPr lang="en-GB" sz="1800" dirty="0">
-                <a:latin typeface="Courier New" panose="02070309020205020404" pitchFamily="49" charset="0"/>
-                <a:cs typeface="Courier New" panose="02070309020205020404" pitchFamily="49" charset="0"/>
-              </a:rPr>
-              <a:t> </a:t>
-            </a:r>
-            <a:r>
-              <a:rPr lang="en-GB" sz="1800" dirty="0">
-                <a:solidFill>
-                  <a:srgbClr val="FF0000"/>
-                </a:solidFill>
-                <a:latin typeface="Courier New" panose="02070309020205020404" pitchFamily="49" charset="0"/>
-                <a:cs typeface="Courier New" panose="02070309020205020404" pitchFamily="49" charset="0"/>
-              </a:rPr>
-              <a:t>10</a:t>
-            </a:r>
-            <a:r>
-              <a:rPr lang="en-GB" sz="1800" dirty="0">
-                <a:latin typeface="Courier New" panose="02070309020205020404" pitchFamily="49" charset="0"/>
-                <a:cs typeface="Courier New" panose="02070309020205020404" pitchFamily="49" charset="0"/>
-              </a:rPr>
-              <a:t> </a:t>
-            </a:r>
-            <a:r>
-              <a:rPr lang="en-GB" sz="1800" dirty="0">
-                <a:solidFill>
-                  <a:srgbClr val="7030A0"/>
-                </a:solidFill>
-                <a:latin typeface="Courier New" panose="02070309020205020404" pitchFamily="49" charset="0"/>
-                <a:cs typeface="Courier New" panose="02070309020205020404" pitchFamily="49" charset="0"/>
-              </a:rPr>
-              <a:t>05</a:t>
-            </a:r>
-            <a:r>
-              <a:rPr lang="en-GB" sz="1800" dirty="0">
-                <a:latin typeface="Courier New" panose="02070309020205020404" pitchFamily="49" charset="0"/>
-                <a:cs typeface="Courier New" panose="02070309020205020404" pitchFamily="49" charset="0"/>
-              </a:rPr>
-              <a:t> </a:t>
-            </a:r>
-            <a:r>
-              <a:rPr lang="en-GB" sz="1800" dirty="0">
-                <a:solidFill>
-                  <a:schemeClr val="bg1">
-                    <a:lumMod val="65000"/>
-                  </a:schemeClr>
-                </a:solidFill>
-                <a:latin typeface="Courier New" panose="02070309020205020404" pitchFamily="49" charset="0"/>
-                <a:cs typeface="Courier New" panose="02070309020205020404" pitchFamily="49" charset="0"/>
-              </a:rPr>
-              <a:t>00 00 00 00 00</a:t>
-            </a:r>
-          </a:p>
-          <a:p>
-            <a:pPr marL="0" indent="0">
-              <a:buNone/>
-            </a:pPr>
-            <a:r>
-              <a:rPr lang="en-GB" sz="1800" dirty="0"/>
-              <a:t>The sender would then send “Consecutive Frames” until the </a:t>
-            </a:r>
-            <a:r>
-              <a:rPr lang="en-GB" sz="1800" dirty="0" err="1"/>
-              <a:t>paylod</a:t>
-            </a:r>
-            <a:r>
-              <a:rPr lang="en-GB" sz="1800" dirty="0"/>
-              <a:t> is sent</a:t>
-            </a:r>
-          </a:p>
-          <a:p>
-            <a:pPr marL="0" indent="0">
-              <a:buNone/>
-            </a:pPr>
-            <a:r>
-              <a:rPr lang="en-GB" sz="1800" dirty="0">
-                <a:latin typeface="Courier New" panose="02070309020205020404" pitchFamily="49" charset="0"/>
-                <a:cs typeface="Courier New" panose="02070309020205020404" pitchFamily="49" charset="0"/>
-              </a:rPr>
-              <a:t>	</a:t>
-            </a:r>
-            <a:r>
-              <a:rPr lang="en-GB" sz="1800" dirty="0">
-                <a:solidFill>
-                  <a:schemeClr val="accent6">
-                    <a:lumMod val="75000"/>
-                  </a:schemeClr>
-                </a:solidFill>
-                <a:latin typeface="Courier New" panose="02070309020205020404" pitchFamily="49" charset="0"/>
-                <a:cs typeface="Courier New" panose="02070309020205020404" pitchFamily="49" charset="0"/>
-              </a:rPr>
-              <a:t>2</a:t>
-            </a:r>
-            <a:r>
-              <a:rPr lang="en-GB" sz="1800" dirty="0">
-                <a:latin typeface="Courier New" panose="02070309020205020404" pitchFamily="49" charset="0"/>
-                <a:cs typeface="Courier New" panose="02070309020205020404" pitchFamily="49" charset="0"/>
-              </a:rPr>
-              <a:t>1 </a:t>
-            </a:r>
-            <a:r>
-              <a:rPr lang="en-GB" sz="1800" dirty="0">
-                <a:solidFill>
-                  <a:schemeClr val="accent2">
-                    <a:lumMod val="50000"/>
-                  </a:schemeClr>
-                </a:solidFill>
-                <a:latin typeface="Courier New" panose="02070309020205020404" pitchFamily="49" charset="0"/>
-                <a:cs typeface="Courier New" panose="02070309020205020404" pitchFamily="49" charset="0"/>
-              </a:rPr>
-              <a:t>04 05 06 07 08 09 0A 0B</a:t>
-            </a:r>
-          </a:p>
-          <a:p>
-            <a:pPr marL="0" indent="0">
-              <a:buNone/>
-            </a:pPr>
-            <a:r>
-              <a:rPr lang="en-GB" sz="1800" dirty="0">
-                <a:latin typeface="Courier New" panose="02070309020205020404" pitchFamily="49" charset="0"/>
-                <a:cs typeface="Courier New" panose="02070309020205020404" pitchFamily="49" charset="0"/>
-              </a:rPr>
-              <a:t>	</a:t>
-            </a:r>
-            <a:r>
-              <a:rPr lang="en-GB" sz="1800" dirty="0">
-                <a:solidFill>
-                  <a:schemeClr val="accent6">
-                    <a:lumMod val="75000"/>
-                  </a:schemeClr>
-                </a:solidFill>
-                <a:latin typeface="Courier New" panose="02070309020205020404" pitchFamily="49" charset="0"/>
-                <a:cs typeface="Courier New" panose="02070309020205020404" pitchFamily="49" charset="0"/>
-              </a:rPr>
-              <a:t>2</a:t>
-            </a:r>
-            <a:r>
-              <a:rPr lang="en-GB" sz="1800" dirty="0">
-                <a:latin typeface="Courier New" panose="02070309020205020404" pitchFamily="49" charset="0"/>
-                <a:cs typeface="Courier New" panose="02070309020205020404" pitchFamily="49" charset="0"/>
-              </a:rPr>
-              <a:t>2 </a:t>
-            </a:r>
-            <a:r>
-              <a:rPr lang="en-GB" sz="1800" dirty="0">
-                <a:solidFill>
-                  <a:schemeClr val="accent2">
-                    <a:lumMod val="50000"/>
-                  </a:schemeClr>
-                </a:solidFill>
-                <a:latin typeface="Courier New" panose="02070309020205020404" pitchFamily="49" charset="0"/>
-                <a:cs typeface="Courier New" panose="02070309020205020404" pitchFamily="49" charset="0"/>
-              </a:rPr>
-              <a:t>0C 0D 0E 0F</a:t>
-            </a:r>
-          </a:p>
-          <a:p>
-            <a:pPr marL="0" indent="0">
-              <a:buNone/>
-            </a:pPr>
-            <a:r>
-              <a:rPr lang="en-GB" sz="1800" dirty="0">
-                <a:cs typeface="Courier New" panose="02070309020205020404" pitchFamily="49" charset="0"/>
-              </a:rPr>
-              <a:t>This way CAN is able to transmit up to 4095 bytes in a single UDS message, larger messages need a further transport protocol (there are standardised functions for transmitting configuration or programming ECUs which generally have 1 - 3 Mb of ROM)</a:t>
-            </a:r>
-          </a:p>
-        </p:txBody>
-      </p:sp>
-      <p:sp>
-        <p:nvSpPr>
-          <p:cNvPr id="5" name="TextBox 4">
-            <a:extLst>
-              <a:ext uri="{FF2B5EF4-FFF2-40B4-BE49-F238E27FC236}">
-                <a16:creationId xmlns:a16="http://schemas.microsoft.com/office/drawing/2014/main" id="{9B765A53-BE07-45A8-A196-B8EF965C371C}"/>
-              </a:ext>
-            </a:extLst>
-          </p:cNvPr>
-          <p:cNvSpPr txBox="1"/>
-          <p:nvPr/>
-        </p:nvSpPr>
-        <p:spPr>
-          <a:xfrm>
-            <a:off x="9188741" y="1690688"/>
-            <a:ext cx="3003259" cy="1600438"/>
-          </a:xfrm>
-          <a:prstGeom prst="rect">
-            <a:avLst/>
-          </a:prstGeom>
-          <a:noFill/>
-        </p:spPr>
-        <p:txBody>
-          <a:bodyPr wrap="square" rtlCol="0">
-            <a:spAutoFit/>
-          </a:bodyPr>
-          <a:lstStyle/>
-          <a:p>
-            <a:r>
-              <a:rPr lang="en-GB" sz="1400" b="1" dirty="0"/>
-              <a:t>Legend</a:t>
-            </a:r>
-          </a:p>
-          <a:p>
-            <a:r>
-              <a:rPr lang="en-GB" sz="1400" dirty="0">
-                <a:solidFill>
-                  <a:schemeClr val="accent6">
-                    <a:lumMod val="75000"/>
-                  </a:schemeClr>
-                </a:solidFill>
-              </a:rPr>
-              <a:t>Green = Message type</a:t>
-            </a:r>
-          </a:p>
-          <a:p>
-            <a:r>
-              <a:rPr lang="en-GB" sz="1400" dirty="0">
-                <a:solidFill>
-                  <a:srgbClr val="00B0F0"/>
-                </a:solidFill>
-              </a:rPr>
-              <a:t>Blue = Total Payload Size</a:t>
-            </a:r>
-          </a:p>
-          <a:p>
-            <a:r>
-              <a:rPr lang="en-GB" sz="1400" dirty="0">
-                <a:solidFill>
-                  <a:schemeClr val="accent2">
-                    <a:lumMod val="50000"/>
-                  </a:schemeClr>
-                </a:solidFill>
-              </a:rPr>
-              <a:t>Dark orange = Payload</a:t>
-            </a:r>
-          </a:p>
-          <a:p>
-            <a:r>
-              <a:rPr lang="en-GB" sz="1400" dirty="0">
-                <a:solidFill>
-                  <a:srgbClr val="FF0000"/>
-                </a:solidFill>
-              </a:rPr>
-              <a:t>Red = Block size</a:t>
-            </a:r>
-          </a:p>
-          <a:p>
-            <a:r>
-              <a:rPr lang="en-GB" sz="1400" dirty="0">
-                <a:solidFill>
-                  <a:srgbClr val="7030A0"/>
-                </a:solidFill>
-              </a:rPr>
-              <a:t>Purple = Min timing interval</a:t>
-            </a:r>
-          </a:p>
-          <a:p>
-            <a:r>
-              <a:rPr lang="en-GB" sz="1400" dirty="0"/>
-              <a:t>Black = </a:t>
-            </a:r>
-            <a:r>
-              <a:rPr lang="en-GB" sz="1400" dirty="0" err="1"/>
-              <a:t>Seqence</a:t>
-            </a:r>
-            <a:r>
-              <a:rPr lang="en-GB" sz="1400" dirty="0"/>
-              <a:t> number</a:t>
+          <a:bodyPr/>
+          <a:lstStyle/>
+          <a:p>
+            <a:r>
+              <a:rPr lang="en-GB" dirty="0"/>
+              <a:t>Most of the automotive communications networks were not designed for high bandwidth </a:t>
+            </a:r>
+          </a:p>
+          <a:p>
+            <a:pPr lvl="1"/>
+            <a:r>
+              <a:rPr lang="en-GB" dirty="0"/>
+              <a:t>CAN / LIN both have an 8 byte payload</a:t>
+            </a:r>
+          </a:p>
+          <a:p>
+            <a:pPr lvl="1"/>
+            <a:r>
+              <a:rPr lang="en-GB" dirty="0" err="1"/>
+              <a:t>FlexRay</a:t>
+            </a:r>
+            <a:r>
+              <a:rPr lang="en-GB" dirty="0"/>
+              <a:t> and Ethernet can utilise larger payloads but still sometimes rely on transport protocols)</a:t>
+            </a:r>
+          </a:p>
+          <a:p>
+            <a:r>
+              <a:rPr lang="en-GB" dirty="0"/>
+              <a:t>This means that most useful data must be transmitted and received across multiple messages</a:t>
             </a:r>
           </a:p>
         </p:txBody>
@@ -5083,7 +6511,7 @@
     </p:spTree>
     <p:extLst>
       <p:ext uri="{BB962C8B-B14F-4D97-AF65-F5344CB8AC3E}">
-        <p14:creationId xmlns:p14="http://schemas.microsoft.com/office/powerpoint/2010/main" val="1272086554"/>
+        <p14:creationId xmlns:p14="http://schemas.microsoft.com/office/powerpoint/2010/main" val="4018087228"/>
       </p:ext>
     </p:extLst>
   </p:cSld>
@@ -5115,15 +6543,15 @@
           <p:cNvPr id="2" name="Title 1">
             <a:extLst>
               <a:ext uri="{FF2B5EF4-FFF2-40B4-BE49-F238E27FC236}">
-                <a16:creationId xmlns:a16="http://schemas.microsoft.com/office/drawing/2014/main" id="{8C45E973-C00B-4B2A-9678-6CC1F58B3631}"/>
-              </a:ext>
-            </a:extLst>
-          </p:cNvPr>
-          <p:cNvSpPr>
-            <a:spLocks noGrp="1"/>
-          </p:cNvSpPr>
-          <p:nvPr>
-            <p:ph type="ctrTitle"/>
+                <a16:creationId xmlns:a16="http://schemas.microsoft.com/office/drawing/2014/main" id="{F477FC0C-8D20-4AF2-BACD-0C5FCBE1FF3E}"/>
+              </a:ext>
+            </a:extLst>
+          </p:cNvPr>
+          <p:cNvSpPr>
+            <a:spLocks noGrp="1"/>
+          </p:cNvSpPr>
+          <p:nvPr>
+            <p:ph type="title"/>
           </p:nvPr>
         </p:nvSpPr>
         <p:spPr/>
@@ -5133,7 +6561,438 @@
           <a:p>
             <a:r>
               <a:rPr lang="en-GB" dirty="0"/>
-              <a:t>Python-UDS Structure</a:t>
+              <a:t>CAN Transport Protocol – Example</a:t>
+            </a:r>
+          </a:p>
+        </p:txBody>
+      </p:sp>
+      <p:sp>
+        <p:nvSpPr>
+          <p:cNvPr id="3" name="Content Placeholder 2">
+            <a:extLst>
+              <a:ext uri="{FF2B5EF4-FFF2-40B4-BE49-F238E27FC236}">
+                <a16:creationId xmlns:a16="http://schemas.microsoft.com/office/drawing/2014/main" id="{EFBF8AB5-5A9E-4104-AB41-0982D25C2974}"/>
+              </a:ext>
+            </a:extLst>
+          </p:cNvPr>
+          <p:cNvSpPr>
+            <a:spLocks noGrp="1"/>
+          </p:cNvSpPr>
+          <p:nvPr>
+            <p:ph idx="1"/>
+          </p:nvPr>
+        </p:nvSpPr>
+        <p:spPr/>
+        <p:txBody>
+          <a:bodyPr>
+            <a:normAutofit fontScale="92500" lnSpcReduction="10000"/>
+          </a:bodyPr>
+          <a:lstStyle/>
+          <a:p>
+            <a:pPr marL="0" indent="0">
+              <a:buNone/>
+            </a:pPr>
+            <a:r>
+              <a:rPr lang="en-GB" sz="1800" dirty="0"/>
+              <a:t>The message to set the ECU serial number:</a:t>
+            </a:r>
+          </a:p>
+          <a:p>
+            <a:pPr marL="0" indent="0">
+              <a:buNone/>
+            </a:pPr>
+            <a:r>
+              <a:rPr lang="en-GB" sz="1800" dirty="0">
+                <a:latin typeface="Courier New" panose="02070309020205020404" pitchFamily="49" charset="0"/>
+                <a:cs typeface="Courier New" panose="02070309020205020404" pitchFamily="49" charset="0"/>
+              </a:rPr>
+              <a:t>	2E F1 8C 01 02 03 04 05 06 07 08 09 0A 0B 0C 0D 0E 0F</a:t>
+            </a:r>
+          </a:p>
+          <a:p>
+            <a:pPr marL="0" indent="0">
+              <a:buNone/>
+            </a:pPr>
+            <a:r>
+              <a:rPr lang="en-GB" sz="1800" dirty="0"/>
+              <a:t>Is too long for 1 CAN payload, so the transport protocol would split it into several. </a:t>
+            </a:r>
+          </a:p>
+          <a:p>
+            <a:pPr marL="0" indent="0">
+              <a:buNone/>
+            </a:pPr>
+            <a:r>
+              <a:rPr lang="en-GB" sz="1800" dirty="0"/>
+              <a:t>It starts with a “First Frame” from the sender</a:t>
+            </a:r>
+          </a:p>
+          <a:p>
+            <a:pPr marL="0" indent="0">
+              <a:buNone/>
+            </a:pPr>
+            <a:r>
+              <a:rPr lang="en-GB" sz="1800" dirty="0">
+                <a:latin typeface="Courier New" panose="02070309020205020404" pitchFamily="49" charset="0"/>
+                <a:cs typeface="Courier New" panose="02070309020205020404" pitchFamily="49" charset="0"/>
+              </a:rPr>
+              <a:t>	</a:t>
+            </a:r>
+            <a:r>
+              <a:rPr lang="en-GB" sz="1800" dirty="0">
+                <a:solidFill>
+                  <a:schemeClr val="accent6">
+                    <a:lumMod val="75000"/>
+                  </a:schemeClr>
+                </a:solidFill>
+                <a:latin typeface="Courier New" panose="02070309020205020404" pitchFamily="49" charset="0"/>
+                <a:cs typeface="Courier New" panose="02070309020205020404" pitchFamily="49" charset="0"/>
+              </a:rPr>
+              <a:t>1</a:t>
+            </a:r>
+            <a:r>
+              <a:rPr lang="en-GB" sz="1800" dirty="0">
+                <a:solidFill>
+                  <a:srgbClr val="00B0F0"/>
+                </a:solidFill>
+                <a:latin typeface="Courier New" panose="02070309020205020404" pitchFamily="49" charset="0"/>
+                <a:cs typeface="Courier New" panose="02070309020205020404" pitchFamily="49" charset="0"/>
+              </a:rPr>
+              <a:t>0 12</a:t>
+            </a:r>
+            <a:r>
+              <a:rPr lang="en-GB" sz="1800" dirty="0">
+                <a:latin typeface="Courier New" panose="02070309020205020404" pitchFamily="49" charset="0"/>
+                <a:cs typeface="Courier New" panose="02070309020205020404" pitchFamily="49" charset="0"/>
+              </a:rPr>
+              <a:t> </a:t>
+            </a:r>
+            <a:r>
+              <a:rPr lang="en-GB" sz="1800" dirty="0">
+                <a:solidFill>
+                  <a:schemeClr val="accent2">
+                    <a:lumMod val="50000"/>
+                  </a:schemeClr>
+                </a:solidFill>
+                <a:latin typeface="Courier New" panose="02070309020205020404" pitchFamily="49" charset="0"/>
+                <a:cs typeface="Courier New" panose="02070309020205020404" pitchFamily="49" charset="0"/>
+              </a:rPr>
+              <a:t>2E F1 8C 01 02 03</a:t>
+            </a:r>
+          </a:p>
+          <a:p>
+            <a:pPr marL="0" indent="0">
+              <a:buNone/>
+            </a:pPr>
+            <a:r>
+              <a:rPr lang="en-GB" sz="1800" dirty="0"/>
+              <a:t>The “Flow Control” from the receiver gives the information about how to send the rest of the data (not covered here but it specified timing and sizing for the remaining consecutive frames)</a:t>
+            </a:r>
+          </a:p>
+          <a:p>
+            <a:pPr marL="0" indent="0">
+              <a:buNone/>
+            </a:pPr>
+            <a:r>
+              <a:rPr lang="en-GB" sz="1800" dirty="0">
+                <a:latin typeface="Courier New" panose="02070309020205020404" pitchFamily="49" charset="0"/>
+                <a:cs typeface="Courier New" panose="02070309020205020404" pitchFamily="49" charset="0"/>
+              </a:rPr>
+              <a:t>	</a:t>
+            </a:r>
+            <a:r>
+              <a:rPr lang="en-GB" sz="1800" dirty="0">
+                <a:solidFill>
+                  <a:schemeClr val="accent6">
+                    <a:lumMod val="75000"/>
+                  </a:schemeClr>
+                </a:solidFill>
+                <a:latin typeface="Courier New" panose="02070309020205020404" pitchFamily="49" charset="0"/>
+                <a:cs typeface="Courier New" panose="02070309020205020404" pitchFamily="49" charset="0"/>
+              </a:rPr>
+              <a:t>3</a:t>
+            </a:r>
+            <a:r>
+              <a:rPr lang="en-GB" sz="1800" dirty="0">
+                <a:solidFill>
+                  <a:schemeClr val="bg1">
+                    <a:lumMod val="65000"/>
+                  </a:schemeClr>
+                </a:solidFill>
+                <a:latin typeface="Courier New" panose="02070309020205020404" pitchFamily="49" charset="0"/>
+                <a:cs typeface="Courier New" panose="02070309020205020404" pitchFamily="49" charset="0"/>
+              </a:rPr>
+              <a:t>0</a:t>
+            </a:r>
+            <a:r>
+              <a:rPr lang="en-GB" sz="1800" dirty="0">
+                <a:latin typeface="Courier New" panose="02070309020205020404" pitchFamily="49" charset="0"/>
+                <a:cs typeface="Courier New" panose="02070309020205020404" pitchFamily="49" charset="0"/>
+              </a:rPr>
+              <a:t> </a:t>
+            </a:r>
+            <a:r>
+              <a:rPr lang="en-GB" sz="1800" dirty="0">
+                <a:solidFill>
+                  <a:srgbClr val="FF0000"/>
+                </a:solidFill>
+                <a:latin typeface="Courier New" panose="02070309020205020404" pitchFamily="49" charset="0"/>
+                <a:cs typeface="Courier New" panose="02070309020205020404" pitchFamily="49" charset="0"/>
+              </a:rPr>
+              <a:t>10</a:t>
+            </a:r>
+            <a:r>
+              <a:rPr lang="en-GB" sz="1800" dirty="0">
+                <a:latin typeface="Courier New" panose="02070309020205020404" pitchFamily="49" charset="0"/>
+                <a:cs typeface="Courier New" panose="02070309020205020404" pitchFamily="49" charset="0"/>
+              </a:rPr>
+              <a:t> </a:t>
+            </a:r>
+            <a:r>
+              <a:rPr lang="en-GB" sz="1800" dirty="0">
+                <a:solidFill>
+                  <a:srgbClr val="7030A0"/>
+                </a:solidFill>
+                <a:latin typeface="Courier New" panose="02070309020205020404" pitchFamily="49" charset="0"/>
+                <a:cs typeface="Courier New" panose="02070309020205020404" pitchFamily="49" charset="0"/>
+              </a:rPr>
+              <a:t>05</a:t>
+            </a:r>
+            <a:r>
+              <a:rPr lang="en-GB" sz="1800" dirty="0">
+                <a:latin typeface="Courier New" panose="02070309020205020404" pitchFamily="49" charset="0"/>
+                <a:cs typeface="Courier New" panose="02070309020205020404" pitchFamily="49" charset="0"/>
+              </a:rPr>
+              <a:t> </a:t>
+            </a:r>
+            <a:r>
+              <a:rPr lang="en-GB" sz="1800" dirty="0">
+                <a:solidFill>
+                  <a:schemeClr val="bg1">
+                    <a:lumMod val="65000"/>
+                  </a:schemeClr>
+                </a:solidFill>
+                <a:latin typeface="Courier New" panose="02070309020205020404" pitchFamily="49" charset="0"/>
+                <a:cs typeface="Courier New" panose="02070309020205020404" pitchFamily="49" charset="0"/>
+              </a:rPr>
+              <a:t>00 00 00 00 00</a:t>
+            </a:r>
+          </a:p>
+          <a:p>
+            <a:pPr marL="0" indent="0">
+              <a:buNone/>
+            </a:pPr>
+            <a:r>
+              <a:rPr lang="en-GB" sz="1800" dirty="0"/>
+              <a:t>The sender would then send “Consecutive Frames” until the </a:t>
+            </a:r>
+            <a:r>
+              <a:rPr lang="en-GB" sz="1800" dirty="0" err="1"/>
+              <a:t>paylod</a:t>
+            </a:r>
+            <a:r>
+              <a:rPr lang="en-GB" sz="1800" dirty="0"/>
+              <a:t> is sent</a:t>
+            </a:r>
+          </a:p>
+          <a:p>
+            <a:pPr marL="0" indent="0">
+              <a:buNone/>
+            </a:pPr>
+            <a:r>
+              <a:rPr lang="en-GB" sz="1800" dirty="0">
+                <a:latin typeface="Courier New" panose="02070309020205020404" pitchFamily="49" charset="0"/>
+                <a:cs typeface="Courier New" panose="02070309020205020404" pitchFamily="49" charset="0"/>
+              </a:rPr>
+              <a:t>	</a:t>
+            </a:r>
+            <a:r>
+              <a:rPr lang="en-GB" sz="1800" dirty="0">
+                <a:solidFill>
+                  <a:schemeClr val="accent6">
+                    <a:lumMod val="75000"/>
+                  </a:schemeClr>
+                </a:solidFill>
+                <a:latin typeface="Courier New" panose="02070309020205020404" pitchFamily="49" charset="0"/>
+                <a:cs typeface="Courier New" panose="02070309020205020404" pitchFamily="49" charset="0"/>
+              </a:rPr>
+              <a:t>2</a:t>
+            </a:r>
+            <a:r>
+              <a:rPr lang="en-GB" sz="1800" dirty="0">
+                <a:latin typeface="Courier New" panose="02070309020205020404" pitchFamily="49" charset="0"/>
+                <a:cs typeface="Courier New" panose="02070309020205020404" pitchFamily="49" charset="0"/>
+              </a:rPr>
+              <a:t>1 </a:t>
+            </a:r>
+            <a:r>
+              <a:rPr lang="en-GB" sz="1800" dirty="0">
+                <a:solidFill>
+                  <a:schemeClr val="accent2">
+                    <a:lumMod val="50000"/>
+                  </a:schemeClr>
+                </a:solidFill>
+                <a:latin typeface="Courier New" panose="02070309020205020404" pitchFamily="49" charset="0"/>
+                <a:cs typeface="Courier New" panose="02070309020205020404" pitchFamily="49" charset="0"/>
+              </a:rPr>
+              <a:t>04 05 06 07 08 09 0A 0B</a:t>
+            </a:r>
+          </a:p>
+          <a:p>
+            <a:pPr marL="0" indent="0">
+              <a:buNone/>
+            </a:pPr>
+            <a:r>
+              <a:rPr lang="en-GB" sz="1800" dirty="0">
+                <a:latin typeface="Courier New" panose="02070309020205020404" pitchFamily="49" charset="0"/>
+                <a:cs typeface="Courier New" panose="02070309020205020404" pitchFamily="49" charset="0"/>
+              </a:rPr>
+              <a:t>	</a:t>
+            </a:r>
+            <a:r>
+              <a:rPr lang="en-GB" sz="1800" dirty="0">
+                <a:solidFill>
+                  <a:schemeClr val="accent6">
+                    <a:lumMod val="75000"/>
+                  </a:schemeClr>
+                </a:solidFill>
+                <a:latin typeface="Courier New" panose="02070309020205020404" pitchFamily="49" charset="0"/>
+                <a:cs typeface="Courier New" panose="02070309020205020404" pitchFamily="49" charset="0"/>
+              </a:rPr>
+              <a:t>2</a:t>
+            </a:r>
+            <a:r>
+              <a:rPr lang="en-GB" sz="1800" dirty="0">
+                <a:latin typeface="Courier New" panose="02070309020205020404" pitchFamily="49" charset="0"/>
+                <a:cs typeface="Courier New" panose="02070309020205020404" pitchFamily="49" charset="0"/>
+              </a:rPr>
+              <a:t>2 </a:t>
+            </a:r>
+            <a:r>
+              <a:rPr lang="en-GB" sz="1800" dirty="0">
+                <a:solidFill>
+                  <a:schemeClr val="accent2">
+                    <a:lumMod val="50000"/>
+                  </a:schemeClr>
+                </a:solidFill>
+                <a:latin typeface="Courier New" panose="02070309020205020404" pitchFamily="49" charset="0"/>
+                <a:cs typeface="Courier New" panose="02070309020205020404" pitchFamily="49" charset="0"/>
+              </a:rPr>
+              <a:t>0C 0D 0E 0F</a:t>
+            </a:r>
+          </a:p>
+          <a:p>
+            <a:pPr marL="0" indent="0">
+              <a:buNone/>
+            </a:pPr>
+            <a:r>
+              <a:rPr lang="en-GB" sz="1800" dirty="0">
+                <a:cs typeface="Courier New" panose="02070309020205020404" pitchFamily="49" charset="0"/>
+              </a:rPr>
+              <a:t>This way CAN is able to transmit up to 4095 bytes in a single UDS message, larger messages need a further transport protocol (there are standardised functions for transmitting configuration or programming ECUs which generally have 1 - 3 Mb of ROM)</a:t>
+            </a:r>
+          </a:p>
+        </p:txBody>
+      </p:sp>
+      <p:sp>
+        <p:nvSpPr>
+          <p:cNvPr id="5" name="TextBox 4">
+            <a:extLst>
+              <a:ext uri="{FF2B5EF4-FFF2-40B4-BE49-F238E27FC236}">
+                <a16:creationId xmlns:a16="http://schemas.microsoft.com/office/drawing/2014/main" id="{9B765A53-BE07-45A8-A196-B8EF965C371C}"/>
+              </a:ext>
+            </a:extLst>
+          </p:cNvPr>
+          <p:cNvSpPr txBox="1"/>
+          <p:nvPr/>
+        </p:nvSpPr>
+        <p:spPr>
+          <a:xfrm>
+            <a:off x="9188741" y="1690688"/>
+            <a:ext cx="3003259" cy="1600438"/>
+          </a:xfrm>
+          <a:prstGeom prst="rect">
+            <a:avLst/>
+          </a:prstGeom>
+          <a:noFill/>
+        </p:spPr>
+        <p:txBody>
+          <a:bodyPr wrap="square" rtlCol="0">
+            <a:spAutoFit/>
+          </a:bodyPr>
+          <a:lstStyle/>
+          <a:p>
+            <a:r>
+              <a:rPr lang="en-GB" sz="1400" b="1" dirty="0"/>
+              <a:t>Legend</a:t>
+            </a:r>
+          </a:p>
+          <a:p>
+            <a:r>
+              <a:rPr lang="en-GB" sz="1400" dirty="0">
+                <a:solidFill>
+                  <a:schemeClr val="accent6">
+                    <a:lumMod val="75000"/>
+                  </a:schemeClr>
+                </a:solidFill>
+              </a:rPr>
+              <a:t>Green = Message type</a:t>
+            </a:r>
+          </a:p>
+          <a:p>
+            <a:r>
+              <a:rPr lang="en-GB" sz="1400" dirty="0">
+                <a:solidFill>
+                  <a:srgbClr val="00B0F0"/>
+                </a:solidFill>
+              </a:rPr>
+              <a:t>Blue = Total Payload Size</a:t>
+            </a:r>
+          </a:p>
+          <a:p>
+            <a:r>
+              <a:rPr lang="en-GB" sz="1400" dirty="0">
+                <a:solidFill>
+                  <a:schemeClr val="accent2">
+                    <a:lumMod val="50000"/>
+                  </a:schemeClr>
+                </a:solidFill>
+              </a:rPr>
+              <a:t>Dark orange = Payload</a:t>
+            </a:r>
+          </a:p>
+          <a:p>
+            <a:r>
+              <a:rPr lang="en-GB" sz="1400" dirty="0">
+                <a:solidFill>
+                  <a:srgbClr val="FF0000"/>
+                </a:solidFill>
+              </a:rPr>
+              <a:t>Red = Block size</a:t>
+            </a:r>
+          </a:p>
+          <a:p>
+            <a:r>
+              <a:rPr lang="en-GB" sz="1400" dirty="0">
+                <a:solidFill>
+                  <a:srgbClr val="7030A0"/>
+                </a:solidFill>
+              </a:rPr>
+              <a:t>Purple = Min timing interval</a:t>
+            </a:r>
+          </a:p>
+          <a:p>
+            <a:r>
+              <a:rPr lang="en-GB" sz="1400" dirty="0"/>
+              <a:t>Black = </a:t>
+            </a:r>
+            <a:r>
+              <a:rPr lang="en-GB" sz="1400" dirty="0" err="1"/>
+              <a:t>Seqence</a:t>
+            </a:r>
+            <a:r>
+              <a:rPr lang="en-GB" sz="1400" dirty="0"/>
+              <a:t> number</a:t>
             </a:r>
           </a:p>
         </p:txBody>
@@ -5141,7 +7000,7 @@
     </p:spTree>
     <p:extLst>
       <p:ext uri="{BB962C8B-B14F-4D97-AF65-F5344CB8AC3E}">
-        <p14:creationId xmlns:p14="http://schemas.microsoft.com/office/powerpoint/2010/main" val="3939666378"/>
+        <p14:creationId xmlns:p14="http://schemas.microsoft.com/office/powerpoint/2010/main" val="1272086554"/>
       </p:ext>
     </p:extLst>
   </p:cSld>
@@ -5173,15 +7032,15 @@
           <p:cNvPr id="2" name="Title 1">
             <a:extLst>
               <a:ext uri="{FF2B5EF4-FFF2-40B4-BE49-F238E27FC236}">
-                <a16:creationId xmlns:a16="http://schemas.microsoft.com/office/drawing/2014/main" id="{75664BBE-63CC-43F0-B7B6-E55C372A2EBC}"/>
-              </a:ext>
-            </a:extLst>
-          </p:cNvPr>
-          <p:cNvSpPr>
-            <a:spLocks noGrp="1"/>
-          </p:cNvSpPr>
-          <p:nvPr>
-            <p:ph type="title"/>
+                <a16:creationId xmlns:a16="http://schemas.microsoft.com/office/drawing/2014/main" id="{8C45E973-C00B-4B2A-9678-6CC1F58B3631}"/>
+              </a:ext>
+            </a:extLst>
+          </p:cNvPr>
+          <p:cNvSpPr>
+            <a:spLocks noGrp="1"/>
+          </p:cNvSpPr>
+          <p:nvPr>
+            <p:ph type="ctrTitle"/>
           </p:nvPr>
         </p:nvSpPr>
         <p:spPr/>
@@ -5191,84 +7050,7 @@
           <a:p>
             <a:r>
               <a:rPr lang="en-GB" dirty="0"/>
-              <a:t>Overall System Architecture</a:t>
-            </a:r>
-          </a:p>
-        </p:txBody>
-      </p:sp>
-      <p:sp>
-        <p:nvSpPr>
-          <p:cNvPr id="3" name="Content Placeholder 2">
-            <a:extLst>
-              <a:ext uri="{FF2B5EF4-FFF2-40B4-BE49-F238E27FC236}">
-                <a16:creationId xmlns:a16="http://schemas.microsoft.com/office/drawing/2014/main" id="{808C7B11-28F6-4354-8958-9C4996324E3E}"/>
-              </a:ext>
-            </a:extLst>
-          </p:cNvPr>
-          <p:cNvSpPr>
-            <a:spLocks noGrp="1"/>
-          </p:cNvSpPr>
-          <p:nvPr>
-            <p:ph idx="1"/>
-          </p:nvPr>
-        </p:nvSpPr>
-        <p:spPr/>
-        <p:txBody>
-          <a:bodyPr>
-            <a:normAutofit lnSpcReduction="10000"/>
-          </a:bodyPr>
-          <a:lstStyle/>
-          <a:p>
-            <a:r>
-              <a:rPr lang="en-GB" dirty="0"/>
-              <a:t>High level UDS class (high-level – User facing)</a:t>
-            </a:r>
-          </a:p>
-          <a:p>
-            <a:pPr lvl="1"/>
-            <a:r>
-              <a:rPr lang="en-GB" dirty="0"/>
-              <a:t>Used to represent the connection to the ECU itself, send and receive UDS messages</a:t>
-            </a:r>
-          </a:p>
-          <a:p>
-            <a:r>
-              <a:rPr lang="en-GB" dirty="0"/>
-              <a:t>Transport Protocols (mid-level)</a:t>
-            </a:r>
-          </a:p>
-          <a:p>
-            <a:pPr lvl="1"/>
-            <a:r>
-              <a:rPr lang="en-GB" dirty="0"/>
-              <a:t>Used to break-up and re-combine UDS messages from the underlying communications protocol</a:t>
-            </a:r>
-          </a:p>
-          <a:p>
-            <a:r>
-              <a:rPr lang="en-GB" dirty="0"/>
-              <a:t>Communications Interface (low-level)</a:t>
-            </a:r>
-          </a:p>
-          <a:p>
-            <a:pPr lvl="1"/>
-            <a:r>
-              <a:rPr lang="en-GB" dirty="0"/>
-              <a:t>Used to set up the physical connections as well as transmitting and receiving data</a:t>
-            </a:r>
-          </a:p>
-          <a:p>
-            <a:r>
-              <a:rPr lang="en-GB" dirty="0"/>
-              <a:t>UDS Config Tool - A builder (</a:t>
-            </a:r>
-            <a:r>
-              <a:rPr lang="en-GB" dirty="0" err="1"/>
-              <a:t>ish</a:t>
-            </a:r>
-            <a:r>
-              <a:rPr lang="en-GB" dirty="0"/>
-              <a:t>) for constructing extra methods for the UDS class</a:t>
+              <a:t>Python-UDS Structure</a:t>
             </a:r>
           </a:p>
         </p:txBody>
@@ -5276,7 +7058,7 @@
     </p:spTree>
     <p:extLst>
       <p:ext uri="{BB962C8B-B14F-4D97-AF65-F5344CB8AC3E}">
-        <p14:creationId xmlns:p14="http://schemas.microsoft.com/office/powerpoint/2010/main" val="111642527"/>
+        <p14:creationId xmlns:p14="http://schemas.microsoft.com/office/powerpoint/2010/main" val="3939666378"/>
       </p:ext>
     </p:extLst>
   </p:cSld>
@@ -5308,7 +7090,7 @@
           <p:cNvPr id="2" name="Title 1">
             <a:extLst>
               <a:ext uri="{FF2B5EF4-FFF2-40B4-BE49-F238E27FC236}">
-                <a16:creationId xmlns:a16="http://schemas.microsoft.com/office/drawing/2014/main" id="{D58E1886-8440-4DB3-A6AF-0A4EB76DC3E8}"/>
+                <a16:creationId xmlns:a16="http://schemas.microsoft.com/office/drawing/2014/main" id="{75664BBE-63CC-43F0-B7B6-E55C372A2EBC}"/>
               </a:ext>
             </a:extLst>
           </p:cNvPr>
@@ -5326,7 +7108,7 @@
           <a:p>
             <a:r>
               <a:rPr lang="en-GB" dirty="0"/>
-              <a:t>UDS Class</a:t>
+              <a:t>Overall System Architecture</a:t>
             </a:r>
           </a:p>
         </p:txBody>
@@ -5336,7 +7118,7 @@
           <p:cNvPr id="3" name="Content Placeholder 2">
             <a:extLst>
               <a:ext uri="{FF2B5EF4-FFF2-40B4-BE49-F238E27FC236}">
-                <a16:creationId xmlns:a16="http://schemas.microsoft.com/office/drawing/2014/main" id="{918789A5-CC56-483A-AA06-1B1DF43FE268}"/>
+                <a16:creationId xmlns:a16="http://schemas.microsoft.com/office/drawing/2014/main" id="{808C7B11-28F6-4354-8958-9C4996324E3E}"/>
               </a:ext>
             </a:extLst>
           </p:cNvPr>
@@ -5349,51 +7131,61 @@
         </p:nvSpPr>
         <p:spPr/>
         <p:txBody>
-          <a:bodyPr/>
-          <a:lstStyle/>
-          <a:p>
-            <a:r>
-              <a:rPr lang="en-GB" dirty="0"/>
-              <a:t>Quite basic, simply sends and receives messages from the lower levels</a:t>
-            </a:r>
-          </a:p>
-          <a:p>
-            <a:r>
-              <a:rPr lang="en-GB" dirty="0"/>
-              <a:t>Handles interpreting the response code</a:t>
-            </a:r>
-          </a:p>
-          <a:p>
-            <a:r>
-              <a:rPr lang="en-GB" dirty="0"/>
-              <a:t>Has one method </a:t>
-            </a:r>
-            <a:r>
-              <a:rPr lang="en-GB" dirty="0">
-                <a:latin typeface="Courier New" panose="02070309020205020404" pitchFamily="49" charset="0"/>
-                <a:cs typeface="Courier New" panose="02070309020205020404" pitchFamily="49" charset="0"/>
-              </a:rPr>
-              <a:t>send(</a:t>
-            </a:r>
-            <a:r>
-              <a:rPr lang="en-GB" dirty="0" err="1">
-                <a:latin typeface="Courier New" panose="02070309020205020404" pitchFamily="49" charset="0"/>
-                <a:cs typeface="Courier New" panose="02070309020205020404" pitchFamily="49" charset="0"/>
-              </a:rPr>
-              <a:t>msg</a:t>
-            </a:r>
-            <a:r>
-              <a:rPr lang="en-GB" dirty="0">
-                <a:latin typeface="Courier New" panose="02070309020205020404" pitchFamily="49" charset="0"/>
-                <a:cs typeface="Courier New" panose="02070309020205020404" pitchFamily="49" charset="0"/>
-              </a:rPr>
-              <a:t>)</a:t>
-            </a:r>
-            <a:r>
-              <a:rPr lang="en-GB" dirty="0">
-                <a:cs typeface="Courier New" panose="02070309020205020404" pitchFamily="49" charset="0"/>
-              </a:rPr>
-              <a:t>which returns a response or raises an exception if the message fails</a:t>
+          <a:bodyPr>
+            <a:normAutofit lnSpcReduction="10000"/>
+          </a:bodyPr>
+          <a:lstStyle/>
+          <a:p>
+            <a:r>
+              <a:rPr lang="en-GB" dirty="0"/>
+              <a:t>High level UDS class (high-level – User facing)</a:t>
+            </a:r>
+          </a:p>
+          <a:p>
+            <a:pPr lvl="1"/>
+            <a:r>
+              <a:rPr lang="en-GB" dirty="0"/>
+              <a:t>Used to represent the connection to the ECU itself, send and receive UDS messages</a:t>
+            </a:r>
+          </a:p>
+          <a:p>
+            <a:r>
+              <a:rPr lang="en-GB" dirty="0"/>
+              <a:t>Transport Protocols (mid-level)</a:t>
+            </a:r>
+          </a:p>
+          <a:p>
+            <a:pPr lvl="1"/>
+            <a:r>
+              <a:rPr lang="en-GB" dirty="0"/>
+              <a:t>Used to break-up and re-combine UDS messages from the underlying communications protocol</a:t>
+            </a:r>
+          </a:p>
+          <a:p>
+            <a:r>
+              <a:rPr lang="en-GB" dirty="0"/>
+              <a:t>Communications Interface (low-level)</a:t>
+            </a:r>
+          </a:p>
+          <a:p>
+            <a:pPr lvl="1"/>
+            <a:r>
+              <a:rPr lang="en-GB" dirty="0"/>
+              <a:t>Used to set up the physical connections as well as transmitting and receiving data</a:t>
+            </a:r>
+          </a:p>
+          <a:p>
+            <a:r>
+              <a:rPr lang="en-GB" dirty="0"/>
+              <a:t>UDS Config Tool - A builder (</a:t>
+            </a:r>
+            <a:r>
+              <a:rPr lang="en-GB" dirty="0" err="1"/>
+              <a:t>ish</a:t>
+            </a:r>
+            <a:r>
+              <a:rPr lang="en-GB" dirty="0"/>
+              <a:t>) for constructing extra methods for the UDS class</a:t>
             </a:r>
           </a:p>
         </p:txBody>
@@ -5401,7 +7193,7 @@
     </p:spTree>
     <p:extLst>
       <p:ext uri="{BB962C8B-B14F-4D97-AF65-F5344CB8AC3E}">
-        <p14:creationId xmlns:p14="http://schemas.microsoft.com/office/powerpoint/2010/main" val="1362998781"/>
+        <p14:creationId xmlns:p14="http://schemas.microsoft.com/office/powerpoint/2010/main" val="111642527"/>
       </p:ext>
     </p:extLst>
   </p:cSld>
@@ -5433,7 +7225,7 @@
           <p:cNvPr id="2" name="Title 1">
             <a:extLst>
               <a:ext uri="{FF2B5EF4-FFF2-40B4-BE49-F238E27FC236}">
-                <a16:creationId xmlns:a16="http://schemas.microsoft.com/office/drawing/2014/main" id="{78759C6E-F5DF-43AB-BD16-0478C8D194EB}"/>
+                <a16:creationId xmlns:a16="http://schemas.microsoft.com/office/drawing/2014/main" id="{D58E1886-8440-4DB3-A6AF-0A4EB76DC3E8}"/>
               </a:ext>
             </a:extLst>
           </p:cNvPr>
@@ -5451,7 +7243,7 @@
           <a:p>
             <a:r>
               <a:rPr lang="en-GB" dirty="0"/>
-              <a:t>Transport Protocols</a:t>
+              <a:t>UDS Class</a:t>
             </a:r>
           </a:p>
         </p:txBody>
@@ -5461,7 +7253,7 @@
           <p:cNvPr id="3" name="Content Placeholder 2">
             <a:extLst>
               <a:ext uri="{FF2B5EF4-FFF2-40B4-BE49-F238E27FC236}">
-                <a16:creationId xmlns:a16="http://schemas.microsoft.com/office/drawing/2014/main" id="{9B1E5F60-46BD-4B46-9F68-3B3079A52604}"/>
+                <a16:creationId xmlns:a16="http://schemas.microsoft.com/office/drawing/2014/main" id="{918789A5-CC56-483A-AA06-1B1DF43FE268}"/>
               </a:ext>
             </a:extLst>
           </p:cNvPr>
@@ -5479,104 +7271,54 @@
           <a:p>
             <a:r>
               <a:rPr lang="en-GB" dirty="0"/>
-              <a:t>The design calls for flexible interfaces, so a factory pattern was adopted with a standardised interface; </a:t>
+              <a:t>Quite basic, simply sends and receives messages from the lower levels</a:t>
+            </a:r>
+          </a:p>
+          <a:p>
+            <a:r>
+              <a:rPr lang="en-GB" dirty="0"/>
+              <a:t>Handles interpreting the response code</a:t>
+            </a:r>
+          </a:p>
+          <a:p>
+            <a:r>
+              <a:rPr lang="en-GB" dirty="0"/>
+              <a:t>Has one method </a:t>
             </a:r>
             <a:r>
               <a:rPr lang="en-GB" dirty="0">
                 <a:latin typeface="Courier New" panose="02070309020205020404" pitchFamily="49" charset="0"/>
                 <a:cs typeface="Courier New" panose="02070309020205020404" pitchFamily="49" charset="0"/>
               </a:rPr>
-              <a:t>send</a:t>
-            </a:r>
-            <a:r>
-              <a:rPr lang="en-GB" dirty="0"/>
-              <a:t> and </a:t>
+              <a:t>send(</a:t>
             </a:r>
             <a:r>
               <a:rPr lang="en-GB" dirty="0" err="1">
                 <a:latin typeface="Courier New" panose="02070309020205020404" pitchFamily="49" charset="0"/>
                 <a:cs typeface="Courier New" panose="02070309020205020404" pitchFamily="49" charset="0"/>
               </a:rPr>
-              <a:t>recv</a:t>
-            </a:r>
-            <a:endParaRPr lang="en-GB" dirty="0">
-              <a:latin typeface="Courier New" panose="02070309020205020404" pitchFamily="49" charset="0"/>
-              <a:cs typeface="Courier New" panose="02070309020205020404" pitchFamily="49" charset="0"/>
-            </a:endParaRPr>
-          </a:p>
-          <a:p>
+              <a:t>msg</a:t>
+            </a:r>
+            <a:r>
+              <a:rPr lang="en-GB" dirty="0">
+                <a:latin typeface="Courier New" panose="02070309020205020404" pitchFamily="49" charset="0"/>
+                <a:cs typeface="Courier New" panose="02070309020205020404" pitchFamily="49" charset="0"/>
+              </a:rPr>
+              <a:t>)</a:t>
+            </a:r>
             <a:r>
               <a:rPr lang="en-GB" dirty="0">
                 <a:cs typeface="Courier New" panose="02070309020205020404" pitchFamily="49" charset="0"/>
               </a:rPr>
-              <a:t>Currently the design supports two transport protocols which are very similar; </a:t>
-            </a:r>
-            <a:r>
-              <a:rPr lang="en-GB" dirty="0" err="1">
-                <a:cs typeface="Courier New" panose="02070309020205020404" pitchFamily="49" charset="0"/>
-              </a:rPr>
-              <a:t>CanTp</a:t>
-            </a:r>
-            <a:r>
-              <a:rPr lang="en-GB" dirty="0">
-                <a:cs typeface="Courier New" panose="02070309020205020404" pitchFamily="49" charset="0"/>
-              </a:rPr>
-              <a:t> and </a:t>
-            </a:r>
-            <a:r>
-              <a:rPr lang="en-GB" dirty="0" err="1">
-                <a:cs typeface="Courier New" panose="02070309020205020404" pitchFamily="49" charset="0"/>
-              </a:rPr>
-              <a:t>LinTp</a:t>
-            </a:r>
-            <a:endParaRPr lang="en-GB" dirty="0">
-              <a:cs typeface="Courier New" panose="02070309020205020404" pitchFamily="49" charset="0"/>
-            </a:endParaRPr>
-          </a:p>
-          <a:p>
-            <a:r>
-              <a:rPr lang="en-GB" dirty="0">
-                <a:cs typeface="Courier New" panose="02070309020205020404" pitchFamily="49" charset="0"/>
-              </a:rPr>
-              <a:t>For the initial project only </a:t>
-            </a:r>
-            <a:r>
-              <a:rPr lang="en-GB" dirty="0" err="1">
-                <a:cs typeface="Courier New" panose="02070309020205020404" pitchFamily="49" charset="0"/>
-              </a:rPr>
-              <a:t>CanTp</a:t>
-            </a:r>
-            <a:r>
-              <a:rPr lang="en-GB" dirty="0">
-                <a:cs typeface="Courier New" panose="02070309020205020404" pitchFamily="49" charset="0"/>
-              </a:rPr>
-              <a:t> was supported. </a:t>
-            </a:r>
-            <a:r>
-              <a:rPr lang="en-GB" dirty="0" err="1">
-                <a:cs typeface="Courier New" panose="02070309020205020404" pitchFamily="49" charset="0"/>
-              </a:rPr>
-              <a:t>LinTp</a:t>
-            </a:r>
-            <a:r>
-              <a:rPr lang="en-GB" dirty="0">
-                <a:cs typeface="Courier New" panose="02070309020205020404" pitchFamily="49" charset="0"/>
-              </a:rPr>
-              <a:t> was added later to support a new customer. </a:t>
-            </a:r>
-          </a:p>
-          <a:p>
-            <a:endParaRPr lang="en-GB" dirty="0">
-              <a:latin typeface="Courier New" panose="02070309020205020404" pitchFamily="49" charset="0"/>
-              <a:cs typeface="Courier New" panose="02070309020205020404" pitchFamily="49" charset="0"/>
-            </a:endParaRPr>
+              <a:t>which returns a response or raises an exception if the message fails</a:t>
+            </a:r>
           </a:p>
         </p:txBody>
       </p:sp>
     </p:spTree>
     <p:extLst>
       <p:ext uri="{BB962C8B-B14F-4D97-AF65-F5344CB8AC3E}">
-        <p14:creationId xmlns:p14="http://schemas.microsoft.com/office/powerpoint/2010/main" val="3960749070"/>
+        <p14:creationId xmlns:p14="http://schemas.microsoft.com/office/powerpoint/2010/main" val="1362998781"/>
       </p:ext>
     </p:extLst>
   </p:cSld>
@@ -5608,7 +7350,7 @@
           <p:cNvPr id="2" name="Title 1">
             <a:extLst>
               <a:ext uri="{FF2B5EF4-FFF2-40B4-BE49-F238E27FC236}">
-                <a16:creationId xmlns:a16="http://schemas.microsoft.com/office/drawing/2014/main" id="{3325222C-638C-4216-B068-1E41E483DB58}"/>
+                <a16:creationId xmlns:a16="http://schemas.microsoft.com/office/drawing/2014/main" id="{78759C6E-F5DF-43AB-BD16-0478C8D194EB}"/>
               </a:ext>
             </a:extLst>
           </p:cNvPr>
@@ -5626,7 +7368,7 @@
           <a:p>
             <a:r>
               <a:rPr lang="en-GB" dirty="0"/>
-              <a:t>Communication Interfaces</a:t>
+              <a:t>Transport Protocols</a:t>
             </a:r>
           </a:p>
         </p:txBody>
@@ -5636,7 +7378,7 @@
           <p:cNvPr id="3" name="Content Placeholder 2">
             <a:extLst>
               <a:ext uri="{FF2B5EF4-FFF2-40B4-BE49-F238E27FC236}">
-                <a16:creationId xmlns:a16="http://schemas.microsoft.com/office/drawing/2014/main" id="{DC36A2C3-59BE-4915-A5FD-58C39AC8D046}"/>
+                <a16:creationId xmlns:a16="http://schemas.microsoft.com/office/drawing/2014/main" id="{9B1E5F60-46BD-4B46-9F68-3B3079A52604}"/>
               </a:ext>
             </a:extLst>
           </p:cNvPr>
@@ -5649,64 +7391,109 @@
         </p:nvSpPr>
         <p:spPr/>
         <p:txBody>
-          <a:bodyPr>
-            <a:normAutofit lnSpcReduction="10000"/>
-          </a:bodyPr>
-          <a:lstStyle/>
-          <a:p>
-            <a:r>
-              <a:rPr lang="en-GB" dirty="0"/>
-              <a:t>Python-CAN is an open source project which provides a common interface for a number of industry standard hardware interfaces</a:t>
-            </a:r>
-          </a:p>
-          <a:p>
-            <a:pPr lvl="1"/>
-            <a:r>
-              <a:rPr lang="en-GB" dirty="0"/>
-              <a:t>This was a perfect choice for the project</a:t>
-            </a:r>
-          </a:p>
-          <a:p>
-            <a:pPr lvl="1"/>
-            <a:r>
-              <a:rPr lang="en-GB" dirty="0"/>
-              <a:t>Currently the </a:t>
-            </a:r>
-            <a:r>
-              <a:rPr lang="en-GB" dirty="0" err="1"/>
+          <a:bodyPr/>
+          <a:lstStyle/>
+          <a:p>
+            <a:r>
+              <a:rPr lang="en-GB" dirty="0"/>
+              <a:t>The design calls for flexible interfaces, so a factory pattern was adopted with a standardised interface; </a:t>
+            </a:r>
+            <a:r>
+              <a:rPr lang="en-GB" dirty="0">
+                <a:latin typeface="Courier New" panose="02070309020205020404" pitchFamily="49" charset="0"/>
+                <a:cs typeface="Courier New" panose="02070309020205020404" pitchFamily="49" charset="0"/>
+              </a:rPr>
+              <a:t>send</a:t>
+            </a:r>
+            <a:r>
+              <a:rPr lang="en-GB" dirty="0"/>
+              <a:t> and </a:t>
+            </a:r>
+            <a:r>
+              <a:rPr lang="en-GB" dirty="0" err="1">
+                <a:latin typeface="Courier New" panose="02070309020205020404" pitchFamily="49" charset="0"/>
+                <a:cs typeface="Courier New" panose="02070309020205020404" pitchFamily="49" charset="0"/>
+              </a:rPr>
+              <a:t>recv</a:t>
+            </a:r>
+            <a:endParaRPr lang="en-GB" dirty="0">
+              <a:latin typeface="Courier New" panose="02070309020205020404" pitchFamily="49" charset="0"/>
+              <a:cs typeface="Courier New" panose="02070309020205020404" pitchFamily="49" charset="0"/>
+            </a:endParaRPr>
+          </a:p>
+          <a:p>
+            <a:r>
+              <a:rPr lang="en-GB" dirty="0">
+                <a:cs typeface="Courier New" panose="02070309020205020404" pitchFamily="49" charset="0"/>
+              </a:rPr>
+              <a:t>Currently the design supports two transport protocols which are very similar; </a:t>
+            </a:r>
+            <a:r>
+              <a:rPr lang="en-GB" dirty="0" err="1">
+                <a:cs typeface="Courier New" panose="02070309020205020404" pitchFamily="49" charset="0"/>
+              </a:rPr>
               <a:t>CanTp</a:t>
             </a:r>
             <a:r>
-              <a:rPr lang="en-GB" dirty="0"/>
-              <a:t> class has a very tightly coupled interface to this library but the intent is to break it out to add TP capabilities to non-supported interfaces</a:t>
-            </a:r>
-          </a:p>
-          <a:p>
-            <a:r>
-              <a:rPr lang="en-GB" dirty="0"/>
-              <a:t>Python-LIN was created to provide a similar library to Python-CAN but is in development. It currently only works with Peak Systems LIN interfaces</a:t>
-            </a:r>
-          </a:p>
-          <a:p>
-            <a:pPr lvl="1"/>
-            <a:r>
-              <a:rPr lang="en-GB" dirty="0"/>
-              <a:t>Support for Vector interfaces is in progress</a:t>
-            </a:r>
-          </a:p>
-          <a:p>
-            <a:pPr lvl="1"/>
-            <a:r>
-              <a:rPr lang="en-GB" dirty="0"/>
-              <a:t>Development of a cheap LIN master interface hardware is (in very early) development</a:t>
-            </a:r>
+              <a:rPr lang="en-GB" dirty="0">
+                <a:cs typeface="Courier New" panose="02070309020205020404" pitchFamily="49" charset="0"/>
+              </a:rPr>
+              <a:t> and </a:t>
+            </a:r>
+            <a:r>
+              <a:rPr lang="en-GB" dirty="0" err="1">
+                <a:cs typeface="Courier New" panose="02070309020205020404" pitchFamily="49" charset="0"/>
+              </a:rPr>
+              <a:t>LinTp</a:t>
+            </a:r>
+            <a:endParaRPr lang="en-GB" dirty="0">
+              <a:cs typeface="Courier New" panose="02070309020205020404" pitchFamily="49" charset="0"/>
+            </a:endParaRPr>
+          </a:p>
+          <a:p>
+            <a:r>
+              <a:rPr lang="en-GB" dirty="0">
+                <a:cs typeface="Courier New" panose="02070309020205020404" pitchFamily="49" charset="0"/>
+              </a:rPr>
+              <a:t>For the initial project only </a:t>
+            </a:r>
+            <a:r>
+              <a:rPr lang="en-GB" dirty="0" err="1">
+                <a:cs typeface="Courier New" panose="02070309020205020404" pitchFamily="49" charset="0"/>
+              </a:rPr>
+              <a:t>CanTp</a:t>
+            </a:r>
+            <a:r>
+              <a:rPr lang="en-GB" dirty="0">
+                <a:cs typeface="Courier New" panose="02070309020205020404" pitchFamily="49" charset="0"/>
+              </a:rPr>
+              <a:t> was supported. </a:t>
+            </a:r>
+            <a:r>
+              <a:rPr lang="en-GB" dirty="0" err="1">
+                <a:cs typeface="Courier New" panose="02070309020205020404" pitchFamily="49" charset="0"/>
+              </a:rPr>
+              <a:t>LinTp</a:t>
+            </a:r>
+            <a:r>
+              <a:rPr lang="en-GB" dirty="0">
+                <a:cs typeface="Courier New" panose="02070309020205020404" pitchFamily="49" charset="0"/>
+              </a:rPr>
+              <a:t> was added later to support a new customer. </a:t>
+            </a:r>
+          </a:p>
+          <a:p>
+            <a:endParaRPr lang="en-GB" dirty="0">
+              <a:latin typeface="Courier New" panose="02070309020205020404" pitchFamily="49" charset="0"/>
+              <a:cs typeface="Courier New" panose="02070309020205020404" pitchFamily="49" charset="0"/>
+            </a:endParaRPr>
           </a:p>
         </p:txBody>
       </p:sp>
     </p:spTree>
     <p:extLst>
       <p:ext uri="{BB962C8B-B14F-4D97-AF65-F5344CB8AC3E}">
-        <p14:creationId xmlns:p14="http://schemas.microsoft.com/office/powerpoint/2010/main" val="4168489662"/>
+        <p14:creationId xmlns:p14="http://schemas.microsoft.com/office/powerpoint/2010/main" val="3960749070"/>
       </p:ext>
     </p:extLst>
   </p:cSld>
@@ -5738,7 +7525,7 @@
           <p:cNvPr id="2" name="Title 1">
             <a:extLst>
               <a:ext uri="{FF2B5EF4-FFF2-40B4-BE49-F238E27FC236}">
-                <a16:creationId xmlns:a16="http://schemas.microsoft.com/office/drawing/2014/main" id="{8875926A-68D5-4FF5-BA48-277E581B2B3E}"/>
+                <a16:creationId xmlns:a16="http://schemas.microsoft.com/office/drawing/2014/main" id="{3325222C-638C-4216-B068-1E41E483DB58}"/>
               </a:ext>
             </a:extLst>
           </p:cNvPr>
@@ -5756,123 +7543,79 @@
           <a:p>
             <a:r>
               <a:rPr lang="en-GB" dirty="0"/>
-              <a:t>Other little things - Config and </a:t>
+              <a:t>Communication Interfaces</a:t>
+            </a:r>
+          </a:p>
+        </p:txBody>
+      </p:sp>
+      <p:sp>
+        <p:nvSpPr>
+          <p:cNvPr id="3" name="Content Placeholder 2">
+            <a:extLst>
+              <a:ext uri="{FF2B5EF4-FFF2-40B4-BE49-F238E27FC236}">
+                <a16:creationId xmlns:a16="http://schemas.microsoft.com/office/drawing/2014/main" id="{DC36A2C3-59BE-4915-A5FD-58C39AC8D046}"/>
+              </a:ext>
+            </a:extLst>
+          </p:cNvPr>
+          <p:cNvSpPr>
+            <a:spLocks noGrp="1"/>
+          </p:cNvSpPr>
+          <p:nvPr>
+            <p:ph idx="1"/>
+          </p:nvPr>
+        </p:nvSpPr>
+        <p:spPr/>
+        <p:txBody>
+          <a:bodyPr>
+            <a:normAutofit lnSpcReduction="10000"/>
+          </a:bodyPr>
+          <a:lstStyle/>
+          <a:p>
+            <a:r>
+              <a:rPr lang="en-GB" dirty="0"/>
+              <a:t>Python-CAN is an open source project which provides a common interface for a number of industry standard hardware interfaces</a:t>
+            </a:r>
+          </a:p>
+          <a:p>
+            <a:pPr lvl="1"/>
+            <a:r>
+              <a:rPr lang="en-GB" dirty="0"/>
+              <a:t>This was a perfect choice for the project</a:t>
+            </a:r>
+          </a:p>
+          <a:p>
+            <a:pPr lvl="1"/>
+            <a:r>
+              <a:rPr lang="en-GB" dirty="0"/>
+              <a:t>Currently the </a:t>
             </a:r>
             <a:r>
               <a:rPr lang="en-GB" dirty="0" err="1"/>
-              <a:t>Kwargs</a:t>
-            </a:r>
-            <a:endParaRPr lang="en-GB" dirty="0"/>
-          </a:p>
-        </p:txBody>
-      </p:sp>
-      <p:sp>
-        <p:nvSpPr>
-          <p:cNvPr id="3" name="Content Placeholder 2">
-            <a:extLst>
-              <a:ext uri="{FF2B5EF4-FFF2-40B4-BE49-F238E27FC236}">
-                <a16:creationId xmlns:a16="http://schemas.microsoft.com/office/drawing/2014/main" id="{2A94ECA9-3A2B-4678-AD04-FC3C85D5957A}"/>
-              </a:ext>
-            </a:extLst>
-          </p:cNvPr>
-          <p:cNvSpPr>
-            <a:spLocks noGrp="1"/>
-          </p:cNvSpPr>
-          <p:nvPr>
-            <p:ph idx="1"/>
-          </p:nvPr>
-        </p:nvSpPr>
-        <p:spPr/>
-        <p:txBody>
-          <a:bodyPr>
-            <a:normAutofit fontScale="70000" lnSpcReduction="20000"/>
-          </a:bodyPr>
-          <a:lstStyle/>
-          <a:p>
-            <a:r>
-              <a:rPr lang="en-GB" dirty="0"/>
-              <a:t>One problem that appeared early on was the need to pass complex parameters to constructors lower down in the hierarchy</a:t>
+              <a:t>CanTp</a:t>
+            </a:r>
+            <a:r>
+              <a:rPr lang="en-GB" dirty="0"/>
+              <a:t> class has a very tightly coupled interface to this library but the intent is to break it out to add TP capabilities to non-supported interfaces</a:t>
+            </a:r>
+          </a:p>
+          <a:p>
+            <a:r>
+              <a:rPr lang="en-GB" dirty="0"/>
+              <a:t>Python-LIN was created to provide a similar library to Python-CAN but is in development. It currently only works with Peak Systems LIN interfaces</a:t>
             </a:r>
           </a:p>
           <a:p>
             <a:pPr lvl="1"/>
             <a:r>
               <a:rPr lang="en-GB" dirty="0"/>
-              <a:t>The solution was a series of config files and liberal use of the python keyword arguments (</a:t>
-            </a:r>
-            <a:r>
-              <a:rPr lang="en-GB" dirty="0" err="1"/>
-              <a:t>kwargs</a:t>
-            </a:r>
-            <a:r>
-              <a:rPr lang="en-GB" dirty="0"/>
-              <a:t>)</a:t>
-            </a:r>
-          </a:p>
-          <a:p>
-            <a:r>
-              <a:rPr lang="en-GB" dirty="0"/>
-              <a:t>Configuration for the classes comes in 4 parts; </a:t>
+              <a:t>Support for Vector interfaces is in progress</a:t>
             </a:r>
           </a:p>
           <a:p>
             <a:pPr lvl="1"/>
             <a:r>
               <a:rPr lang="en-GB" dirty="0"/>
-              <a:t>Mandatory params – Must be there to instantiate a class</a:t>
-            </a:r>
-          </a:p>
-          <a:p>
-            <a:pPr lvl="1"/>
-            <a:r>
-              <a:rPr lang="en-GB" dirty="0"/>
-              <a:t>Default config files – Contain default, non-mandatory config</a:t>
-            </a:r>
-          </a:p>
-          <a:p>
-            <a:pPr lvl="1"/>
-            <a:r>
-              <a:rPr lang="en-GB" dirty="0"/>
-              <a:t>User config files – User created configuration files which can specify a number of different parameters</a:t>
-            </a:r>
-          </a:p>
-          <a:p>
-            <a:pPr lvl="1"/>
-            <a:r>
-              <a:rPr lang="en-GB" dirty="0" err="1"/>
-              <a:t>Kwargs</a:t>
-            </a:r>
-            <a:r>
-              <a:rPr lang="en-GB" dirty="0"/>
-              <a:t> – User specified configuration from the UDS class constructor</a:t>
-            </a:r>
-          </a:p>
-          <a:p>
-            <a:r>
-              <a:rPr lang="en-GB" dirty="0"/>
-              <a:t>The default config can be found in each class directory and just defines the basic config for each class</a:t>
-            </a:r>
-          </a:p>
-          <a:p>
-            <a:r>
-              <a:rPr lang="en-GB" dirty="0"/>
-              <a:t>A config file specified by the user can be passed from UDS constructor and this supersedes the default config</a:t>
-            </a:r>
-          </a:p>
-          <a:p>
-            <a:r>
-              <a:rPr lang="en-GB" dirty="0" err="1"/>
-              <a:t>Kwargs</a:t>
-            </a:r>
-            <a:r>
-              <a:rPr lang="en-GB" dirty="0"/>
-              <a:t> corresponding to each config item can be passed down from each level to override the config file</a:t>
-            </a:r>
-          </a:p>
-          <a:p>
-            <a:r>
-              <a:rPr lang="en-GB" dirty="0"/>
-              <a:t>This gives a lot of configurability</a:t>
+              <a:t>Development of a cheap LIN master interface hardware is (in very early) development</a:t>
             </a:r>
           </a:p>
         </p:txBody>
@@ -5880,7 +7623,7 @@
     </p:spTree>
     <p:extLst>
       <p:ext uri="{BB962C8B-B14F-4D97-AF65-F5344CB8AC3E}">
-        <p14:creationId xmlns:p14="http://schemas.microsoft.com/office/powerpoint/2010/main" val="382850394"/>
+        <p14:creationId xmlns:p14="http://schemas.microsoft.com/office/powerpoint/2010/main" val="4168489662"/>
       </p:ext>
     </p:extLst>
   </p:cSld>
@@ -5912,15 +7655,15 @@
           <p:cNvPr id="2" name="Title 1">
             <a:extLst>
               <a:ext uri="{FF2B5EF4-FFF2-40B4-BE49-F238E27FC236}">
-                <a16:creationId xmlns:a16="http://schemas.microsoft.com/office/drawing/2014/main" id="{8C45E973-C00B-4B2A-9678-6CC1F58B3631}"/>
-              </a:ext>
-            </a:extLst>
-          </p:cNvPr>
-          <p:cNvSpPr>
-            <a:spLocks noGrp="1"/>
-          </p:cNvSpPr>
-          <p:nvPr>
-            <p:ph type="ctrTitle"/>
+                <a16:creationId xmlns:a16="http://schemas.microsoft.com/office/drawing/2014/main" id="{8875926A-68D5-4FF5-BA48-277E581B2B3E}"/>
+              </a:ext>
+            </a:extLst>
+          </p:cNvPr>
+          <p:cNvSpPr>
+            <a:spLocks noGrp="1"/>
+          </p:cNvSpPr>
+          <p:nvPr>
+            <p:ph type="title"/>
           </p:nvPr>
         </p:nvSpPr>
         <p:spPr/>
@@ -5930,35 +7673,123 @@
           <a:p>
             <a:r>
               <a:rPr lang="en-GB" dirty="0"/>
-              <a:t>UDS Config Tool</a:t>
-            </a:r>
-          </a:p>
-        </p:txBody>
-      </p:sp>
-      <p:sp>
-        <p:nvSpPr>
-          <p:cNvPr id="3" name="Subtitle 2">
-            <a:extLst>
-              <a:ext uri="{FF2B5EF4-FFF2-40B4-BE49-F238E27FC236}">
-                <a16:creationId xmlns:a16="http://schemas.microsoft.com/office/drawing/2014/main" id="{163FEA8D-692C-46F1-861B-3002B7EEEC93}"/>
-              </a:ext>
-            </a:extLst>
-          </p:cNvPr>
-          <p:cNvSpPr>
-            <a:spLocks noGrp="1"/>
-          </p:cNvSpPr>
-          <p:nvPr>
-            <p:ph type="subTitle" idx="1"/>
-          </p:nvPr>
-        </p:nvSpPr>
-        <p:spPr/>
-        <p:txBody>
-          <a:bodyPr/>
-          <a:lstStyle/>
-          <a:p>
-            <a:r>
-              <a:rPr lang="en-GB" dirty="0"/>
-              <a:t>Taking ODX files and creating functions</a:t>
+              <a:t>Other little things - Config and </a:t>
+            </a:r>
+            <a:r>
+              <a:rPr lang="en-GB" dirty="0" err="1"/>
+              <a:t>Kwargs</a:t>
+            </a:r>
+            <a:endParaRPr lang="en-GB" dirty="0"/>
+          </a:p>
+        </p:txBody>
+      </p:sp>
+      <p:sp>
+        <p:nvSpPr>
+          <p:cNvPr id="3" name="Content Placeholder 2">
+            <a:extLst>
+              <a:ext uri="{FF2B5EF4-FFF2-40B4-BE49-F238E27FC236}">
+                <a16:creationId xmlns:a16="http://schemas.microsoft.com/office/drawing/2014/main" id="{2A94ECA9-3A2B-4678-AD04-FC3C85D5957A}"/>
+              </a:ext>
+            </a:extLst>
+          </p:cNvPr>
+          <p:cNvSpPr>
+            <a:spLocks noGrp="1"/>
+          </p:cNvSpPr>
+          <p:nvPr>
+            <p:ph idx="1"/>
+          </p:nvPr>
+        </p:nvSpPr>
+        <p:spPr/>
+        <p:txBody>
+          <a:bodyPr>
+            <a:normAutofit fontScale="70000" lnSpcReduction="20000"/>
+          </a:bodyPr>
+          <a:lstStyle/>
+          <a:p>
+            <a:r>
+              <a:rPr lang="en-GB" dirty="0"/>
+              <a:t>One problem that appeared early on was the need to pass complex parameters to constructors lower down in the hierarchy</a:t>
+            </a:r>
+          </a:p>
+          <a:p>
+            <a:pPr lvl="1"/>
+            <a:r>
+              <a:rPr lang="en-GB" dirty="0"/>
+              <a:t>The solution was a series of config files and liberal use of the python keyword arguments (</a:t>
+            </a:r>
+            <a:r>
+              <a:rPr lang="en-GB" dirty="0" err="1"/>
+              <a:t>kwargs</a:t>
+            </a:r>
+            <a:r>
+              <a:rPr lang="en-GB" dirty="0"/>
+              <a:t>)</a:t>
+            </a:r>
+          </a:p>
+          <a:p>
+            <a:r>
+              <a:rPr lang="en-GB" dirty="0"/>
+              <a:t>Configuration for the classes comes in 4 parts; </a:t>
+            </a:r>
+          </a:p>
+          <a:p>
+            <a:pPr lvl="1"/>
+            <a:r>
+              <a:rPr lang="en-GB" dirty="0"/>
+              <a:t>Mandatory params – Must be there to instantiate a class</a:t>
+            </a:r>
+          </a:p>
+          <a:p>
+            <a:pPr lvl="1"/>
+            <a:r>
+              <a:rPr lang="en-GB" dirty="0"/>
+              <a:t>Default config files – Contain default, non-mandatory config</a:t>
+            </a:r>
+          </a:p>
+          <a:p>
+            <a:pPr lvl="1"/>
+            <a:r>
+              <a:rPr lang="en-GB" dirty="0"/>
+              <a:t>User config files – User created configuration files which can specify a number of different parameters</a:t>
+            </a:r>
+          </a:p>
+          <a:p>
+            <a:pPr lvl="1"/>
+            <a:r>
+              <a:rPr lang="en-GB" dirty="0" err="1"/>
+              <a:t>Kwargs</a:t>
+            </a:r>
+            <a:r>
+              <a:rPr lang="en-GB" dirty="0"/>
+              <a:t> – User specified configuration from the UDS class constructor</a:t>
+            </a:r>
+          </a:p>
+          <a:p>
+            <a:r>
+              <a:rPr lang="en-GB" dirty="0"/>
+              <a:t>The default config can be found in each class directory and just defines the basic config for each class</a:t>
+            </a:r>
+          </a:p>
+          <a:p>
+            <a:r>
+              <a:rPr lang="en-GB" dirty="0"/>
+              <a:t>A config file specified by the user can be passed from UDS constructor and this supersedes the default config</a:t>
+            </a:r>
+          </a:p>
+          <a:p>
+            <a:r>
+              <a:rPr lang="en-GB" dirty="0" err="1"/>
+              <a:t>Kwargs</a:t>
+            </a:r>
+            <a:r>
+              <a:rPr lang="en-GB" dirty="0"/>
+              <a:t> corresponding to each config item can be passed down from each level to override the config file</a:t>
+            </a:r>
+          </a:p>
+          <a:p>
+            <a:r>
+              <a:rPr lang="en-GB" dirty="0"/>
+              <a:t>This gives a lot of configurability</a:t>
             </a:r>
           </a:p>
         </p:txBody>
@@ -5966,7 +7797,7 @@
     </p:spTree>
     <p:extLst>
       <p:ext uri="{BB962C8B-B14F-4D97-AF65-F5344CB8AC3E}">
-        <p14:creationId xmlns:p14="http://schemas.microsoft.com/office/powerpoint/2010/main" val="2848576163"/>
+        <p14:creationId xmlns:p14="http://schemas.microsoft.com/office/powerpoint/2010/main" val="382850394"/>
       </p:ext>
     </p:extLst>
   </p:cSld>
@@ -6110,15 +7941,15 @@
           <p:cNvPr id="2" name="Title 1">
             <a:extLst>
               <a:ext uri="{FF2B5EF4-FFF2-40B4-BE49-F238E27FC236}">
-                <a16:creationId xmlns:a16="http://schemas.microsoft.com/office/drawing/2014/main" id="{5F1EDA0D-683E-4D94-9FD9-25E30F11FF35}"/>
-              </a:ext>
-            </a:extLst>
-          </p:cNvPr>
-          <p:cNvSpPr>
-            <a:spLocks noGrp="1"/>
-          </p:cNvSpPr>
-          <p:nvPr>
-            <p:ph type="title"/>
+                <a16:creationId xmlns:a16="http://schemas.microsoft.com/office/drawing/2014/main" id="{8C45E973-C00B-4B2A-9678-6CC1F58B3631}"/>
+              </a:ext>
+            </a:extLst>
+          </p:cNvPr>
+          <p:cNvSpPr>
+            <a:spLocks noGrp="1"/>
+          </p:cNvSpPr>
+          <p:nvPr>
+            <p:ph type="ctrTitle"/>
           </p:nvPr>
         </p:nvSpPr>
         <p:spPr/>
@@ -6128,25 +7959,25 @@
           <a:p>
             <a:r>
               <a:rPr lang="en-GB" dirty="0"/>
-              <a:t>UDS Config Tool (Terrible name)</a:t>
-            </a:r>
-          </a:p>
-        </p:txBody>
-      </p:sp>
-      <p:sp>
-        <p:nvSpPr>
-          <p:cNvPr id="3" name="Content Placeholder 2">
-            <a:extLst>
-              <a:ext uri="{FF2B5EF4-FFF2-40B4-BE49-F238E27FC236}">
-                <a16:creationId xmlns:a16="http://schemas.microsoft.com/office/drawing/2014/main" id="{2A0E20CF-A414-4E75-90E8-E89E60D0D567}"/>
-              </a:ext>
-            </a:extLst>
-          </p:cNvPr>
-          <p:cNvSpPr>
-            <a:spLocks noGrp="1"/>
-          </p:cNvSpPr>
-          <p:nvPr>
-            <p:ph idx="1"/>
+              <a:t>UDS Config Tool</a:t>
+            </a:r>
+          </a:p>
+        </p:txBody>
+      </p:sp>
+      <p:sp>
+        <p:nvSpPr>
+          <p:cNvPr id="3" name="Subtitle 2">
+            <a:extLst>
+              <a:ext uri="{FF2B5EF4-FFF2-40B4-BE49-F238E27FC236}">
+                <a16:creationId xmlns:a16="http://schemas.microsoft.com/office/drawing/2014/main" id="{163FEA8D-692C-46F1-861B-3002B7EEEC93}"/>
+              </a:ext>
+            </a:extLst>
+          </p:cNvPr>
+          <p:cNvSpPr>
+            <a:spLocks noGrp="1"/>
+          </p:cNvSpPr>
+          <p:nvPr>
+            <p:ph type="subTitle" idx="1"/>
           </p:nvPr>
         </p:nvSpPr>
         <p:spPr/>
@@ -6156,47 +7987,7 @@
           <a:p>
             <a:r>
               <a:rPr lang="en-GB" dirty="0"/>
-              <a:t>Industry tools such as </a:t>
-            </a:r>
-            <a:r>
-              <a:rPr lang="en-GB" dirty="0" err="1"/>
-              <a:t>CANDela</a:t>
-            </a:r>
-            <a:r>
-              <a:rPr lang="en-GB" dirty="0"/>
-              <a:t> are used to generate diagnostic databases which define exactly the UDS messages</a:t>
-            </a:r>
-          </a:p>
-          <a:p>
-            <a:r>
-              <a:rPr lang="en-GB" dirty="0"/>
-              <a:t>These are high level and really easy to understand and can be output into a standardised XML format (ASAM ODX)</a:t>
-            </a:r>
-          </a:p>
-          <a:p>
-            <a:r>
-              <a:rPr lang="en-GB" dirty="0"/>
-              <a:t>The ODX parser basically takes the ODX file and autogenerates a set of functions to interface with the UDS messages</a:t>
-            </a:r>
-          </a:p>
-          <a:p>
-            <a:pPr lvl="1"/>
-            <a:r>
-              <a:rPr lang="en-GB" dirty="0"/>
-              <a:t>Constructs UDS messages from human readable text</a:t>
-            </a:r>
-          </a:p>
-          <a:p>
-            <a:pPr lvl="1"/>
-            <a:r>
-              <a:rPr lang="en-GB" dirty="0"/>
-              <a:t>Interprets UDS messages into human readable text</a:t>
-            </a:r>
-          </a:p>
-          <a:p>
-            <a:r>
-              <a:rPr lang="en-GB" dirty="0"/>
-              <a:t>These methods are then added to the base UDS object so that it can reference them as methods</a:t>
+              <a:t>Taking ODX files and creating functions</a:t>
             </a:r>
           </a:p>
         </p:txBody>
@@ -6204,7 +7995,7 @@
     </p:spTree>
     <p:extLst>
       <p:ext uri="{BB962C8B-B14F-4D97-AF65-F5344CB8AC3E}">
-        <p14:creationId xmlns:p14="http://schemas.microsoft.com/office/powerpoint/2010/main" val="451728624"/>
+        <p14:creationId xmlns:p14="http://schemas.microsoft.com/office/powerpoint/2010/main" val="2848576163"/>
       </p:ext>
     </p:extLst>
   </p:cSld>
@@ -6236,7 +8027,7 @@
           <p:cNvPr id="2" name="Title 1">
             <a:extLst>
               <a:ext uri="{FF2B5EF4-FFF2-40B4-BE49-F238E27FC236}">
-                <a16:creationId xmlns:a16="http://schemas.microsoft.com/office/drawing/2014/main" id="{26F9ACFB-606A-4E0F-9F04-9C25D02C0BEA}"/>
+                <a16:creationId xmlns:a16="http://schemas.microsoft.com/office/drawing/2014/main" id="{5F1EDA0D-683E-4D94-9FD9-25E30F11FF35}"/>
               </a:ext>
             </a:extLst>
           </p:cNvPr>
@@ -6254,7 +8045,7 @@
           <a:p>
             <a:r>
               <a:rPr lang="en-GB" dirty="0"/>
-              <a:t>UDS Config Tool - Example</a:t>
+              <a:t>UDS Config Tool (Terrible name)</a:t>
             </a:r>
           </a:p>
         </p:txBody>
@@ -6264,7 +8055,7 @@
           <p:cNvPr id="3" name="Content Placeholder 2">
             <a:extLst>
               <a:ext uri="{FF2B5EF4-FFF2-40B4-BE49-F238E27FC236}">
-                <a16:creationId xmlns:a16="http://schemas.microsoft.com/office/drawing/2014/main" id="{D6F840C3-9A7F-4BF8-BAC4-5EF4C233111F}"/>
+                <a16:creationId xmlns:a16="http://schemas.microsoft.com/office/drawing/2014/main" id="{2A0E20CF-A414-4E75-90E8-E89E60D0D567}"/>
               </a:ext>
             </a:extLst>
           </p:cNvPr>
@@ -6282,161 +8073,47 @@
           <a:p>
             <a:r>
               <a:rPr lang="en-GB" dirty="0"/>
-              <a:t>If I wanted the engine speed (DID 0x1000) from the Read Data by Identifier service (Service 0x22)</a:t>
+              <a:t>Industry tools such as </a:t>
+            </a:r>
+            <a:r>
+              <a:rPr lang="en-GB" dirty="0" err="1"/>
+              <a:t>CANDela</a:t>
+            </a:r>
+            <a:r>
+              <a:rPr lang="en-GB" dirty="0"/>
+              <a:t> are used to generate diagnostic databases which define exactly the UDS messages</a:t>
+            </a:r>
+          </a:p>
+          <a:p>
+            <a:r>
+              <a:rPr lang="en-GB" dirty="0"/>
+              <a:t>These are high level and really easy to understand and can be output into a standardised XML format (ASAM ODX)</a:t>
+            </a:r>
+          </a:p>
+          <a:p>
+            <a:r>
+              <a:rPr lang="en-GB" dirty="0"/>
+              <a:t>The ODX parser basically takes the ODX file and autogenerates a set of functions to interface with the UDS messages</a:t>
             </a:r>
           </a:p>
           <a:p>
             <a:pPr lvl="1"/>
             <a:r>
               <a:rPr lang="en-GB" dirty="0"/>
-              <a:t>Just using the python-</a:t>
-            </a:r>
-            <a:r>
-              <a:rPr lang="en-GB" dirty="0" err="1"/>
-              <a:t>uds</a:t>
-            </a:r>
-            <a:r>
-              <a:rPr lang="en-GB" dirty="0"/>
-              <a:t> base methods</a:t>
-            </a:r>
-          </a:p>
-          <a:p>
-            <a:pPr marL="914400" lvl="2" indent="0">
-              <a:buNone/>
-            </a:pPr>
-            <a:r>
-              <a:rPr lang="en-GB" sz="1800" dirty="0" err="1">
-                <a:latin typeface="Courier New" panose="02070309020205020404" pitchFamily="49" charset="0"/>
-                <a:cs typeface="Courier New" panose="02070309020205020404" pitchFamily="49" charset="0"/>
-              </a:rPr>
-              <a:t>engine_speed</a:t>
-            </a:r>
-            <a:r>
-              <a:rPr lang="en-GB" sz="1800" dirty="0">
-                <a:latin typeface="Courier New" panose="02070309020205020404" pitchFamily="49" charset="0"/>
-                <a:cs typeface="Courier New" panose="02070309020205020404" pitchFamily="49" charset="0"/>
-              </a:rPr>
-              <a:t> = </a:t>
-            </a:r>
-            <a:r>
-              <a:rPr lang="en-GB" sz="1800" dirty="0" err="1">
-                <a:latin typeface="Courier New" panose="02070309020205020404" pitchFamily="49" charset="0"/>
-                <a:cs typeface="Courier New" panose="02070309020205020404" pitchFamily="49" charset="0"/>
-              </a:rPr>
-              <a:t>ecu.send</a:t>
-            </a:r>
-            <a:r>
-              <a:rPr lang="en-GB" sz="1800" dirty="0">
-                <a:latin typeface="Courier New" panose="02070309020205020404" pitchFamily="49" charset="0"/>
-                <a:cs typeface="Courier New" panose="02070309020205020404" pitchFamily="49" charset="0"/>
-              </a:rPr>
-              <a:t>([0x22, 0x10, 0x00,]) </a:t>
-            </a:r>
-          </a:p>
-          <a:p>
-            <a:pPr marL="914400" lvl="2" indent="0">
-              <a:buNone/>
-            </a:pPr>
-            <a:r>
-              <a:rPr lang="en-GB" sz="1800" dirty="0">
-                <a:latin typeface="Courier New" panose="02070309020205020404" pitchFamily="49" charset="0"/>
-                <a:cs typeface="Courier New" panose="02070309020205020404" pitchFamily="49" charset="0"/>
-              </a:rPr>
-              <a:t>print(</a:t>
-            </a:r>
-            <a:r>
-              <a:rPr lang="en-GB" sz="1800" dirty="0" err="1">
-                <a:latin typeface="Courier New" panose="02070309020205020404" pitchFamily="49" charset="0"/>
-                <a:cs typeface="Courier New" panose="02070309020205020404" pitchFamily="49" charset="0"/>
-              </a:rPr>
-              <a:t>engine_speed</a:t>
-            </a:r>
-            <a:r>
-              <a:rPr lang="en-GB" sz="1800" dirty="0">
-                <a:latin typeface="Courier New" panose="02070309020205020404" pitchFamily="49" charset="0"/>
-                <a:cs typeface="Courier New" panose="02070309020205020404" pitchFamily="49" charset="0"/>
-              </a:rPr>
-              <a:t>) -&gt; [0x61, 0x10, 0x00, 0x1F, 0x00]</a:t>
-            </a:r>
-          </a:p>
-          <a:p>
-            <a:pPr lvl="2"/>
-            <a:r>
-              <a:rPr lang="en-GB" dirty="0"/>
-              <a:t>This is a little clunky as the user then has to recombine the data before it is useful</a:t>
+              <a:t>Constructs UDS messages from human readable text</a:t>
             </a:r>
           </a:p>
           <a:p>
             <a:pPr lvl="1"/>
             <a:r>
               <a:rPr lang="en-GB" dirty="0"/>
-              <a:t>Using the ODX Parser (assuming the parameter is defined as “Engine Speed”</a:t>
-            </a:r>
-          </a:p>
-          <a:p>
-            <a:pPr marL="914400" lvl="2" indent="0">
-              <a:buNone/>
-            </a:pPr>
-            <a:r>
-              <a:rPr lang="en-GB" dirty="0" err="1">
-                <a:latin typeface="Courier New" panose="02070309020205020404" pitchFamily="49" charset="0"/>
-                <a:cs typeface="Courier New" panose="02070309020205020404" pitchFamily="49" charset="0"/>
-              </a:rPr>
-              <a:t>engine_speed</a:t>
-            </a:r>
-            <a:r>
-              <a:rPr lang="en-GB" dirty="0">
-                <a:latin typeface="Courier New" panose="02070309020205020404" pitchFamily="49" charset="0"/>
-                <a:cs typeface="Courier New" panose="02070309020205020404" pitchFamily="49" charset="0"/>
-              </a:rPr>
-              <a:t> = </a:t>
-            </a:r>
-            <a:r>
-              <a:rPr lang="en-GB" dirty="0" err="1">
-                <a:latin typeface="Courier New" panose="02070309020205020404" pitchFamily="49" charset="0"/>
-                <a:cs typeface="Courier New" panose="02070309020205020404" pitchFamily="49" charset="0"/>
-              </a:rPr>
-              <a:t>ecu.readdatabyidentifier</a:t>
-            </a:r>
-            <a:r>
-              <a:rPr lang="en-GB" dirty="0">
-                <a:latin typeface="Courier New" panose="02070309020205020404" pitchFamily="49" charset="0"/>
-                <a:cs typeface="Courier New" panose="02070309020205020404" pitchFamily="49" charset="0"/>
-              </a:rPr>
-              <a:t>(“Engine Speed”)</a:t>
-            </a:r>
-          </a:p>
-          <a:p>
-            <a:pPr marL="914400" lvl="2" indent="0">
-              <a:buNone/>
-            </a:pPr>
-            <a:r>
-              <a:rPr lang="en-GB" dirty="0">
-                <a:latin typeface="Courier New" panose="02070309020205020404" pitchFamily="49" charset="0"/>
-                <a:cs typeface="Courier New" panose="02070309020205020404" pitchFamily="49" charset="0"/>
-              </a:rPr>
-              <a:t>print(</a:t>
-            </a:r>
-            <a:r>
-              <a:rPr lang="en-GB" dirty="0" err="1">
-                <a:latin typeface="Courier New" panose="02070309020205020404" pitchFamily="49" charset="0"/>
-                <a:cs typeface="Courier New" panose="02070309020205020404" pitchFamily="49" charset="0"/>
-              </a:rPr>
-              <a:t>engine_speed</a:t>
-            </a:r>
-            <a:r>
-              <a:rPr lang="en-GB" dirty="0">
-                <a:latin typeface="Courier New" panose="02070309020205020404" pitchFamily="49" charset="0"/>
-                <a:cs typeface="Courier New" panose="02070309020205020404" pitchFamily="49" charset="0"/>
-              </a:rPr>
-              <a:t>) -&gt; {“Engine Speed”: 2000}</a:t>
-            </a:r>
-          </a:p>
-          <a:p>
-            <a:pPr lvl="2"/>
-            <a:r>
-              <a:rPr lang="en-GB" dirty="0"/>
-              <a:t>This is much easier and more convenient</a:t>
+              <a:t>Interprets UDS messages into human readable text</a:t>
+            </a:r>
+          </a:p>
+          <a:p>
+            <a:r>
+              <a:rPr lang="en-GB" dirty="0"/>
+              <a:t>These methods are then added to the base UDS object so that it can reference them as methods</a:t>
             </a:r>
           </a:p>
         </p:txBody>
@@ -6444,7 +8121,7 @@
     </p:spTree>
     <p:extLst>
       <p:ext uri="{BB962C8B-B14F-4D97-AF65-F5344CB8AC3E}">
-        <p14:creationId xmlns:p14="http://schemas.microsoft.com/office/powerpoint/2010/main" val="205529743"/>
+        <p14:creationId xmlns:p14="http://schemas.microsoft.com/office/powerpoint/2010/main" val="451728624"/>
       </p:ext>
     </p:extLst>
   </p:cSld>
@@ -6476,7 +8153,7 @@
           <p:cNvPr id="2" name="Title 1">
             <a:extLst>
               <a:ext uri="{FF2B5EF4-FFF2-40B4-BE49-F238E27FC236}">
-                <a16:creationId xmlns:a16="http://schemas.microsoft.com/office/drawing/2014/main" id="{DF321BF8-BEF5-4C6D-A9F2-84E717EDF06E}"/>
+                <a16:creationId xmlns:a16="http://schemas.microsoft.com/office/drawing/2014/main" id="{26F9ACFB-606A-4E0F-9F04-9C25D02C0BEA}"/>
               </a:ext>
             </a:extLst>
           </p:cNvPr>
@@ -6494,7 +8171,7 @@
           <a:p>
             <a:r>
               <a:rPr lang="en-GB" dirty="0"/>
-              <a:t>UDS Config Tool – Service Methods</a:t>
+              <a:t>UDS Config Tool - Example</a:t>
             </a:r>
           </a:p>
         </p:txBody>
@@ -6504,7 +8181,7 @@
           <p:cNvPr id="3" name="Content Placeholder 2">
             <a:extLst>
               <a:ext uri="{FF2B5EF4-FFF2-40B4-BE49-F238E27FC236}">
-                <a16:creationId xmlns:a16="http://schemas.microsoft.com/office/drawing/2014/main" id="{7984BA9D-126C-41C6-BF20-3747E668DC10}"/>
+                <a16:creationId xmlns:a16="http://schemas.microsoft.com/office/drawing/2014/main" id="{D6F840C3-9A7F-4BF8-BAC4-5EF4C233111F}"/>
               </a:ext>
             </a:extLst>
           </p:cNvPr>
@@ -6515,40 +8192,182 @@
             <p:ph idx="1"/>
           </p:nvPr>
         </p:nvSpPr>
-        <p:spPr>
-          <a:xfrm>
-            <a:off x="838200" y="1825625"/>
-            <a:ext cx="10515600" cy="4351338"/>
-          </a:xfrm>
-        </p:spPr>
-        <p:txBody>
-          <a:bodyPr>
-            <a:normAutofit/>
-          </a:bodyPr>
-          <a:lstStyle/>
-          <a:p>
-            <a:r>
-              <a:rPr lang="en-GB" dirty="0"/>
-              <a:t>Service functions are pre-defined and have a fixed interface</a:t>
-            </a:r>
-          </a:p>
-          <a:p>
-            <a:r>
-              <a:rPr lang="en-GB" dirty="0"/>
-              <a:t>Each service has a method factory which dynamically creates the DID functions and adds them to the dictionaries for each service function</a:t>
-            </a:r>
-          </a:p>
-          <a:p>
-            <a:r>
-              <a:rPr lang="en-GB" dirty="0"/>
-              <a:t>Once complete these service functions are then bound to the UDS instance</a:t>
+        <p:spPr/>
+        <p:txBody>
+          <a:bodyPr/>
+          <a:lstStyle/>
+          <a:p>
+            <a:r>
+              <a:rPr lang="en-GB" dirty="0"/>
+              <a:t>If I wanted the engine speed (DID 0x1000) from the Read Data by Identifier service (Service 0x22)</a:t>
             </a:r>
           </a:p>
           <a:p>
             <a:pPr lvl="1"/>
             <a:r>
               <a:rPr lang="en-GB" dirty="0"/>
-              <a:t>This allows the UDS instance to then call them as methods of the class</a:t>
+              <a:t>Just using the python-</a:t>
+            </a:r>
+            <a:r>
+              <a:rPr lang="en-GB" dirty="0" err="1"/>
+              <a:t>uds</a:t>
+            </a:r>
+            <a:r>
+              <a:rPr lang="en-GB" dirty="0"/>
+              <a:t> base methods</a:t>
+            </a:r>
+          </a:p>
+          <a:p>
+            <a:pPr marL="914400" lvl="2" indent="0">
+              <a:buNone/>
+            </a:pPr>
+            <a:r>
+              <a:rPr lang="en-GB" sz="1800" dirty="0" err="1">
+                <a:latin typeface="Courier New" panose="02070309020205020404" pitchFamily="49" charset="0"/>
+                <a:cs typeface="Courier New" panose="02070309020205020404" pitchFamily="49" charset="0"/>
+              </a:rPr>
+              <a:t>engine_speed</a:t>
+            </a:r>
+            <a:r>
+              <a:rPr lang="en-GB" sz="1800" dirty="0">
+                <a:latin typeface="Courier New" panose="02070309020205020404" pitchFamily="49" charset="0"/>
+                <a:cs typeface="Courier New" panose="02070309020205020404" pitchFamily="49" charset="0"/>
+              </a:rPr>
+              <a:t> = </a:t>
+            </a:r>
+            <a:r>
+              <a:rPr lang="en-GB" sz="1800" dirty="0" err="1">
+                <a:latin typeface="Courier New" panose="02070309020205020404" pitchFamily="49" charset="0"/>
+                <a:cs typeface="Courier New" panose="02070309020205020404" pitchFamily="49" charset="0"/>
+              </a:rPr>
+              <a:t>ecu.send</a:t>
+            </a:r>
+            <a:r>
+              <a:rPr lang="en-GB" sz="1800" dirty="0">
+                <a:latin typeface="Courier New" panose="02070309020205020404" pitchFamily="49" charset="0"/>
+                <a:cs typeface="Courier New" panose="02070309020205020404" pitchFamily="49" charset="0"/>
+              </a:rPr>
+              <a:t>([0x22, 0x10, 0x00,]) </a:t>
+            </a:r>
+          </a:p>
+          <a:p>
+            <a:pPr marL="914400" lvl="2" indent="0">
+              <a:buNone/>
+            </a:pPr>
+            <a:r>
+              <a:rPr lang="en-GB" sz="1800" dirty="0">
+                <a:latin typeface="Courier New" panose="02070309020205020404" pitchFamily="49" charset="0"/>
+                <a:cs typeface="Courier New" panose="02070309020205020404" pitchFamily="49" charset="0"/>
+              </a:rPr>
+              <a:t>print(</a:t>
+            </a:r>
+            <a:r>
+              <a:rPr lang="en-GB" sz="1800" dirty="0" err="1">
+                <a:latin typeface="Courier New" panose="02070309020205020404" pitchFamily="49" charset="0"/>
+                <a:cs typeface="Courier New" panose="02070309020205020404" pitchFamily="49" charset="0"/>
+              </a:rPr>
+              <a:t>engine_speed</a:t>
+            </a:r>
+            <a:r>
+              <a:rPr lang="en-GB" sz="1800" dirty="0">
+                <a:latin typeface="Courier New" panose="02070309020205020404" pitchFamily="49" charset="0"/>
+                <a:cs typeface="Courier New" panose="02070309020205020404" pitchFamily="49" charset="0"/>
+              </a:rPr>
+              <a:t>) -&gt; </a:t>
+            </a:r>
+            <a:r>
+              <a:rPr lang="en-GB" sz="1800">
+                <a:latin typeface="Courier New" panose="02070309020205020404" pitchFamily="49" charset="0"/>
+                <a:cs typeface="Courier New" panose="02070309020205020404" pitchFamily="49" charset="0"/>
+              </a:rPr>
+              <a:t>[0x62, </a:t>
+            </a:r>
+            <a:r>
+              <a:rPr lang="en-GB" sz="1800" dirty="0">
+                <a:latin typeface="Courier New" panose="02070309020205020404" pitchFamily="49" charset="0"/>
+                <a:cs typeface="Courier New" panose="02070309020205020404" pitchFamily="49" charset="0"/>
+              </a:rPr>
+              <a:t>0x10, 0x00, 0x1F, 0x00]</a:t>
+            </a:r>
+          </a:p>
+          <a:p>
+            <a:pPr lvl="2"/>
+            <a:r>
+              <a:rPr lang="en-GB" dirty="0"/>
+              <a:t>This is a little clunky as the user then has to recombine the data before it is useful</a:t>
+            </a:r>
+          </a:p>
+          <a:p>
+            <a:pPr lvl="1"/>
+            <a:r>
+              <a:rPr lang="en-GB" dirty="0"/>
+              <a:t>Using the ODX Parser (assuming the parameter is defined as “Engine Speed”</a:t>
+            </a:r>
+          </a:p>
+          <a:p>
+            <a:pPr marL="914400" lvl="2" indent="0">
+              <a:buNone/>
+            </a:pPr>
+            <a:r>
+              <a:rPr lang="en-GB" dirty="0" err="1">
+                <a:latin typeface="Courier New" panose="02070309020205020404" pitchFamily="49" charset="0"/>
+                <a:cs typeface="Courier New" panose="02070309020205020404" pitchFamily="49" charset="0"/>
+              </a:rPr>
+              <a:t>engine_speed</a:t>
+            </a:r>
+            <a:r>
+              <a:rPr lang="en-GB" dirty="0">
+                <a:latin typeface="Courier New" panose="02070309020205020404" pitchFamily="49" charset="0"/>
+                <a:cs typeface="Courier New" panose="02070309020205020404" pitchFamily="49" charset="0"/>
+              </a:rPr>
+              <a:t> = </a:t>
+            </a:r>
+            <a:r>
+              <a:rPr lang="en-GB" dirty="0" err="1">
+                <a:latin typeface="Courier New" panose="02070309020205020404" pitchFamily="49" charset="0"/>
+                <a:cs typeface="Courier New" panose="02070309020205020404" pitchFamily="49" charset="0"/>
+              </a:rPr>
+              <a:t>ecu.readdatabyidentifier</a:t>
+            </a:r>
+            <a:r>
+              <a:rPr lang="en-GB" dirty="0">
+                <a:latin typeface="Courier New" panose="02070309020205020404" pitchFamily="49" charset="0"/>
+                <a:cs typeface="Courier New" panose="02070309020205020404" pitchFamily="49" charset="0"/>
+              </a:rPr>
+              <a:t>(“Engine Speed”)</a:t>
+            </a:r>
+          </a:p>
+          <a:p>
+            <a:pPr marL="914400" lvl="2" indent="0">
+              <a:buNone/>
+            </a:pPr>
+            <a:r>
+              <a:rPr lang="en-GB" dirty="0">
+                <a:latin typeface="Courier New" panose="02070309020205020404" pitchFamily="49" charset="0"/>
+                <a:cs typeface="Courier New" panose="02070309020205020404" pitchFamily="49" charset="0"/>
+              </a:rPr>
+              <a:t>print(</a:t>
+            </a:r>
+            <a:r>
+              <a:rPr lang="en-GB" dirty="0" err="1">
+                <a:latin typeface="Courier New" panose="02070309020205020404" pitchFamily="49" charset="0"/>
+                <a:cs typeface="Courier New" panose="02070309020205020404" pitchFamily="49" charset="0"/>
+              </a:rPr>
+              <a:t>engine_speed</a:t>
+            </a:r>
+            <a:r>
+              <a:rPr lang="en-GB" dirty="0">
+                <a:latin typeface="Courier New" panose="02070309020205020404" pitchFamily="49" charset="0"/>
+                <a:cs typeface="Courier New" panose="02070309020205020404" pitchFamily="49" charset="0"/>
+              </a:rPr>
+              <a:t>) -&gt; {“Engine Speed”: 2000}</a:t>
+            </a:r>
+          </a:p>
+          <a:p>
+            <a:pPr lvl="2"/>
+            <a:r>
+              <a:rPr lang="en-GB" dirty="0"/>
+              <a:t>This is much easier and more convenient</a:t>
             </a:r>
           </a:p>
         </p:txBody>
@@ -6556,7 +8375,7 @@
     </p:spTree>
     <p:extLst>
       <p:ext uri="{BB962C8B-B14F-4D97-AF65-F5344CB8AC3E}">
-        <p14:creationId xmlns:p14="http://schemas.microsoft.com/office/powerpoint/2010/main" val="3469829372"/>
+        <p14:creationId xmlns:p14="http://schemas.microsoft.com/office/powerpoint/2010/main" val="205529743"/>
       </p:ext>
     </p:extLst>
   </p:cSld>
@@ -6588,7 +8407,7 @@
           <p:cNvPr id="2" name="Title 1">
             <a:extLst>
               <a:ext uri="{FF2B5EF4-FFF2-40B4-BE49-F238E27FC236}">
-                <a16:creationId xmlns:a16="http://schemas.microsoft.com/office/drawing/2014/main" id="{2A1BC9F9-231D-4510-9287-812D8FB72E01}"/>
+                <a16:creationId xmlns:a16="http://schemas.microsoft.com/office/drawing/2014/main" id="{DF321BF8-BEF5-4C6D-A9F2-84E717EDF06E}"/>
               </a:ext>
             </a:extLst>
           </p:cNvPr>
@@ -6606,7 +8425,7 @@
           <a:p>
             <a:r>
               <a:rPr lang="en-GB" dirty="0"/>
-              <a:t>UDS Config Tool – DID Methods</a:t>
+              <a:t>UDS Config Tool – Service Methods</a:t>
             </a:r>
           </a:p>
         </p:txBody>
@@ -6616,7 +8435,7 @@
           <p:cNvPr id="3" name="Content Placeholder 2">
             <a:extLst>
               <a:ext uri="{FF2B5EF4-FFF2-40B4-BE49-F238E27FC236}">
-                <a16:creationId xmlns:a16="http://schemas.microsoft.com/office/drawing/2014/main" id="{DB3819AE-E5E0-42A3-B31A-DCA8E5E85E03}"/>
+                <a16:creationId xmlns:a16="http://schemas.microsoft.com/office/drawing/2014/main" id="{7984BA9D-126C-41C6-BF20-3747E668DC10}"/>
               </a:ext>
             </a:extLst>
           </p:cNvPr>
@@ -6627,56 +8446,40 @@
             <p:ph idx="1"/>
           </p:nvPr>
         </p:nvSpPr>
-        <p:spPr/>
+        <p:spPr>
+          <a:xfrm>
+            <a:off x="838200" y="1825625"/>
+            <a:ext cx="10515600" cy="4351338"/>
+          </a:xfrm>
+        </p:spPr>
         <p:txBody>
           <a:bodyPr>
-            <a:normAutofit lnSpcReduction="10000"/>
+            <a:normAutofit/>
           </a:bodyPr>
           <a:lstStyle/>
           <a:p>
             <a:r>
               <a:rPr lang="en-GB" dirty="0"/>
-              <a:t>These are the dynamically created functions created from the ODX XML file (The XML structure is fairly obtuse so I won’t go through any here)</a:t>
-            </a:r>
-          </a:p>
-          <a:p>
-            <a:r>
-              <a:rPr lang="en-GB" dirty="0"/>
-              <a:t>There are 4 functions created for each DID or Service Instance:</a:t>
+              <a:t>Service functions are pre-defined and have a fixed interface</a:t>
+            </a:r>
+          </a:p>
+          <a:p>
+            <a:r>
+              <a:rPr lang="en-GB" dirty="0"/>
+              <a:t>Each service has a method factory which dynamically creates the DID functions and adds them to the dictionaries for each service function</a:t>
+            </a:r>
+          </a:p>
+          <a:p>
+            <a:r>
+              <a:rPr lang="en-GB" dirty="0"/>
+              <a:t>Once complete these service functions are then bound to the UDS instance</a:t>
             </a:r>
           </a:p>
           <a:p>
             <a:pPr lvl="1"/>
             <a:r>
               <a:rPr lang="en-GB" dirty="0"/>
-              <a:t>Request Function – Prepares the request to be sent to the server</a:t>
-            </a:r>
-          </a:p>
-          <a:p>
-            <a:pPr lvl="1"/>
-            <a:r>
-              <a:rPr lang="en-GB" dirty="0"/>
-              <a:t>Negative Response Function – Parses the response for a negative response</a:t>
-            </a:r>
-          </a:p>
-          <a:p>
-            <a:pPr lvl="1"/>
-            <a:r>
-              <a:rPr lang="en-GB" dirty="0"/>
-              <a:t>Check Function – Checks the response for basic correctness, length etc</a:t>
-            </a:r>
-          </a:p>
-          <a:p>
-            <a:pPr lvl="1"/>
-            <a:r>
-              <a:rPr lang="en-GB" dirty="0"/>
-              <a:t>Positive Response Function – Parses the response payload and decodes into a dictionary</a:t>
-            </a:r>
-          </a:p>
-          <a:p>
-            <a:r>
-              <a:rPr lang="en-GB" dirty="0"/>
-              <a:t>These functions are executed in sequence and if a problem occurs at any point it raises an exception</a:t>
+              <a:t>This allows the UDS instance to then call them as methods of the class</a:t>
             </a:r>
           </a:p>
         </p:txBody>
@@ -6684,7 +8487,7 @@
     </p:spTree>
     <p:extLst>
       <p:ext uri="{BB962C8B-B14F-4D97-AF65-F5344CB8AC3E}">
-        <p14:creationId xmlns:p14="http://schemas.microsoft.com/office/powerpoint/2010/main" val="4093171654"/>
+        <p14:creationId xmlns:p14="http://schemas.microsoft.com/office/powerpoint/2010/main" val="3469829372"/>
       </p:ext>
     </p:extLst>
   </p:cSld>
@@ -6716,7 +8519,7 @@
           <p:cNvPr id="2" name="Title 1">
             <a:extLst>
               <a:ext uri="{FF2B5EF4-FFF2-40B4-BE49-F238E27FC236}">
-                <a16:creationId xmlns:a16="http://schemas.microsoft.com/office/drawing/2014/main" id="{7A39412F-7E48-45E6-B89B-8192FB9879D5}"/>
+                <a16:creationId xmlns:a16="http://schemas.microsoft.com/office/drawing/2014/main" id="{2A1BC9F9-231D-4510-9287-812D8FB72E01}"/>
               </a:ext>
             </a:extLst>
           </p:cNvPr>
@@ -6734,7 +8537,7 @@
           <a:p>
             <a:r>
               <a:rPr lang="en-GB" dirty="0"/>
-              <a:t>UDS Config Tool - Why bother?</a:t>
+              <a:t>UDS Config Tool – DID Methods</a:t>
             </a:r>
           </a:p>
         </p:txBody>
@@ -6744,7 +8547,7 @@
           <p:cNvPr id="3" name="Content Placeholder 2">
             <a:extLst>
               <a:ext uri="{FF2B5EF4-FFF2-40B4-BE49-F238E27FC236}">
-                <a16:creationId xmlns:a16="http://schemas.microsoft.com/office/drawing/2014/main" id="{5A99CCB1-006F-42B9-A195-D98F67B9074A}"/>
+                <a16:creationId xmlns:a16="http://schemas.microsoft.com/office/drawing/2014/main" id="{DB3819AE-E5E0-42A3-B31A-DCA8E5E85E03}"/>
               </a:ext>
             </a:extLst>
           </p:cNvPr>
@@ -6758,65 +8561,61 @@
         <p:spPr/>
         <p:txBody>
           <a:bodyPr>
-            <a:normAutofit fontScale="92500" lnSpcReduction="10000"/>
+            <a:normAutofit lnSpcReduction="10000"/>
           </a:bodyPr>
           <a:lstStyle/>
           <a:p>
             <a:r>
               <a:rPr lang="en-GB" dirty="0"/>
-              <a:t>The format of the diagnostic databases can be very complex</a:t>
-            </a:r>
-          </a:p>
-          <a:p>
-            <a:r>
-              <a:rPr lang="en-GB" dirty="0"/>
-              <a:t>Engine Speed is a DID with 1 parameter which is a single data-type</a:t>
+              <a:t>These are the dynamically created functions created from the ODX XML file (The XML structure is fairly obtuse so I won’t go through any here)</a:t>
+            </a:r>
+          </a:p>
+          <a:p>
+            <a:r>
+              <a:rPr lang="en-GB" dirty="0"/>
+              <a:t>There are 4 functions created for each DID or Service Instance:</a:t>
             </a:r>
           </a:p>
           <a:p>
             <a:pPr lvl="1"/>
             <a:r>
               <a:rPr lang="en-GB" dirty="0"/>
-              <a:t>This is probably the simplest case</a:t>
-            </a:r>
-          </a:p>
-          <a:p>
-            <a:r>
-              <a:rPr lang="en-GB" dirty="0"/>
-              <a:t>Each DID can have any number of parameters of any data-type supported by the ODX standard (strings, floats, bit-fields, enumerations)</a:t>
+              <a:t>Request Function – Prepares the request to be sent to the server</a:t>
             </a:r>
           </a:p>
           <a:p>
             <a:pPr lvl="1"/>
             <a:r>
               <a:rPr lang="en-GB" dirty="0"/>
-              <a:t>This would be very tiring for the user to have to write functions to deal with all of these on a case-by-case basis</a:t>
-            </a:r>
-          </a:p>
-          <a:p>
-            <a:r>
-              <a:rPr lang="en-GB" dirty="0"/>
-              <a:t>For hobbyists it isn’t so bad as they are usually working with a limited set of vehicles</a:t>
-            </a:r>
-          </a:p>
-          <a:p>
-            <a:r>
-              <a:rPr lang="en-GB" dirty="0"/>
-              <a:t>Professionals vary in technical competence, so the tool presents a common, easy to reference format for them to interrogate their ECUs</a:t>
-            </a:r>
-          </a:p>
-          <a:p>
-            <a:pPr marL="457200" lvl="1" indent="0">
-              <a:buNone/>
-            </a:pPr>
-            <a:endParaRPr lang="en-GB" dirty="0"/>
+              <a:t>Negative Response Function – Parses the response for a negative response</a:t>
+            </a:r>
+          </a:p>
+          <a:p>
+            <a:pPr lvl="1"/>
+            <a:r>
+              <a:rPr lang="en-GB" dirty="0"/>
+              <a:t>Check Function – Checks the response for basic correctness, length etc</a:t>
+            </a:r>
+          </a:p>
+          <a:p>
+            <a:pPr lvl="1"/>
+            <a:r>
+              <a:rPr lang="en-GB" dirty="0"/>
+              <a:t>Positive Response Function – Parses the response payload and decodes into a dictionary</a:t>
+            </a:r>
+          </a:p>
+          <a:p>
+            <a:r>
+              <a:rPr lang="en-GB" dirty="0"/>
+              <a:t>These functions are executed in sequence and if a problem occurs at any point it raises an exception</a:t>
+            </a:r>
           </a:p>
         </p:txBody>
       </p:sp>
     </p:spTree>
     <p:extLst>
       <p:ext uri="{BB962C8B-B14F-4D97-AF65-F5344CB8AC3E}">
-        <p14:creationId xmlns:p14="http://schemas.microsoft.com/office/powerpoint/2010/main" val="896112356"/>
+        <p14:creationId xmlns:p14="http://schemas.microsoft.com/office/powerpoint/2010/main" val="4093171654"/>
       </p:ext>
     </p:extLst>
   </p:cSld>
@@ -6848,15 +8647,15 @@
           <p:cNvPr id="2" name="Title 1">
             <a:extLst>
               <a:ext uri="{FF2B5EF4-FFF2-40B4-BE49-F238E27FC236}">
-                <a16:creationId xmlns:a16="http://schemas.microsoft.com/office/drawing/2014/main" id="{8C45E973-C00B-4B2A-9678-6CC1F58B3631}"/>
-              </a:ext>
-            </a:extLst>
-          </p:cNvPr>
-          <p:cNvSpPr>
-            <a:spLocks noGrp="1"/>
-          </p:cNvSpPr>
-          <p:nvPr>
-            <p:ph type="ctrTitle"/>
+                <a16:creationId xmlns:a16="http://schemas.microsoft.com/office/drawing/2014/main" id="{7A39412F-7E48-45E6-B89B-8192FB9879D5}"/>
+              </a:ext>
+            </a:extLst>
+          </p:cNvPr>
+          <p:cNvSpPr>
+            <a:spLocks noGrp="1"/>
+          </p:cNvSpPr>
+          <p:nvPr>
+            <p:ph type="title"/>
           </p:nvPr>
         </p:nvSpPr>
         <p:spPr/>
@@ -6866,43 +8665,89 @@
           <a:p>
             <a:r>
               <a:rPr lang="en-GB" dirty="0"/>
-              <a:t>Testing</a:t>
-            </a:r>
-          </a:p>
-        </p:txBody>
-      </p:sp>
-      <p:sp>
-        <p:nvSpPr>
-          <p:cNvPr id="3" name="Subtitle 2">
-            <a:extLst>
-              <a:ext uri="{FF2B5EF4-FFF2-40B4-BE49-F238E27FC236}">
-                <a16:creationId xmlns:a16="http://schemas.microsoft.com/office/drawing/2014/main" id="{163FEA8D-692C-46F1-861B-3002B7EEEC93}"/>
-              </a:ext>
-            </a:extLst>
-          </p:cNvPr>
-          <p:cNvSpPr>
-            <a:spLocks noGrp="1"/>
-          </p:cNvSpPr>
-          <p:nvPr>
-            <p:ph type="subTitle" idx="1"/>
-          </p:nvPr>
-        </p:nvSpPr>
-        <p:spPr/>
-        <p:txBody>
-          <a:bodyPr/>
-          <a:lstStyle/>
-          <a:p>
-            <a:r>
-              <a:rPr lang="en-GB" dirty="0"/>
-              <a:t>The bit everyone LOVES talking about</a:t>
-            </a:r>
+              <a:t>UDS Config Tool - Why bother?</a:t>
+            </a:r>
+          </a:p>
+        </p:txBody>
+      </p:sp>
+      <p:sp>
+        <p:nvSpPr>
+          <p:cNvPr id="3" name="Content Placeholder 2">
+            <a:extLst>
+              <a:ext uri="{FF2B5EF4-FFF2-40B4-BE49-F238E27FC236}">
+                <a16:creationId xmlns:a16="http://schemas.microsoft.com/office/drawing/2014/main" id="{5A99CCB1-006F-42B9-A195-D98F67B9074A}"/>
+              </a:ext>
+            </a:extLst>
+          </p:cNvPr>
+          <p:cNvSpPr>
+            <a:spLocks noGrp="1"/>
+          </p:cNvSpPr>
+          <p:nvPr>
+            <p:ph idx="1"/>
+          </p:nvPr>
+        </p:nvSpPr>
+        <p:spPr/>
+        <p:txBody>
+          <a:bodyPr>
+            <a:normAutofit fontScale="92500" lnSpcReduction="10000"/>
+          </a:bodyPr>
+          <a:lstStyle/>
+          <a:p>
+            <a:r>
+              <a:rPr lang="en-GB" dirty="0"/>
+              <a:t>The format of the diagnostic databases can be very complex</a:t>
+            </a:r>
+          </a:p>
+          <a:p>
+            <a:r>
+              <a:rPr lang="en-GB" dirty="0"/>
+              <a:t>Engine Speed is a DID with 1 parameter which is a single data-type</a:t>
+            </a:r>
+          </a:p>
+          <a:p>
+            <a:pPr lvl="1"/>
+            <a:r>
+              <a:rPr lang="en-GB" dirty="0"/>
+              <a:t>This is probably the simplest case</a:t>
+            </a:r>
+          </a:p>
+          <a:p>
+            <a:r>
+              <a:rPr lang="en-GB" dirty="0"/>
+              <a:t>Each DID can have any number of parameters of any data-type supported by the ODX standard (strings, floats, bit-fields, enumerations)</a:t>
+            </a:r>
+          </a:p>
+          <a:p>
+            <a:pPr lvl="1"/>
+            <a:r>
+              <a:rPr lang="en-GB" dirty="0"/>
+              <a:t>This would be very tiring for the user to have to write functions to deal with all of these on a case-by-case basis</a:t>
+            </a:r>
+          </a:p>
+          <a:p>
+            <a:r>
+              <a:rPr lang="en-GB" dirty="0"/>
+              <a:t>For hobbyists it isn’t so bad as they are usually working with a limited set of vehicles</a:t>
+            </a:r>
+          </a:p>
+          <a:p>
+            <a:r>
+              <a:rPr lang="en-GB" dirty="0"/>
+              <a:t>Professionals vary in technical competence, so the tool presents a common, easy to reference format for them to interrogate their ECUs</a:t>
+            </a:r>
+          </a:p>
+          <a:p>
+            <a:pPr marL="457200" lvl="1" indent="0">
+              <a:buNone/>
+            </a:pPr>
+            <a:endParaRPr lang="en-GB" dirty="0"/>
           </a:p>
         </p:txBody>
       </p:sp>
     </p:spTree>
     <p:extLst>
       <p:ext uri="{BB962C8B-B14F-4D97-AF65-F5344CB8AC3E}">
-        <p14:creationId xmlns:p14="http://schemas.microsoft.com/office/powerpoint/2010/main" val="4180462075"/>
+        <p14:creationId xmlns:p14="http://schemas.microsoft.com/office/powerpoint/2010/main" val="896112356"/>
       </p:ext>
     </p:extLst>
   </p:cSld>
@@ -6934,15 +8779,15 @@
           <p:cNvPr id="2" name="Title 1">
             <a:extLst>
               <a:ext uri="{FF2B5EF4-FFF2-40B4-BE49-F238E27FC236}">
-                <a16:creationId xmlns:a16="http://schemas.microsoft.com/office/drawing/2014/main" id="{6D0EF4E8-0044-4D59-8BB2-004C4DAD61EA}"/>
-              </a:ext>
-            </a:extLst>
-          </p:cNvPr>
-          <p:cNvSpPr>
-            <a:spLocks noGrp="1"/>
-          </p:cNvSpPr>
-          <p:nvPr>
-            <p:ph type="title"/>
+                <a16:creationId xmlns:a16="http://schemas.microsoft.com/office/drawing/2014/main" id="{8C45E973-C00B-4B2A-9678-6CC1F58B3631}"/>
+              </a:ext>
+            </a:extLst>
+          </p:cNvPr>
+          <p:cNvSpPr>
+            <a:spLocks noGrp="1"/>
+          </p:cNvSpPr>
+          <p:nvPr>
+            <p:ph type="ctrTitle"/>
           </p:nvPr>
         </p:nvSpPr>
         <p:spPr/>
@@ -6952,96 +8797,43 @@
           <a:p>
             <a:r>
               <a:rPr lang="en-GB" dirty="0"/>
-              <a:t>Testing Methodology</a:t>
-            </a:r>
-          </a:p>
-        </p:txBody>
-      </p:sp>
-      <p:sp>
-        <p:nvSpPr>
-          <p:cNvPr id="3" name="Content Placeholder 2">
-            <a:extLst>
-              <a:ext uri="{FF2B5EF4-FFF2-40B4-BE49-F238E27FC236}">
-                <a16:creationId xmlns:a16="http://schemas.microsoft.com/office/drawing/2014/main" id="{373A0186-1E80-4344-8734-714CA30BECC1}"/>
-              </a:ext>
-            </a:extLst>
-          </p:cNvPr>
-          <p:cNvSpPr>
-            <a:spLocks noGrp="1"/>
-          </p:cNvSpPr>
-          <p:nvPr>
-            <p:ph idx="1"/>
-          </p:nvPr>
-        </p:nvSpPr>
-        <p:spPr/>
-        <p:txBody>
-          <a:bodyPr>
-            <a:normAutofit lnSpcReduction="10000"/>
-          </a:bodyPr>
-          <a:lstStyle/>
-          <a:p>
-            <a:r>
-              <a:rPr lang="en-GB" dirty="0"/>
-              <a:t>The overall development cycle was waterfall based with three tiers:</a:t>
-            </a:r>
-          </a:p>
-          <a:p>
-            <a:pPr lvl="1"/>
-            <a:r>
-              <a:rPr lang="en-GB" dirty="0"/>
-              <a:t>Functional Tests – Highest level</a:t>
-            </a:r>
-          </a:p>
-          <a:p>
-            <a:pPr lvl="1"/>
-            <a:r>
-              <a:rPr lang="en-GB" dirty="0"/>
-              <a:t>Integration Tests – Integration between two components</a:t>
-            </a:r>
-          </a:p>
-          <a:p>
-            <a:pPr lvl="1"/>
-            <a:r>
-              <a:rPr lang="en-GB" dirty="0"/>
-              <a:t>Unit Tests – Tests a single method. Uses the python mock library</a:t>
-            </a:r>
-          </a:p>
-          <a:p>
-            <a:r>
-              <a:rPr lang="en-GB" dirty="0"/>
-              <a:t>The plan was that the code should be developed with extensive unit tests using TDD principals.</a:t>
-            </a:r>
-          </a:p>
-          <a:p>
-            <a:pPr lvl="1"/>
-            <a:r>
-              <a:rPr lang="en-GB" dirty="0"/>
-              <a:t>The code was written such that it should be unit testable, breaking functions down into small manageable chunks</a:t>
-            </a:r>
-          </a:p>
-          <a:p>
-            <a:pPr lvl="1"/>
-            <a:r>
-              <a:rPr lang="en-GB" dirty="0"/>
-              <a:t>This was not strictly followed and there is very little unit test coverage of some parts of the code</a:t>
-            </a:r>
-          </a:p>
-          <a:p>
-            <a:pPr lvl="1"/>
-            <a:r>
-              <a:rPr lang="en-GB" dirty="0"/>
-              <a:t>Some code was developed in a TDD fashion but this was found to be quite difficult to follow rigidly as the requirements were not very granular</a:t>
-            </a:r>
-          </a:p>
-          <a:p>
-            <a:endParaRPr lang="en-GB" dirty="0"/>
+              <a:t>Testing</a:t>
+            </a:r>
+          </a:p>
+        </p:txBody>
+      </p:sp>
+      <p:sp>
+        <p:nvSpPr>
+          <p:cNvPr id="3" name="Subtitle 2">
+            <a:extLst>
+              <a:ext uri="{FF2B5EF4-FFF2-40B4-BE49-F238E27FC236}">
+                <a16:creationId xmlns:a16="http://schemas.microsoft.com/office/drawing/2014/main" id="{163FEA8D-692C-46F1-861B-3002B7EEEC93}"/>
+              </a:ext>
+            </a:extLst>
+          </p:cNvPr>
+          <p:cNvSpPr>
+            <a:spLocks noGrp="1"/>
+          </p:cNvSpPr>
+          <p:nvPr>
+            <p:ph type="subTitle" idx="1"/>
+          </p:nvPr>
+        </p:nvSpPr>
+        <p:spPr/>
+        <p:txBody>
+          <a:bodyPr/>
+          <a:lstStyle/>
+          <a:p>
+            <a:r>
+              <a:rPr lang="en-GB" dirty="0"/>
+              <a:t>The bit everyone LOVES talking about</a:t>
+            </a:r>
           </a:p>
         </p:txBody>
       </p:sp>
     </p:spTree>
     <p:extLst>
       <p:ext uri="{BB962C8B-B14F-4D97-AF65-F5344CB8AC3E}">
-        <p14:creationId xmlns:p14="http://schemas.microsoft.com/office/powerpoint/2010/main" val="2373794393"/>
+        <p14:creationId xmlns:p14="http://schemas.microsoft.com/office/powerpoint/2010/main" val="4180462075"/>
       </p:ext>
     </p:extLst>
   </p:cSld>
@@ -7073,7 +8865,7 @@
           <p:cNvPr id="2" name="Title 1">
             <a:extLst>
               <a:ext uri="{FF2B5EF4-FFF2-40B4-BE49-F238E27FC236}">
-                <a16:creationId xmlns:a16="http://schemas.microsoft.com/office/drawing/2014/main" id="{020E41F3-3034-4FB6-9B7F-9D8F941EAEFD}"/>
+                <a16:creationId xmlns:a16="http://schemas.microsoft.com/office/drawing/2014/main" id="{6D0EF4E8-0044-4D59-8BB2-004C4DAD61EA}"/>
               </a:ext>
             </a:extLst>
           </p:cNvPr>
@@ -7091,7 +8883,7 @@
           <a:p>
             <a:r>
               <a:rPr lang="en-GB" dirty="0"/>
-              <a:t>CI / CD</a:t>
+              <a:t>Testing Methodology</a:t>
             </a:r>
           </a:p>
         </p:txBody>
@@ -7101,7 +8893,7 @@
           <p:cNvPr id="3" name="Content Placeholder 2">
             <a:extLst>
               <a:ext uri="{FF2B5EF4-FFF2-40B4-BE49-F238E27FC236}">
-                <a16:creationId xmlns:a16="http://schemas.microsoft.com/office/drawing/2014/main" id="{3D88C0F2-FDF2-4792-BB19-5354D3BBB7EF}"/>
+                <a16:creationId xmlns:a16="http://schemas.microsoft.com/office/drawing/2014/main" id="{373A0186-1E80-4344-8734-714CA30BECC1}"/>
               </a:ext>
             </a:extLst>
           </p:cNvPr>
@@ -7114,47 +8906,73 @@
         </p:nvSpPr>
         <p:spPr/>
         <p:txBody>
-          <a:bodyPr/>
-          <a:lstStyle/>
-          <a:p>
-            <a:r>
-              <a:rPr lang="en-GB" dirty="0"/>
-              <a:t>Due to the nature of the dynamic function generation a CI / CD pipeline was an obvious diagnostic choice</a:t>
-            </a:r>
-          </a:p>
-          <a:p>
-            <a:r>
-              <a:rPr lang="en-GB" dirty="0"/>
-              <a:t>There is a need to have an ECU in-the-loop which is complicated</a:t>
+          <a:bodyPr>
+            <a:normAutofit lnSpcReduction="10000"/>
+          </a:bodyPr>
+          <a:lstStyle/>
+          <a:p>
+            <a:r>
+              <a:rPr lang="en-GB" dirty="0"/>
+              <a:t>The overall development cycle was waterfall based with three tiers:</a:t>
             </a:r>
           </a:p>
           <a:p>
             <a:pPr lvl="1"/>
             <a:r>
               <a:rPr lang="en-GB" dirty="0"/>
-              <a:t>Real ECUs would require a dedicated system to run the CI/CD system as it would need access to the hardware</a:t>
+              <a:t>Functional Tests – Highest level</a:t>
             </a:r>
           </a:p>
           <a:p>
             <a:pPr lvl="1"/>
             <a:r>
               <a:rPr lang="en-GB" dirty="0"/>
-              <a:t>There isn’t an Open Source / Free Virtual ECU which supports UDS</a:t>
+              <a:t>Integration Tests – Integration between two components</a:t>
             </a:r>
           </a:p>
           <a:p>
             <a:pPr lvl="1"/>
             <a:r>
               <a:rPr lang="en-GB" dirty="0"/>
-              <a:t>It was not wise to use an instance of python-UDS to act as the virtualised ECU as this may have compounded errors</a:t>
-            </a:r>
+              <a:t>Unit Tests – Tests a single method. Uses the python mock library</a:t>
+            </a:r>
+          </a:p>
+          <a:p>
+            <a:r>
+              <a:rPr lang="en-GB" dirty="0"/>
+              <a:t>The plan was that the code should be developed with extensive unit tests using TDD principals.</a:t>
+            </a:r>
+          </a:p>
+          <a:p>
+            <a:pPr lvl="1"/>
+            <a:r>
+              <a:rPr lang="en-GB" dirty="0"/>
+              <a:t>The code was written such that it should be unit testable, breaking functions down into small manageable chunks</a:t>
+            </a:r>
+          </a:p>
+          <a:p>
+            <a:pPr lvl="1"/>
+            <a:r>
+              <a:rPr lang="en-GB" dirty="0"/>
+              <a:t>This was not strictly followed and there is very little unit test coverage of some parts of the code</a:t>
+            </a:r>
+          </a:p>
+          <a:p>
+            <a:pPr lvl="1"/>
+            <a:r>
+              <a:rPr lang="en-GB" dirty="0"/>
+              <a:t>Some code was developed in a TDD fashion but this was found to be quite difficult to follow rigidly as the requirements were not very granular</a:t>
+            </a:r>
+          </a:p>
+          <a:p>
+            <a:endParaRPr lang="en-GB" dirty="0"/>
           </a:p>
         </p:txBody>
       </p:sp>
     </p:spTree>
     <p:extLst>
       <p:ext uri="{BB962C8B-B14F-4D97-AF65-F5344CB8AC3E}">
-        <p14:creationId xmlns:p14="http://schemas.microsoft.com/office/powerpoint/2010/main" val="3425410465"/>
+        <p14:creationId xmlns:p14="http://schemas.microsoft.com/office/powerpoint/2010/main" val="2373794393"/>
       </p:ext>
     </p:extLst>
   </p:cSld>
@@ -7186,15 +9004,15 @@
           <p:cNvPr id="2" name="Title 1">
             <a:extLst>
               <a:ext uri="{FF2B5EF4-FFF2-40B4-BE49-F238E27FC236}">
-                <a16:creationId xmlns:a16="http://schemas.microsoft.com/office/drawing/2014/main" id="{8C45E973-C00B-4B2A-9678-6CC1F58B3631}"/>
-              </a:ext>
-            </a:extLst>
-          </p:cNvPr>
-          <p:cNvSpPr>
-            <a:spLocks noGrp="1"/>
-          </p:cNvSpPr>
-          <p:nvPr>
-            <p:ph type="ctrTitle"/>
+                <a16:creationId xmlns:a16="http://schemas.microsoft.com/office/drawing/2014/main" id="{020E41F3-3034-4FB6-9B7F-9D8F941EAEFD}"/>
+              </a:ext>
+            </a:extLst>
+          </p:cNvPr>
+          <p:cNvSpPr>
+            <a:spLocks noGrp="1"/>
+          </p:cNvSpPr>
+          <p:nvPr>
+            <p:ph type="title"/>
           </p:nvPr>
         </p:nvSpPr>
         <p:spPr/>
@@ -7204,25 +9022,25 @@
           <a:p>
             <a:r>
               <a:rPr lang="en-GB" dirty="0"/>
-              <a:t>Conclusions</a:t>
-            </a:r>
-          </a:p>
-        </p:txBody>
-      </p:sp>
-      <p:sp>
-        <p:nvSpPr>
-          <p:cNvPr id="3" name="Subtitle 2">
-            <a:extLst>
-              <a:ext uri="{FF2B5EF4-FFF2-40B4-BE49-F238E27FC236}">
-                <a16:creationId xmlns:a16="http://schemas.microsoft.com/office/drawing/2014/main" id="{163FEA8D-692C-46F1-861B-3002B7EEEC93}"/>
-              </a:ext>
-            </a:extLst>
-          </p:cNvPr>
-          <p:cNvSpPr>
-            <a:spLocks noGrp="1"/>
-          </p:cNvSpPr>
-          <p:nvPr>
-            <p:ph type="subTitle" idx="1"/>
+              <a:t>CI / CD</a:t>
+            </a:r>
+          </a:p>
+        </p:txBody>
+      </p:sp>
+      <p:sp>
+        <p:nvSpPr>
+          <p:cNvPr id="3" name="Content Placeholder 2">
+            <a:extLst>
+              <a:ext uri="{FF2B5EF4-FFF2-40B4-BE49-F238E27FC236}">
+                <a16:creationId xmlns:a16="http://schemas.microsoft.com/office/drawing/2014/main" id="{3D88C0F2-FDF2-4792-BB19-5354D3BBB7EF}"/>
+              </a:ext>
+            </a:extLst>
+          </p:cNvPr>
+          <p:cNvSpPr>
+            <a:spLocks noGrp="1"/>
+          </p:cNvSpPr>
+          <p:nvPr>
+            <p:ph idx="1"/>
           </p:nvPr>
         </p:nvSpPr>
         <p:spPr/>
@@ -7232,7 +9050,34 @@
           <a:p>
             <a:r>
               <a:rPr lang="en-GB" dirty="0"/>
-              <a:t>Was it really worth it?</a:t>
+              <a:t>Due to the nature of the dynamic function generation a CI / CD pipeline was an obvious diagnostic choice</a:t>
+            </a:r>
+          </a:p>
+          <a:p>
+            <a:r>
+              <a:rPr lang="en-GB" dirty="0"/>
+              <a:t>There is a need to have an ECU in-the-loop which is complicated</a:t>
+            </a:r>
+          </a:p>
+          <a:p>
+            <a:pPr lvl="1"/>
+            <a:r>
+              <a:rPr lang="en-GB" dirty="0"/>
+              <a:t>Real ECUs would require a dedicated system to run the CI/CD system as it would need access to the hardware</a:t>
+            </a:r>
+          </a:p>
+          <a:p>
+            <a:pPr lvl="1"/>
+            <a:r>
+              <a:rPr lang="en-GB" dirty="0"/>
+              <a:t>There isn’t an Open Source / Free Virtual ECU which supports UDS</a:t>
+            </a:r>
+          </a:p>
+          <a:p>
+            <a:pPr lvl="1"/>
+            <a:r>
+              <a:rPr lang="en-GB" dirty="0"/>
+              <a:t>It was not wise to use an instance of python-UDS to act as the virtualised ECU as this may have compounded errors</a:t>
             </a:r>
           </a:p>
         </p:txBody>
@@ -7240,7 +9085,7 @@
     </p:spTree>
     <p:extLst>
       <p:ext uri="{BB962C8B-B14F-4D97-AF65-F5344CB8AC3E}">
-        <p14:creationId xmlns:p14="http://schemas.microsoft.com/office/powerpoint/2010/main" val="3990608725"/>
+        <p14:creationId xmlns:p14="http://schemas.microsoft.com/office/powerpoint/2010/main" val="3425410465"/>
       </p:ext>
     </p:extLst>
   </p:cSld>
@@ -7272,15 +9117,15 @@
           <p:cNvPr id="2" name="Title 1">
             <a:extLst>
               <a:ext uri="{FF2B5EF4-FFF2-40B4-BE49-F238E27FC236}">
-                <a16:creationId xmlns:a16="http://schemas.microsoft.com/office/drawing/2014/main" id="{62D11E64-099F-4E58-8C70-56C07E5BC71C}"/>
-              </a:ext>
-            </a:extLst>
-          </p:cNvPr>
-          <p:cNvSpPr>
-            <a:spLocks noGrp="1"/>
-          </p:cNvSpPr>
-          <p:nvPr>
-            <p:ph type="title"/>
+                <a16:creationId xmlns:a16="http://schemas.microsoft.com/office/drawing/2014/main" id="{8C45E973-C00B-4B2A-9678-6CC1F58B3631}"/>
+              </a:ext>
+            </a:extLst>
+          </p:cNvPr>
+          <p:cNvSpPr>
+            <a:spLocks noGrp="1"/>
+          </p:cNvSpPr>
+          <p:nvPr>
+            <p:ph type="ctrTitle"/>
           </p:nvPr>
         </p:nvSpPr>
         <p:spPr/>
@@ -7297,107 +9142,28 @@
       </p:sp>
       <p:sp>
         <p:nvSpPr>
-          <p:cNvPr id="3" name="Content Placeholder 2">
-            <a:extLst>
-              <a:ext uri="{FF2B5EF4-FFF2-40B4-BE49-F238E27FC236}">
-                <a16:creationId xmlns:a16="http://schemas.microsoft.com/office/drawing/2014/main" id="{4CBCEDA6-A9F2-44BC-9284-A3D756F54FD3}"/>
-              </a:ext>
-            </a:extLst>
-          </p:cNvPr>
-          <p:cNvSpPr>
-            <a:spLocks noGrp="1"/>
-          </p:cNvSpPr>
-          <p:nvPr>
-            <p:ph idx="1"/>
-          </p:nvPr>
-        </p:nvSpPr>
-        <p:spPr/>
-        <p:txBody>
-          <a:bodyPr>
-            <a:normAutofit lnSpcReduction="10000"/>
-          </a:bodyPr>
-          <a:lstStyle/>
-          <a:p>
-            <a:r>
-              <a:rPr lang="en-GB" dirty="0"/>
-              <a:t>The code was very successful at Embed</a:t>
-            </a:r>
-          </a:p>
-          <a:p>
-            <a:pPr lvl="1"/>
-            <a:r>
-              <a:rPr lang="en-GB" dirty="0"/>
-              <a:t>Replaced older in-house tools</a:t>
-            </a:r>
-          </a:p>
-          <a:p>
-            <a:pPr lvl="1"/>
-            <a:r>
-              <a:rPr lang="en-GB" dirty="0"/>
-              <a:t>Used by staff in place of industry tools</a:t>
-            </a:r>
-          </a:p>
-          <a:p>
-            <a:pPr lvl="1"/>
-            <a:r>
-              <a:rPr lang="en-GB" dirty="0"/>
-              <a:t>Integrated into customer projects, including OEM vehicle manufacturers</a:t>
-            </a:r>
-          </a:p>
-          <a:p>
-            <a:r>
-              <a:rPr lang="en-GB" dirty="0"/>
-              <a:t>Improvements to the code were fairly easy</a:t>
-            </a:r>
-          </a:p>
-          <a:p>
-            <a:pPr lvl="1"/>
-            <a:r>
-              <a:rPr lang="en-GB" dirty="0"/>
-              <a:t>Addition of the </a:t>
-            </a:r>
-            <a:r>
-              <a:rPr lang="en-GB" dirty="0" err="1"/>
-              <a:t>LinTp</a:t>
-            </a:r>
-            <a:r>
-              <a:rPr lang="en-GB" dirty="0"/>
-              <a:t> and Interface code took about 1 week</a:t>
-            </a:r>
-          </a:p>
-          <a:p>
-            <a:pPr lvl="1"/>
-            <a:r>
-              <a:rPr lang="en-GB" dirty="0"/>
-              <a:t>Addition of </a:t>
-            </a:r>
-            <a:r>
-              <a:rPr lang="en-GB" dirty="0" err="1"/>
-              <a:t>socketCAN</a:t>
-            </a:r>
-            <a:r>
-              <a:rPr lang="en-GB" dirty="0"/>
-              <a:t> and </a:t>
-            </a:r>
-            <a:r>
-              <a:rPr lang="en-GB" dirty="0" err="1"/>
-              <a:t>linux</a:t>
-            </a:r>
-            <a:r>
-              <a:rPr lang="en-GB" dirty="0"/>
-              <a:t> support took 1 evening</a:t>
-            </a:r>
-          </a:p>
-          <a:p>
-            <a:r>
-              <a:rPr lang="en-GB" dirty="0"/>
-              <a:t>Had feedback / improvements from several people on GitHub</a:t>
-            </a:r>
-          </a:p>
-          <a:p>
-            <a:r>
-              <a:rPr lang="en-GB" dirty="0"/>
-              <a:t>Really interesting to create and learned a lot about python unit-testing and supporting python features (PIP and python packages)</a:t>
+          <p:cNvPr id="3" name="Subtitle 2">
+            <a:extLst>
+              <a:ext uri="{FF2B5EF4-FFF2-40B4-BE49-F238E27FC236}">
+                <a16:creationId xmlns:a16="http://schemas.microsoft.com/office/drawing/2014/main" id="{163FEA8D-692C-46F1-861B-3002B7EEEC93}"/>
+              </a:ext>
+            </a:extLst>
+          </p:cNvPr>
+          <p:cNvSpPr>
+            <a:spLocks noGrp="1"/>
+          </p:cNvSpPr>
+          <p:nvPr>
+            <p:ph type="subTitle" idx="1"/>
+          </p:nvPr>
+        </p:nvSpPr>
+        <p:spPr/>
+        <p:txBody>
+          <a:bodyPr/>
+          <a:lstStyle/>
+          <a:p>
+            <a:r>
+              <a:rPr lang="en-GB" dirty="0"/>
+              <a:t>Was it really worth it?</a:t>
             </a:r>
           </a:p>
         </p:txBody>
@@ -7405,7 +9171,7 @@
     </p:spTree>
     <p:extLst>
       <p:ext uri="{BB962C8B-B14F-4D97-AF65-F5344CB8AC3E}">
-        <p14:creationId xmlns:p14="http://schemas.microsoft.com/office/powerpoint/2010/main" val="502538108"/>
+        <p14:creationId xmlns:p14="http://schemas.microsoft.com/office/powerpoint/2010/main" val="3990608725"/>
       </p:ext>
     </p:extLst>
   </p:cSld>
@@ -7483,7 +9249,13 @@
           <a:p>
             <a:r>
               <a:rPr lang="en-GB" dirty="0"/>
-              <a:t>UDS (Unified Diagnostic Service) is a protocol to communicate with (typically) automotive ECUs.</a:t>
+              <a:t>UDS (Unified Diagnostic Service) is a protocol to communicate with (typically) automotive ECUs</a:t>
+            </a:r>
+          </a:p>
+          <a:p>
+            <a:r>
+              <a:rPr lang="en-GB" dirty="0"/>
+              <a:t>Used for generally any interaction to control or query an ECU, from resetting DTCs to flashing new firmware images</a:t>
             </a:r>
           </a:p>
           <a:p>
@@ -7512,12 +9284,6 @@
             <a:r>
               <a:rPr lang="en-GB" dirty="0"/>
               <a:t>, K-Line)</a:t>
-            </a:r>
-          </a:p>
-          <a:p>
-            <a:r>
-              <a:rPr lang="en-GB" dirty="0"/>
-              <a:t>Used for generally any interaction to control an ECU, from resetting DTCs to flashing new firmware images</a:t>
             </a:r>
           </a:p>
         </p:txBody>
@@ -7557,15 +9323,15 @@
           <p:cNvPr id="2" name="Title 1">
             <a:extLst>
               <a:ext uri="{FF2B5EF4-FFF2-40B4-BE49-F238E27FC236}">
-                <a16:creationId xmlns:a16="http://schemas.microsoft.com/office/drawing/2014/main" id="{8C45E973-C00B-4B2A-9678-6CC1F58B3631}"/>
-              </a:ext>
-            </a:extLst>
-          </p:cNvPr>
-          <p:cNvSpPr>
-            <a:spLocks noGrp="1"/>
-          </p:cNvSpPr>
-          <p:nvPr>
-            <p:ph type="ctrTitle"/>
+                <a16:creationId xmlns:a16="http://schemas.microsoft.com/office/drawing/2014/main" id="{62D11E64-099F-4E58-8C70-56C07E5BC71C}"/>
+              </a:ext>
+            </a:extLst>
+          </p:cNvPr>
+          <p:cNvSpPr>
+            <a:spLocks noGrp="1"/>
+          </p:cNvSpPr>
+          <p:nvPr>
+            <p:ph type="title"/>
           </p:nvPr>
         </p:nvSpPr>
         <p:spPr/>
@@ -7575,35 +9341,114 @@
           <a:p>
             <a:r>
               <a:rPr lang="en-GB" dirty="0"/>
-              <a:t>The Future!</a:t>
-            </a:r>
-          </a:p>
-        </p:txBody>
-      </p:sp>
-      <p:sp>
-        <p:nvSpPr>
-          <p:cNvPr id="3" name="Subtitle 2">
-            <a:extLst>
-              <a:ext uri="{FF2B5EF4-FFF2-40B4-BE49-F238E27FC236}">
-                <a16:creationId xmlns:a16="http://schemas.microsoft.com/office/drawing/2014/main" id="{163FEA8D-692C-46F1-861B-3002B7EEEC93}"/>
-              </a:ext>
-            </a:extLst>
-          </p:cNvPr>
-          <p:cNvSpPr>
-            <a:spLocks noGrp="1"/>
-          </p:cNvSpPr>
-          <p:nvPr>
-            <p:ph type="subTitle" idx="1"/>
-          </p:nvPr>
-        </p:nvSpPr>
-        <p:spPr/>
-        <p:txBody>
-          <a:bodyPr/>
-          <a:lstStyle/>
-          <a:p>
-            <a:r>
-              <a:rPr lang="en-GB" dirty="0"/>
-              <a:t>What to do next!</a:t>
+              <a:t>Conclusions</a:t>
+            </a:r>
+          </a:p>
+        </p:txBody>
+      </p:sp>
+      <p:sp>
+        <p:nvSpPr>
+          <p:cNvPr id="3" name="Content Placeholder 2">
+            <a:extLst>
+              <a:ext uri="{FF2B5EF4-FFF2-40B4-BE49-F238E27FC236}">
+                <a16:creationId xmlns:a16="http://schemas.microsoft.com/office/drawing/2014/main" id="{4CBCEDA6-A9F2-44BC-9284-A3D756F54FD3}"/>
+              </a:ext>
+            </a:extLst>
+          </p:cNvPr>
+          <p:cNvSpPr>
+            <a:spLocks noGrp="1"/>
+          </p:cNvSpPr>
+          <p:nvPr>
+            <p:ph idx="1"/>
+          </p:nvPr>
+        </p:nvSpPr>
+        <p:spPr/>
+        <p:txBody>
+          <a:bodyPr>
+            <a:normAutofit lnSpcReduction="10000"/>
+          </a:bodyPr>
+          <a:lstStyle/>
+          <a:p>
+            <a:r>
+              <a:rPr lang="en-GB" dirty="0"/>
+              <a:t>The code was very successful at Embed</a:t>
+            </a:r>
+          </a:p>
+          <a:p>
+            <a:pPr lvl="1"/>
+            <a:r>
+              <a:rPr lang="en-GB" dirty="0"/>
+              <a:t>Replaced older in-house tools</a:t>
+            </a:r>
+          </a:p>
+          <a:p>
+            <a:pPr lvl="1"/>
+            <a:r>
+              <a:rPr lang="en-GB" dirty="0"/>
+              <a:t>Used by staff in place of industry tools</a:t>
+            </a:r>
+          </a:p>
+          <a:p>
+            <a:pPr lvl="1"/>
+            <a:r>
+              <a:rPr lang="en-GB" dirty="0"/>
+              <a:t>Integrated into customer projects, including OEM vehicle manufacturers</a:t>
+            </a:r>
+          </a:p>
+          <a:p>
+            <a:r>
+              <a:rPr lang="en-GB" dirty="0"/>
+              <a:t>Improvements to the code were fairly easy</a:t>
+            </a:r>
+          </a:p>
+          <a:p>
+            <a:pPr lvl="1"/>
+            <a:r>
+              <a:rPr lang="en-GB" dirty="0"/>
+              <a:t>Addition of the </a:t>
+            </a:r>
+            <a:r>
+              <a:rPr lang="en-GB" dirty="0" err="1"/>
+              <a:t>LinTp</a:t>
+            </a:r>
+            <a:r>
+              <a:rPr lang="en-GB" dirty="0"/>
+              <a:t> and Interface code took about 1 week</a:t>
+            </a:r>
+          </a:p>
+          <a:p>
+            <a:pPr lvl="1"/>
+            <a:r>
+              <a:rPr lang="en-GB" dirty="0"/>
+              <a:t>Addition of </a:t>
+            </a:r>
+            <a:r>
+              <a:rPr lang="en-GB" dirty="0" err="1"/>
+              <a:t>socketCAN</a:t>
+            </a:r>
+            <a:r>
+              <a:rPr lang="en-GB" dirty="0"/>
+              <a:t> and </a:t>
+            </a:r>
+            <a:r>
+              <a:rPr lang="en-GB" dirty="0" err="1"/>
+              <a:t>linux</a:t>
+            </a:r>
+            <a:r>
+              <a:rPr lang="en-GB" dirty="0"/>
+              <a:t> support took 1 evening</a:t>
+            </a:r>
+          </a:p>
+          <a:p>
+            <a:r>
+              <a:rPr lang="en-GB" dirty="0"/>
+              <a:t>Had feedback / improvements from several people on GitHub</a:t>
+            </a:r>
+          </a:p>
+          <a:p>
+            <a:r>
+              <a:rPr lang="en-GB" dirty="0"/>
+              <a:t>Really interesting to create and learned a lot about python unit-testing and supporting python features (PIP and python packages)</a:t>
             </a:r>
           </a:p>
         </p:txBody>
@@ -7611,7 +9456,7 @@
     </p:spTree>
     <p:extLst>
       <p:ext uri="{BB962C8B-B14F-4D97-AF65-F5344CB8AC3E}">
-        <p14:creationId xmlns:p14="http://schemas.microsoft.com/office/powerpoint/2010/main" val="2145869205"/>
+        <p14:creationId xmlns:p14="http://schemas.microsoft.com/office/powerpoint/2010/main" val="502538108"/>
       </p:ext>
     </p:extLst>
   </p:cSld>
@@ -7643,15 +9488,15 @@
           <p:cNvPr id="2" name="Title 1">
             <a:extLst>
               <a:ext uri="{FF2B5EF4-FFF2-40B4-BE49-F238E27FC236}">
-                <a16:creationId xmlns:a16="http://schemas.microsoft.com/office/drawing/2014/main" id="{B387169A-C1C5-481E-B849-2CD188FB9553}"/>
-              </a:ext>
-            </a:extLst>
-          </p:cNvPr>
-          <p:cNvSpPr>
-            <a:spLocks noGrp="1"/>
-          </p:cNvSpPr>
-          <p:nvPr>
-            <p:ph type="title"/>
+                <a16:creationId xmlns:a16="http://schemas.microsoft.com/office/drawing/2014/main" id="{8C45E973-C00B-4B2A-9678-6CC1F58B3631}"/>
+              </a:ext>
+            </a:extLst>
+          </p:cNvPr>
+          <p:cNvSpPr>
+            <a:spLocks noGrp="1"/>
+          </p:cNvSpPr>
+          <p:nvPr>
+            <p:ph type="ctrTitle"/>
           </p:nvPr>
         </p:nvSpPr>
         <p:spPr/>
@@ -7668,18 +9513,18 @@
       </p:sp>
       <p:sp>
         <p:nvSpPr>
-          <p:cNvPr id="3" name="Content Placeholder 2">
-            <a:extLst>
-              <a:ext uri="{FF2B5EF4-FFF2-40B4-BE49-F238E27FC236}">
-                <a16:creationId xmlns:a16="http://schemas.microsoft.com/office/drawing/2014/main" id="{2147DA3A-8228-408A-875F-19BA6B2A6D81}"/>
-              </a:ext>
-            </a:extLst>
-          </p:cNvPr>
-          <p:cNvSpPr>
-            <a:spLocks noGrp="1"/>
-          </p:cNvSpPr>
-          <p:nvPr>
-            <p:ph idx="1"/>
+          <p:cNvPr id="3" name="Subtitle 2">
+            <a:extLst>
+              <a:ext uri="{FF2B5EF4-FFF2-40B4-BE49-F238E27FC236}">
+                <a16:creationId xmlns:a16="http://schemas.microsoft.com/office/drawing/2014/main" id="{163FEA8D-692C-46F1-861B-3002B7EEEC93}"/>
+              </a:ext>
+            </a:extLst>
+          </p:cNvPr>
+          <p:cNvSpPr>
+            <a:spLocks noGrp="1"/>
+          </p:cNvSpPr>
+          <p:nvPr>
+            <p:ph type="subTitle" idx="1"/>
           </p:nvPr>
         </p:nvSpPr>
         <p:spPr/>
@@ -7689,91 +9534,15 @@
           <a:p>
             <a:r>
               <a:rPr lang="en-GB" dirty="0"/>
-              <a:t>Python-UDS</a:t>
-            </a:r>
-          </a:p>
-          <a:p>
-            <a:pPr lvl="1"/>
-            <a:r>
-              <a:rPr lang="en-GB" dirty="0"/>
-              <a:t>Decouple </a:t>
-            </a:r>
-            <a:r>
-              <a:rPr lang="en-GB" dirty="0" err="1"/>
-              <a:t>CanTp</a:t>
-            </a:r>
-            <a:r>
-              <a:rPr lang="en-GB" dirty="0"/>
-              <a:t> and </a:t>
-            </a:r>
-            <a:r>
-              <a:rPr lang="en-GB" dirty="0" err="1"/>
-              <a:t>LinTp</a:t>
-            </a:r>
-            <a:r>
-              <a:rPr lang="en-GB" dirty="0"/>
-              <a:t> from their hardware implementations</a:t>
-            </a:r>
-          </a:p>
-          <a:p>
-            <a:pPr lvl="1"/>
-            <a:r>
-              <a:rPr lang="en-GB" dirty="0"/>
-              <a:t>Implement a software interface to cheaper CAN hardware (</a:t>
-            </a:r>
-            <a:r>
-              <a:rPr lang="en-GB" dirty="0">
-                <a:hlinkClick r:id="rId2"/>
-              </a:rPr>
-              <a:t>https://www.macchina.cc/catalog</a:t>
-            </a:r>
-            <a:r>
-              <a:rPr lang="en-GB" dirty="0"/>
-              <a:t>)</a:t>
-            </a:r>
-          </a:p>
-          <a:p>
-            <a:r>
-              <a:rPr lang="en-GB" dirty="0"/>
-              <a:t>Python-LIN</a:t>
-            </a:r>
-          </a:p>
-          <a:p>
-            <a:pPr lvl="1"/>
-            <a:r>
-              <a:rPr lang="en-GB" dirty="0"/>
-              <a:t>Develop into a more complete solution	</a:t>
-            </a:r>
-          </a:p>
-          <a:p>
-            <a:pPr lvl="1"/>
-            <a:r>
-              <a:rPr lang="en-GB" dirty="0"/>
-              <a:t>Create a LIN master hardware interface to enable UDS on LIN for less cost</a:t>
-            </a:r>
-          </a:p>
-          <a:p>
-            <a:r>
-              <a:rPr lang="en-GB" dirty="0"/>
-              <a:t>Other</a:t>
-            </a:r>
-          </a:p>
-          <a:p>
-            <a:pPr lvl="1"/>
-            <a:r>
-              <a:rPr lang="en-GB" dirty="0"/>
-              <a:t>Write an ODX generator to enable hobbyists to define their own databases</a:t>
-            </a:r>
-          </a:p>
-          <a:p>
-            <a:endParaRPr lang="en-GB" dirty="0"/>
+              <a:t>What to do next!</a:t>
+            </a:r>
           </a:p>
         </p:txBody>
       </p:sp>
     </p:spTree>
     <p:extLst>
       <p:ext uri="{BB962C8B-B14F-4D97-AF65-F5344CB8AC3E}">
-        <p14:creationId xmlns:p14="http://schemas.microsoft.com/office/powerpoint/2010/main" val="811973406"/>
+        <p14:creationId xmlns:p14="http://schemas.microsoft.com/office/powerpoint/2010/main" val="2145869205"/>
       </p:ext>
     </p:extLst>
   </p:cSld>
@@ -7805,6 +9574,168 @@
           <p:cNvPr id="2" name="Title 1">
             <a:extLst>
               <a:ext uri="{FF2B5EF4-FFF2-40B4-BE49-F238E27FC236}">
+                <a16:creationId xmlns:a16="http://schemas.microsoft.com/office/drawing/2014/main" id="{B387169A-C1C5-481E-B849-2CD188FB9553}"/>
+              </a:ext>
+            </a:extLst>
+          </p:cNvPr>
+          <p:cNvSpPr>
+            <a:spLocks noGrp="1"/>
+          </p:cNvSpPr>
+          <p:nvPr>
+            <p:ph type="title"/>
+          </p:nvPr>
+        </p:nvSpPr>
+        <p:spPr/>
+        <p:txBody>
+          <a:bodyPr/>
+          <a:lstStyle/>
+          <a:p>
+            <a:r>
+              <a:rPr lang="en-GB" dirty="0"/>
+              <a:t>The Future!</a:t>
+            </a:r>
+          </a:p>
+        </p:txBody>
+      </p:sp>
+      <p:sp>
+        <p:nvSpPr>
+          <p:cNvPr id="3" name="Content Placeholder 2">
+            <a:extLst>
+              <a:ext uri="{FF2B5EF4-FFF2-40B4-BE49-F238E27FC236}">
+                <a16:creationId xmlns:a16="http://schemas.microsoft.com/office/drawing/2014/main" id="{2147DA3A-8228-408A-875F-19BA6B2A6D81}"/>
+              </a:ext>
+            </a:extLst>
+          </p:cNvPr>
+          <p:cNvSpPr>
+            <a:spLocks noGrp="1"/>
+          </p:cNvSpPr>
+          <p:nvPr>
+            <p:ph idx="1"/>
+          </p:nvPr>
+        </p:nvSpPr>
+        <p:spPr/>
+        <p:txBody>
+          <a:bodyPr/>
+          <a:lstStyle/>
+          <a:p>
+            <a:r>
+              <a:rPr lang="en-GB" dirty="0"/>
+              <a:t>Python-UDS</a:t>
+            </a:r>
+          </a:p>
+          <a:p>
+            <a:pPr lvl="1"/>
+            <a:r>
+              <a:rPr lang="en-GB" dirty="0"/>
+              <a:t>Decouple </a:t>
+            </a:r>
+            <a:r>
+              <a:rPr lang="en-GB" dirty="0" err="1"/>
+              <a:t>CanTp</a:t>
+            </a:r>
+            <a:r>
+              <a:rPr lang="en-GB" dirty="0"/>
+              <a:t> and </a:t>
+            </a:r>
+            <a:r>
+              <a:rPr lang="en-GB" dirty="0" err="1"/>
+              <a:t>LinTp</a:t>
+            </a:r>
+            <a:r>
+              <a:rPr lang="en-GB" dirty="0"/>
+              <a:t> from their hardware implementations</a:t>
+            </a:r>
+          </a:p>
+          <a:p>
+            <a:pPr lvl="1"/>
+            <a:r>
+              <a:rPr lang="en-GB" dirty="0"/>
+              <a:t>Implement a software interface to cheaper CAN hardware (</a:t>
+            </a:r>
+            <a:r>
+              <a:rPr lang="en-GB" dirty="0">
+                <a:hlinkClick r:id="rId2"/>
+              </a:rPr>
+              <a:t>https://www.macchina.cc/catalog</a:t>
+            </a:r>
+            <a:r>
+              <a:rPr lang="en-GB" dirty="0"/>
+              <a:t>)</a:t>
+            </a:r>
+          </a:p>
+          <a:p>
+            <a:r>
+              <a:rPr lang="en-GB" dirty="0"/>
+              <a:t>Python-LIN</a:t>
+            </a:r>
+          </a:p>
+          <a:p>
+            <a:pPr lvl="1"/>
+            <a:r>
+              <a:rPr lang="en-GB" dirty="0"/>
+              <a:t>Develop into a more complete solution	</a:t>
+            </a:r>
+          </a:p>
+          <a:p>
+            <a:pPr lvl="1"/>
+            <a:r>
+              <a:rPr lang="en-GB" dirty="0"/>
+              <a:t>Create a LIN master hardware interface to enable UDS on LIN for less cost</a:t>
+            </a:r>
+          </a:p>
+          <a:p>
+            <a:r>
+              <a:rPr lang="en-GB" dirty="0"/>
+              <a:t>Other</a:t>
+            </a:r>
+          </a:p>
+          <a:p>
+            <a:pPr lvl="1"/>
+            <a:r>
+              <a:rPr lang="en-GB" dirty="0"/>
+              <a:t>Write an ODX generator to enable hobbyists to define their own databases</a:t>
+            </a:r>
+          </a:p>
+          <a:p>
+            <a:endParaRPr lang="en-GB" dirty="0"/>
+          </a:p>
+        </p:txBody>
+      </p:sp>
+    </p:spTree>
+    <p:extLst>
+      <p:ext uri="{BB962C8B-B14F-4D97-AF65-F5344CB8AC3E}">
+        <p14:creationId xmlns:p14="http://schemas.microsoft.com/office/powerpoint/2010/main" val="811973406"/>
+      </p:ext>
+    </p:extLst>
+  </p:cSld>
+  <p:clrMapOvr>
+    <a:masterClrMapping/>
+  </p:clrMapOvr>
+</p:sld>
+</file>
+
+<file path=ppt/slides/slide33.xml><?xml version="1.0" encoding="utf-8"?>
+<p:sld xmlns:a="http://schemas.openxmlformats.org/drawingml/2006/main" xmlns:r="http://schemas.openxmlformats.org/officeDocument/2006/relationships" xmlns:p="http://schemas.openxmlformats.org/presentationml/2006/main">
+  <p:cSld>
+    <p:spTree>
+      <p:nvGrpSpPr>
+        <p:cNvPr id="1" name=""/>
+        <p:cNvGrpSpPr/>
+        <p:nvPr/>
+      </p:nvGrpSpPr>
+      <p:grpSpPr>
+        <a:xfrm>
+          <a:off x="0" y="0"/>
+          <a:ext cx="0" cy="0"/>
+          <a:chOff x="0" y="0"/>
+          <a:chExt cx="0" cy="0"/>
+        </a:xfrm>
+      </p:grpSpPr>
+      <p:sp>
+        <p:nvSpPr>
+          <p:cNvPr id="2" name="Title 1">
+            <a:extLst>
+              <a:ext uri="{FF2B5EF4-FFF2-40B4-BE49-F238E27FC236}">
                 <a16:creationId xmlns:a16="http://schemas.microsoft.com/office/drawing/2014/main" id="{3AF19FDA-EAB1-4F0D-86EB-40F6CB2B8DF8}"/>
               </a:ext>
             </a:extLst>
@@ -7946,7 +9877,7 @@
 </p:sld>
 </file>
 
-<file path=ppt/slides/slide33.xml><?xml version="1.0" encoding="utf-8"?>
+<file path=ppt/slides/slide34.xml><?xml version="1.0" encoding="utf-8"?>
 <p:sld xmlns:a="http://schemas.openxmlformats.org/drawingml/2006/main" xmlns:r="http://schemas.openxmlformats.org/officeDocument/2006/relationships" xmlns:p="http://schemas.openxmlformats.org/presentationml/2006/main">
   <p:cSld>
     <p:spTree>
@@ -8182,10 +10113,18 @@
             <a:pPr lvl="1"/>
             <a:r>
               <a:rPr lang="en-GB" dirty="0"/>
-              <a:t>Easier to interface with than having to reverse engineer raw CAN data (This can be simple, but can also be incredibly complex)</a:t>
-            </a:r>
-          </a:p>
-          <a:p>
+              <a:t>Easy to get started</a:t>
+            </a:r>
+          </a:p>
+          <a:p>
+            <a:pPr lvl="1"/>
+            <a:r>
+              <a:rPr lang="en-GB" dirty="0"/>
+              <a:t>Don’t have to reverse engineer raw CAN data (This can range from simple to incredibly complex)</a:t>
+            </a:r>
+          </a:p>
+          <a:p>
+            <a:pPr lvl="1"/>
             <a:r>
               <a:rPr lang="en-GB" dirty="0"/>
               <a:t>There are standard parameters for some data such as; engine speed, engine temp, throttle position, fuel trim, etc (links later)</a:t>
@@ -8194,7 +10133,7 @@
           <a:p>
             <a:r>
               <a:rPr lang="en-GB" dirty="0"/>
-              <a:t>UDS data can also help when identifying raw CAN data to provide references from trusted data sources</a:t>
+              <a:t>UDS data can also help when reverse engineering to provide references from known data sources</a:t>
             </a:r>
           </a:p>
           <a:p>
@@ -8258,7 +10197,7 @@
           <a:p>
             <a:r>
               <a:rPr lang="en-GB" dirty="0"/>
-              <a:t>Why create </a:t>
+              <a:t>Why bother to create </a:t>
             </a:r>
             <a:r>
               <a:rPr lang="en-GB" dirty="0" err="1"/>
@@ -8863,7 +10802,7 @@
             <a:r>
               <a:rPr lang="en-GB" sz="1900" dirty="0">
                 <a:solidFill>
-                  <a:schemeClr val="accent5">
+                  <a:schemeClr val="accent1">
                     <a:lumMod val="75000"/>
                   </a:schemeClr>
                 </a:solidFill>
@@ -8872,12 +10811,41 @@
               </a:rPr>
               <a:t>12</a:t>
             </a:r>
+          </a:p>
+          <a:p>
+            <a:pPr marL="457200" lvl="1" indent="0">
+              <a:buNone/>
+            </a:pPr>
             <a:r>
               <a:rPr lang="en-GB" sz="1900" dirty="0">
                 <a:latin typeface="Courier New" panose="02070309020205020404" pitchFamily="49" charset="0"/>
                 <a:cs typeface="Courier New" panose="02070309020205020404" pitchFamily="49" charset="0"/>
               </a:rPr>
-              <a:t> </a:t>
+              <a:t>Response: </a:t>
+            </a:r>
+            <a:r>
+              <a:rPr lang="en-GB" sz="1900" dirty="0">
+                <a:solidFill>
+                  <a:schemeClr val="accent4">
+                    <a:lumMod val="75000"/>
+                  </a:schemeClr>
+                </a:solidFill>
+                <a:latin typeface="Courier New" panose="02070309020205020404" pitchFamily="49" charset="0"/>
+                <a:cs typeface="Courier New" panose="02070309020205020404" pitchFamily="49" charset="0"/>
+              </a:rPr>
+              <a:t>41 </a:t>
+            </a:r>
+            <a:r>
+              <a:rPr lang="en-GB" sz="1900" dirty="0">
+                <a:solidFill>
+                  <a:schemeClr val="accent1">
+                    <a:lumMod val="75000"/>
+                  </a:schemeClr>
+                </a:solidFill>
+                <a:latin typeface="Courier New" panose="02070309020205020404" pitchFamily="49" charset="0"/>
+                <a:cs typeface="Courier New" panose="02070309020205020404" pitchFamily="49" charset="0"/>
+              </a:rPr>
+              <a:t>12</a:t>
             </a:r>
             <a:r>
               <a:rPr lang="en-GB" sz="1900" dirty="0">
@@ -8889,7 +10857,7 @@
                 <a:latin typeface="Courier New" panose="02070309020205020404" pitchFamily="49" charset="0"/>
                 <a:cs typeface="Courier New" panose="02070309020205020404" pitchFamily="49" charset="0"/>
               </a:rPr>
-              <a:t>1F 40</a:t>
+              <a:t> 1F 40</a:t>
             </a:r>
           </a:p>
           <a:p>
@@ -8898,11 +10866,21 @@
             </a:pPr>
             <a:r>
               <a:rPr lang="en-GB" sz="1900" dirty="0">
+                <a:solidFill>
+                  <a:schemeClr val="accent6">
+                    <a:lumMod val="75000"/>
+                  </a:schemeClr>
+                </a:solidFill>
                 <a:latin typeface="Courier New" panose="02070309020205020404" pitchFamily="49" charset="0"/>
                 <a:cs typeface="Courier New" panose="02070309020205020404" pitchFamily="49" charset="0"/>
               </a:rPr>
-              <a:t>Response: </a:t>
-            </a:r>
+              <a:t>Green is the service</a:t>
+            </a:r>
+          </a:p>
+          <a:p>
+            <a:pPr marL="457200" lvl="1" indent="0">
+              <a:buNone/>
+            </a:pPr>
             <a:r>
               <a:rPr lang="en-GB" sz="1900" dirty="0">
                 <a:solidFill>
@@ -8913,52 +10891,6 @@
                 <a:latin typeface="Courier New" panose="02070309020205020404" pitchFamily="49" charset="0"/>
                 <a:cs typeface="Courier New" panose="02070309020205020404" pitchFamily="49" charset="0"/>
               </a:rPr>
-              <a:t>41 </a:t>
-            </a:r>
-            <a:r>
-              <a:rPr lang="en-GB" sz="1900" dirty="0">
-                <a:solidFill>
-                  <a:schemeClr val="accent2">
-                    <a:lumMod val="75000"/>
-                  </a:schemeClr>
-                </a:solidFill>
-                <a:latin typeface="Courier New" panose="02070309020205020404" pitchFamily="49" charset="0"/>
-                <a:cs typeface="Courier New" panose="02070309020205020404" pitchFamily="49" charset="0"/>
-              </a:rPr>
-              <a:t>12 1F 40</a:t>
-            </a:r>
-          </a:p>
-          <a:p>
-            <a:pPr marL="457200" lvl="1" indent="0">
-              <a:buNone/>
-            </a:pPr>
-            <a:r>
-              <a:rPr lang="en-GB" sz="1900" dirty="0">
-                <a:solidFill>
-                  <a:schemeClr val="accent6">
-                    <a:lumMod val="75000"/>
-                  </a:schemeClr>
-                </a:solidFill>
-                <a:latin typeface="Courier New" panose="02070309020205020404" pitchFamily="49" charset="0"/>
-                <a:cs typeface="Courier New" panose="02070309020205020404" pitchFamily="49" charset="0"/>
-              </a:rPr>
-              <a:t>Green is the service</a:t>
-            </a:r>
-          </a:p>
-          <a:p>
-            <a:pPr marL="457200" lvl="1" indent="0">
-              <a:buNone/>
-            </a:pPr>
-            <a:r>
-              <a:rPr lang="en-GB" sz="1900" dirty="0">
-                <a:solidFill>
-                  <a:schemeClr val="accent4">
-                    <a:lumMod val="75000"/>
-                  </a:schemeClr>
-                </a:solidFill>
-                <a:latin typeface="Courier New" panose="02070309020205020404" pitchFamily="49" charset="0"/>
-                <a:cs typeface="Courier New" panose="02070309020205020404" pitchFamily="49" charset="0"/>
-              </a:rPr>
               <a:t>Yellow is the response code</a:t>
             </a:r>
             <a:r>
@@ -8981,7 +10913,7 @@
             <a:r>
               <a:rPr lang="en-GB" sz="1900" dirty="0">
                 <a:solidFill>
-                  <a:schemeClr val="accent5">
+                  <a:schemeClr val="accent1">
                     <a:lumMod val="75000"/>
                   </a:schemeClr>
                 </a:solidFill>
@@ -9092,7 +11024,7 @@
             <a:r>
               <a:rPr lang="en-GB" sz="1400" dirty="0">
                 <a:cs typeface="Courier New" panose="02070309020205020404" pitchFamily="49" charset="0"/>
-                <a:hlinkClick r:id="rId2">
+                <a:hlinkClick r:id="rId3">
                   <a:extLst>
                     <a:ext uri="{A12FA001-AC4F-418D-AE19-62706E023703}">
                       <ahyp:hlinkClr xmlns:ahyp="http://schemas.microsoft.com/office/drawing/2018/hyperlinkcolor" val="tx"/>
@@ -9146,6 +11078,301 @@
 </file>
 
 <file path=ppt/theme/theme1.xml><?xml version="1.0" encoding="utf-8"?>
+<a:theme xmlns:a="http://schemas.openxmlformats.org/drawingml/2006/main" name="Office Theme">
+  <a:themeElements>
+    <a:clrScheme name="Office">
+      <a:dk1>
+        <a:sysClr val="windowText" lastClr="000000"/>
+      </a:dk1>
+      <a:lt1>
+        <a:sysClr val="window" lastClr="FFFFFF"/>
+      </a:lt1>
+      <a:dk2>
+        <a:srgbClr val="44546A"/>
+      </a:dk2>
+      <a:lt2>
+        <a:srgbClr val="E7E6E6"/>
+      </a:lt2>
+      <a:accent1>
+        <a:srgbClr val="4472C4"/>
+      </a:accent1>
+      <a:accent2>
+        <a:srgbClr val="ED7D31"/>
+      </a:accent2>
+      <a:accent3>
+        <a:srgbClr val="A5A5A5"/>
+      </a:accent3>
+      <a:accent4>
+        <a:srgbClr val="FFC000"/>
+      </a:accent4>
+      <a:accent5>
+        <a:srgbClr val="5B9BD5"/>
+      </a:accent5>
+      <a:accent6>
+        <a:srgbClr val="70AD47"/>
+      </a:accent6>
+      <a:hlink>
+        <a:srgbClr val="0563C1"/>
+      </a:hlink>
+      <a:folHlink>
+        <a:srgbClr val="954F72"/>
+      </a:folHlink>
+    </a:clrScheme>
+    <a:fontScheme name="Office">
+      <a:majorFont>
+        <a:latin typeface="Calibri Light" panose="020F0302020204030204"/>
+        <a:ea typeface=""/>
+        <a:cs typeface=""/>
+        <a:font script="Jpan" typeface="游ゴシック Light"/>
+        <a:font script="Hang" typeface="맑은 고딕"/>
+        <a:font script="Hans" typeface="等线 Light"/>
+        <a:font script="Hant" typeface="新細明體"/>
+        <a:font script="Arab" typeface="Times New Roman"/>
+        <a:font script="Hebr" typeface="Times New Roman"/>
+        <a:font script="Thai" typeface="Angsana New"/>
+        <a:font script="Ethi" typeface="Nyala"/>
+        <a:font script="Beng" typeface="Vrinda"/>
+        <a:font script="Gujr" typeface="Shruti"/>
+        <a:font script="Khmr" typeface="MoolBoran"/>
+        <a:font script="Knda" typeface="Tunga"/>
+        <a:font script="Guru" typeface="Raavi"/>
+        <a:font script="Cans" typeface="Euphemia"/>
+        <a:font script="Cher" typeface="Plantagenet Cherokee"/>
+        <a:font script="Yiii" typeface="Microsoft Yi Baiti"/>
+        <a:font script="Tibt" typeface="Microsoft Himalaya"/>
+        <a:font script="Thaa" typeface="MV Boli"/>
+        <a:font script="Deva" typeface="Mangal"/>
+        <a:font script="Telu" typeface="Gautami"/>
+        <a:font script="Taml" typeface="Latha"/>
+        <a:font script="Syrc" typeface="Estrangelo Edessa"/>
+        <a:font script="Orya" typeface="Kalinga"/>
+        <a:font script="Mlym" typeface="Kartika"/>
+        <a:font script="Laoo" typeface="DokChampa"/>
+        <a:font script="Sinh" typeface="Iskoola Pota"/>
+        <a:font script="Mong" typeface="Mongolian Baiti"/>
+        <a:font script="Viet" typeface="Times New Roman"/>
+        <a:font script="Uigh" typeface="Microsoft Uighur"/>
+        <a:font script="Geor" typeface="Sylfaen"/>
+        <a:font script="Armn" typeface="Arial"/>
+        <a:font script="Bugi" typeface="Leelawadee UI"/>
+        <a:font script="Bopo" typeface="Microsoft JhengHei"/>
+        <a:font script="Java" typeface="Javanese Text"/>
+        <a:font script="Lisu" typeface="Segoe UI"/>
+        <a:font script="Mymr" typeface="Myanmar Text"/>
+        <a:font script="Nkoo" typeface="Ebrima"/>
+        <a:font script="Olck" typeface="Nirmala UI"/>
+        <a:font script="Osma" typeface="Ebrima"/>
+        <a:font script="Phag" typeface="Phagspa"/>
+        <a:font script="Syrn" typeface="Estrangelo Edessa"/>
+        <a:font script="Syrj" typeface="Estrangelo Edessa"/>
+        <a:font script="Syre" typeface="Estrangelo Edessa"/>
+        <a:font script="Sora" typeface="Nirmala UI"/>
+        <a:font script="Tale" typeface="Microsoft Tai Le"/>
+        <a:font script="Talu" typeface="Microsoft New Tai Lue"/>
+        <a:font script="Tfng" typeface="Ebrima"/>
+      </a:majorFont>
+      <a:minorFont>
+        <a:latin typeface="Calibri" panose="020F0502020204030204"/>
+        <a:ea typeface=""/>
+        <a:cs typeface=""/>
+        <a:font script="Jpan" typeface="游ゴシック"/>
+        <a:font script="Hang" typeface="맑은 고딕"/>
+        <a:font script="Hans" typeface="等线"/>
+        <a:font script="Hant" typeface="新細明體"/>
+        <a:font script="Arab" typeface="Arial"/>
+        <a:font script="Hebr" typeface="Arial"/>
+        <a:font script="Thai" typeface="Cordia New"/>
+        <a:font script="Ethi" typeface="Nyala"/>
+        <a:font script="Beng" typeface="Vrinda"/>
+        <a:font script="Gujr" typeface="Shruti"/>
+        <a:font script="Khmr" typeface="DaunPenh"/>
+        <a:font script="Knda" typeface="Tunga"/>
+        <a:font script="Guru" typeface="Raavi"/>
+        <a:font script="Cans" typeface="Euphemia"/>
+        <a:font script="Cher" typeface="Plantagenet Cherokee"/>
+        <a:font script="Yiii" typeface="Microsoft Yi Baiti"/>
+        <a:font script="Tibt" typeface="Microsoft Himalaya"/>
+        <a:font script="Thaa" typeface="MV Boli"/>
+        <a:font script="Deva" typeface="Mangal"/>
+        <a:font script="Telu" typeface="Gautami"/>
+        <a:font script="Taml" typeface="Latha"/>
+        <a:font script="Syrc" typeface="Estrangelo Edessa"/>
+        <a:font script="Orya" typeface="Kalinga"/>
+        <a:font script="Mlym" typeface="Kartika"/>
+        <a:font script="Laoo" typeface="DokChampa"/>
+        <a:font script="Sinh" typeface="Iskoola Pota"/>
+        <a:font script="Mong" typeface="Mongolian Baiti"/>
+        <a:font script="Viet" typeface="Arial"/>
+        <a:font script="Uigh" typeface="Microsoft Uighur"/>
+        <a:font script="Geor" typeface="Sylfaen"/>
+        <a:font script="Armn" typeface="Arial"/>
+        <a:font script="Bugi" typeface="Leelawadee UI"/>
+        <a:font script="Bopo" typeface="Microsoft JhengHei"/>
+        <a:font script="Java" typeface="Javanese Text"/>
+        <a:font script="Lisu" typeface="Segoe UI"/>
+        <a:font script="Mymr" typeface="Myanmar Text"/>
+        <a:font script="Nkoo" typeface="Ebrima"/>
+        <a:font script="Olck" typeface="Nirmala UI"/>
+        <a:font script="Osma" typeface="Ebrima"/>
+        <a:font script="Phag" typeface="Phagspa"/>
+        <a:font script="Syrn" typeface="Estrangelo Edessa"/>
+        <a:font script="Syrj" typeface="Estrangelo Edessa"/>
+        <a:font script="Syre" typeface="Estrangelo Edessa"/>
+        <a:font script="Sora" typeface="Nirmala UI"/>
+        <a:font script="Tale" typeface="Microsoft Tai Le"/>
+        <a:font script="Talu" typeface="Microsoft New Tai Lue"/>
+        <a:font script="Tfng" typeface="Ebrima"/>
+      </a:minorFont>
+    </a:fontScheme>
+    <a:fmtScheme name="Office">
+      <a:fillStyleLst>
+        <a:solidFill>
+          <a:schemeClr val="phClr"/>
+        </a:solidFill>
+        <a:gradFill rotWithShape="1">
+          <a:gsLst>
+            <a:gs pos="0">
+              <a:schemeClr val="phClr">
+                <a:lumMod val="110000"/>
+                <a:satMod val="105000"/>
+                <a:tint val="67000"/>
+              </a:schemeClr>
+            </a:gs>
+            <a:gs pos="50000">
+              <a:schemeClr val="phClr">
+                <a:lumMod val="105000"/>
+                <a:satMod val="103000"/>
+                <a:tint val="73000"/>
+              </a:schemeClr>
+            </a:gs>
+            <a:gs pos="100000">
+              <a:schemeClr val="phClr">
+                <a:lumMod val="105000"/>
+                <a:satMod val="109000"/>
+                <a:tint val="81000"/>
+              </a:schemeClr>
+            </a:gs>
+          </a:gsLst>
+          <a:lin ang="5400000" scaled="0"/>
+        </a:gradFill>
+        <a:gradFill rotWithShape="1">
+          <a:gsLst>
+            <a:gs pos="0">
+              <a:schemeClr val="phClr">
+                <a:satMod val="103000"/>
+                <a:lumMod val="102000"/>
+                <a:tint val="94000"/>
+              </a:schemeClr>
+            </a:gs>
+            <a:gs pos="50000">
+              <a:schemeClr val="phClr">
+                <a:satMod val="110000"/>
+                <a:lumMod val="100000"/>
+                <a:shade val="100000"/>
+              </a:schemeClr>
+            </a:gs>
+            <a:gs pos="100000">
+              <a:schemeClr val="phClr">
+                <a:lumMod val="99000"/>
+                <a:satMod val="120000"/>
+                <a:shade val="78000"/>
+              </a:schemeClr>
+            </a:gs>
+          </a:gsLst>
+          <a:lin ang="5400000" scaled="0"/>
+        </a:gradFill>
+      </a:fillStyleLst>
+      <a:lnStyleLst>
+        <a:ln w="6350" cap="flat" cmpd="sng" algn="ctr">
+          <a:solidFill>
+            <a:schemeClr val="phClr"/>
+          </a:solidFill>
+          <a:prstDash val="solid"/>
+          <a:miter lim="800000"/>
+        </a:ln>
+        <a:ln w="12700" cap="flat" cmpd="sng" algn="ctr">
+          <a:solidFill>
+            <a:schemeClr val="phClr"/>
+          </a:solidFill>
+          <a:prstDash val="solid"/>
+          <a:miter lim="800000"/>
+        </a:ln>
+        <a:ln w="19050" cap="flat" cmpd="sng" algn="ctr">
+          <a:solidFill>
+            <a:schemeClr val="phClr"/>
+          </a:solidFill>
+          <a:prstDash val="solid"/>
+          <a:miter lim="800000"/>
+        </a:ln>
+      </a:lnStyleLst>
+      <a:effectStyleLst>
+        <a:effectStyle>
+          <a:effectLst/>
+        </a:effectStyle>
+        <a:effectStyle>
+          <a:effectLst/>
+        </a:effectStyle>
+        <a:effectStyle>
+          <a:effectLst>
+            <a:outerShdw blurRad="57150" dist="19050" dir="5400000" algn="ctr" rotWithShape="0">
+              <a:srgbClr val="000000">
+                <a:alpha val="63000"/>
+              </a:srgbClr>
+            </a:outerShdw>
+          </a:effectLst>
+        </a:effectStyle>
+      </a:effectStyleLst>
+      <a:bgFillStyleLst>
+        <a:solidFill>
+          <a:schemeClr val="phClr"/>
+        </a:solidFill>
+        <a:solidFill>
+          <a:schemeClr val="phClr">
+            <a:tint val="95000"/>
+            <a:satMod val="170000"/>
+          </a:schemeClr>
+        </a:solidFill>
+        <a:gradFill rotWithShape="1">
+          <a:gsLst>
+            <a:gs pos="0">
+              <a:schemeClr val="phClr">
+                <a:tint val="93000"/>
+                <a:satMod val="150000"/>
+                <a:shade val="98000"/>
+                <a:lumMod val="102000"/>
+              </a:schemeClr>
+            </a:gs>
+            <a:gs pos="50000">
+              <a:schemeClr val="phClr">
+                <a:tint val="98000"/>
+                <a:satMod val="130000"/>
+                <a:shade val="90000"/>
+                <a:lumMod val="103000"/>
+              </a:schemeClr>
+            </a:gs>
+            <a:gs pos="100000">
+              <a:schemeClr val="phClr">
+                <a:shade val="63000"/>
+                <a:satMod val="120000"/>
+              </a:schemeClr>
+            </a:gs>
+          </a:gsLst>
+          <a:lin ang="5400000" scaled="0"/>
+        </a:gradFill>
+      </a:bgFillStyleLst>
+    </a:fmtScheme>
+  </a:themeElements>
+  <a:objectDefaults/>
+  <a:extraClrSchemeLst/>
+  <a:extLst>
+    <a:ext uri="{05A4C25C-085E-4340-85A3-A5531E510DB2}">
+      <thm15:themeFamily xmlns:thm15="http://schemas.microsoft.com/office/thememl/2012/main" name="Office Theme" id="{62F939B6-93AF-4DB8-9C6B-D6C7DFDC589F}" vid="{4A3C46E8-61CC-4603-A589-7422A47A8E4A}"/>
+    </a:ext>
+  </a:extLst>
+</a:theme>
+</file>
+
+<file path=ppt/theme/theme2.xml><?xml version="1.0" encoding="utf-8"?>
 <a:theme xmlns:a="http://schemas.openxmlformats.org/drawingml/2006/main" name="Office Theme">
   <a:themeElements>
     <a:clrScheme name="Office">
